--- a/presentation.pptx
+++ b/presentation.pptx
@@ -30,29 +30,29 @@
     <p:sldId id="274" r:id="rId21"/>
     <p:sldId id="280" r:id="rId22"/>
     <p:sldId id="275" r:id="rId23"/>
-    <p:sldId id="276" r:id="rId24"/>
-    <p:sldId id="277" r:id="rId25"/>
-    <p:sldId id="278" r:id="rId26"/>
-    <p:sldId id="279" r:id="rId27"/>
-    <p:sldId id="301" r:id="rId28"/>
-    <p:sldId id="284" r:id="rId29"/>
-    <p:sldId id="285" r:id="rId30"/>
-    <p:sldId id="287" r:id="rId31"/>
-    <p:sldId id="292" r:id="rId32"/>
-    <p:sldId id="288" r:id="rId33"/>
-    <p:sldId id="289" r:id="rId34"/>
-    <p:sldId id="290" r:id="rId35"/>
-    <p:sldId id="291" r:id="rId36"/>
-    <p:sldId id="293" r:id="rId37"/>
-    <p:sldId id="294" r:id="rId38"/>
-    <p:sldId id="296" r:id="rId39"/>
-    <p:sldId id="297" r:id="rId40"/>
-    <p:sldId id="298" r:id="rId41"/>
-    <p:sldId id="300" r:id="rId42"/>
-    <p:sldId id="302" r:id="rId43"/>
-    <p:sldId id="303" r:id="rId44"/>
-    <p:sldId id="304" r:id="rId45"/>
-    <p:sldId id="305" r:id="rId46"/>
+    <p:sldId id="305" r:id="rId24"/>
+    <p:sldId id="276" r:id="rId25"/>
+    <p:sldId id="277" r:id="rId26"/>
+    <p:sldId id="278" r:id="rId27"/>
+    <p:sldId id="279" r:id="rId28"/>
+    <p:sldId id="301" r:id="rId29"/>
+    <p:sldId id="284" r:id="rId30"/>
+    <p:sldId id="285" r:id="rId31"/>
+    <p:sldId id="287" r:id="rId32"/>
+    <p:sldId id="292" r:id="rId33"/>
+    <p:sldId id="288" r:id="rId34"/>
+    <p:sldId id="289" r:id="rId35"/>
+    <p:sldId id="290" r:id="rId36"/>
+    <p:sldId id="291" r:id="rId37"/>
+    <p:sldId id="293" r:id="rId38"/>
+    <p:sldId id="294" r:id="rId39"/>
+    <p:sldId id="296" r:id="rId40"/>
+    <p:sldId id="297" r:id="rId41"/>
+    <p:sldId id="298" r:id="rId42"/>
+    <p:sldId id="300" r:id="rId43"/>
+    <p:sldId id="302" r:id="rId44"/>
+    <p:sldId id="303" r:id="rId45"/>
+    <p:sldId id="304" r:id="rId46"/>
     <p:sldId id="306" r:id="rId47"/>
     <p:sldId id="307" r:id="rId48"/>
     <p:sldId id="281" r:id="rId49"/>
@@ -204,6 +204,7 @@
             <p14:sldId id="274"/>
             <p14:sldId id="280"/>
             <p14:sldId id="275"/>
+            <p14:sldId id="305"/>
           </p14:sldIdLst>
         </p14:section>
         <p14:section name="Introduction to OpenGL" id="{026A7C90-45D7-B44B-B64D-82D6D55D3036}">
@@ -230,7 +231,6 @@
             <p14:sldId id="302"/>
             <p14:sldId id="303"/>
             <p14:sldId id="304"/>
-            <p14:sldId id="305"/>
             <p14:sldId id="306"/>
             <p14:sldId id="307"/>
           </p14:sldIdLst>
@@ -358,7 +358,7 @@
           <a:p>
             <a:fld id="{0D29E5F6-4055-AE4B-98F5-9E8595080BB9}" type="datetimeFigureOut">
               <a:rPr lang="en-US" smtClean="0"/>
-              <a:t>4/9/19</a:t>
+              <a:t>4/10/19</a:t>
             </a:fld>
             <a:endParaRPr lang="en-US"/>
           </a:p>
@@ -1114,7 +1114,7 @@
     </p:spTree>
     <p:extLst>
       <p:ext uri="{BB962C8B-B14F-4D97-AF65-F5344CB8AC3E}">
-        <p14:creationId xmlns:p14="http://schemas.microsoft.com/office/powerpoint/2010/main" val="4116045187"/>
+        <p14:creationId xmlns:p14="http://schemas.microsoft.com/office/powerpoint/2010/main" val="1528143825"/>
       </p:ext>
     </p:extLst>
   </p:cSld>
@@ -1168,64 +1168,7 @@
           <a:bodyPr/>
           <a:lstStyle/>
           <a:p>
-            <a:pPr marL="171450" indent="-171450">
-              <a:buFont typeface="Arial" panose="020B0604020202020204" pitchFamily="34" charset="0"/>
-              <a:buChar char="•"/>
-            </a:pPr>
-            <a:r>
-              <a:rPr lang="en-US" dirty="0"/>
-              <a:t>We will begin with creating a blank window on our desktop</a:t>
-            </a:r>
-          </a:p>
-          <a:p>
-            <a:pPr marL="171450" indent="-171450">
-              <a:buFont typeface="Arial" panose="020B0604020202020204" pitchFamily="34" charset="0"/>
-              <a:buChar char="•"/>
-            </a:pPr>
-            <a:r>
-              <a:rPr lang="en-US" dirty="0"/>
-              <a:t>This isn't particularly impressive, but it is required</a:t>
-            </a:r>
-          </a:p>
-          <a:p>
-            <a:pPr marL="171450" indent="-171450">
-              <a:buFont typeface="Arial" panose="020B0604020202020204" pitchFamily="34" charset="0"/>
-              <a:buChar char="•"/>
-            </a:pPr>
-            <a:r>
-              <a:rPr lang="en-US" dirty="0"/>
-              <a:t>GLFW, or Graphics Library Framework, is a cross-platform library for creating windows and handling window events such as input</a:t>
-            </a:r>
-          </a:p>
-          <a:p>
-            <a:pPr marL="171450" indent="-171450">
-              <a:buFont typeface="Arial" panose="020B0604020202020204" pitchFamily="34" charset="0"/>
-              <a:buChar char="•"/>
-            </a:pPr>
-            <a:r>
-              <a:rPr lang="en-US" dirty="0"/>
-              <a:t>GLFW will create our window for us, and something called an OpenGL context</a:t>
-            </a:r>
-          </a:p>
-          <a:p>
-            <a:pPr marL="171450" indent="-171450">
-              <a:buFont typeface="Arial" panose="020B0604020202020204" pitchFamily="34" charset="0"/>
-              <a:buChar char="•"/>
-            </a:pPr>
-            <a:r>
-              <a:rPr lang="en-US" dirty="0"/>
-              <a:t>All of our drawing will occur within this OpenGL context</a:t>
-            </a:r>
-          </a:p>
-          <a:p>
-            <a:pPr marL="171450" indent="-171450">
-              <a:buFont typeface="Arial" panose="020B0604020202020204" pitchFamily="34" charset="0"/>
-              <a:buChar char="•"/>
-            </a:pPr>
-            <a:r>
-              <a:rPr lang="en-US" dirty="0"/>
-              <a:t>OpenGL context: stores OpenGL state. All OpenGL commands will effect the current context.</a:t>
-            </a:r>
+            <a:endParaRPr lang="en-US" dirty="0"/>
           </a:p>
         </p:txBody>
       </p:sp>
@@ -1246,7 +1189,7 @@
           <a:p>
             <a:fld id="{EE81553D-6D03-D249-95BD-1524D81515F6}" type="slidenum">
               <a:rPr lang="en-US" smtClean="0"/>
-              <a:t>28</a:t>
+              <a:t>24</a:t>
             </a:fld>
             <a:endParaRPr lang="en-US"/>
           </a:p>
@@ -1255,7 +1198,7 @@
     </p:spTree>
     <p:extLst>
       <p:ext uri="{BB962C8B-B14F-4D97-AF65-F5344CB8AC3E}">
-        <p14:creationId xmlns:p14="http://schemas.microsoft.com/office/powerpoint/2010/main" val="3021038459"/>
+        <p14:creationId xmlns:p14="http://schemas.microsoft.com/office/powerpoint/2010/main" val="4116045187"/>
       </p:ext>
     </p:extLst>
   </p:cSld>
@@ -1314,20 +1257,58 @@
               <a:buChar char="•"/>
             </a:pPr>
             <a:r>
-              <a:rPr lang="en-US" dirty="0" err="1"/>
-              <a:t>glfwCreateWindow</a:t>
-            </a:r>
-            <a:r>
-              <a:rPr lang="en-US" dirty="0"/>
-              <a:t>: First NULL parameter is the </a:t>
-            </a:r>
-            <a:r>
-              <a:rPr lang="en-US" dirty="0" err="1"/>
-              <a:t>fullscreen</a:t>
-            </a:r>
-            <a:r>
-              <a:rPr lang="en-US" dirty="0"/>
-              <a:t> monitor to use, second NULL parameter is the window to share resources with (VBOs, textures, etc.) </a:t>
+              <a:rPr lang="en-US" dirty="0"/>
+              <a:t>We will begin with creating a blank window on our desktop</a:t>
+            </a:r>
+          </a:p>
+          <a:p>
+            <a:pPr marL="171450" indent="-171450">
+              <a:buFont typeface="Arial" panose="020B0604020202020204" pitchFamily="34" charset="0"/>
+              <a:buChar char="•"/>
+            </a:pPr>
+            <a:r>
+              <a:rPr lang="en-US" dirty="0"/>
+              <a:t>This isn't particularly impressive, but it is required</a:t>
+            </a:r>
+          </a:p>
+          <a:p>
+            <a:pPr marL="171450" indent="-171450">
+              <a:buFont typeface="Arial" panose="020B0604020202020204" pitchFamily="34" charset="0"/>
+              <a:buChar char="•"/>
+            </a:pPr>
+            <a:r>
+              <a:rPr lang="en-US" dirty="0"/>
+              <a:t>GLFW, or Graphics Library Framework, is a cross-platform library for creating windows and handling window events such as input</a:t>
+            </a:r>
+          </a:p>
+          <a:p>
+            <a:pPr marL="171450" indent="-171450">
+              <a:buFont typeface="Arial" panose="020B0604020202020204" pitchFamily="34" charset="0"/>
+              <a:buChar char="•"/>
+            </a:pPr>
+            <a:r>
+              <a:rPr lang="en-US" dirty="0"/>
+              <a:t>GLFW will create our window for us, and something called an OpenGL context</a:t>
+            </a:r>
+          </a:p>
+          <a:p>
+            <a:pPr marL="171450" indent="-171450">
+              <a:buFont typeface="Arial" panose="020B0604020202020204" pitchFamily="34" charset="0"/>
+              <a:buChar char="•"/>
+            </a:pPr>
+            <a:r>
+              <a:rPr lang="en-US" dirty="0"/>
+              <a:t>All of our drawing will occur within this OpenGL context</a:t>
+            </a:r>
+          </a:p>
+          <a:p>
+            <a:pPr marL="171450" indent="-171450">
+              <a:buFont typeface="Arial" panose="020B0604020202020204" pitchFamily="34" charset="0"/>
+              <a:buChar char="•"/>
+            </a:pPr>
+            <a:r>
+              <a:rPr lang="en-US" dirty="0"/>
+              <a:t>OpenGL context: stores OpenGL state. All OpenGL commands will effect the current context.</a:t>
             </a:r>
           </a:p>
         </p:txBody>
@@ -1358,7 +1339,7 @@
     </p:spTree>
     <p:extLst>
       <p:ext uri="{BB962C8B-B14F-4D97-AF65-F5344CB8AC3E}">
-        <p14:creationId xmlns:p14="http://schemas.microsoft.com/office/powerpoint/2010/main" val="970533847"/>
+        <p14:creationId xmlns:p14="http://schemas.microsoft.com/office/powerpoint/2010/main" val="3021038459"/>
       </p:ext>
     </p:extLst>
   </p:cSld>
@@ -1417,28 +1398,20 @@
               <a:buChar char="•"/>
             </a:pPr>
             <a:r>
-              <a:rPr lang="en-US" dirty="0"/>
-              <a:t>OpenGL stores vertices in vertex buffer objects</a:t>
-            </a:r>
-          </a:p>
-          <a:p>
-            <a:pPr marL="171450" indent="-171450">
-              <a:buFont typeface="Arial" panose="020B0604020202020204" pitchFamily="34" charset="0"/>
-              <a:buChar char="•"/>
-            </a:pPr>
-            <a:r>
-              <a:rPr lang="en-US" dirty="0"/>
-              <a:t>These buffers are then bound to vertex array objects</a:t>
-            </a:r>
-          </a:p>
-          <a:p>
-            <a:pPr marL="171450" indent="-171450">
-              <a:buFont typeface="Arial" panose="020B0604020202020204" pitchFamily="34" charset="0"/>
-              <a:buChar char="•"/>
-            </a:pPr>
-            <a:r>
-              <a:rPr lang="en-US" dirty="0"/>
-              <a:t>A VAO is then bound and drawn by OpenGL</a:t>
+              <a:rPr lang="en-US" dirty="0" err="1"/>
+              <a:t>glfwCreateWindow</a:t>
+            </a:r>
+            <a:r>
+              <a:rPr lang="en-US" dirty="0"/>
+              <a:t>: First NULL parameter is the </a:t>
+            </a:r>
+            <a:r>
+              <a:rPr lang="en-US" dirty="0" err="1"/>
+              <a:t>fullscreen</a:t>
+            </a:r>
+            <a:r>
+              <a:rPr lang="en-US" dirty="0"/>
+              <a:t> monitor to use, second NULL parameter is the window to share resources with (VBOs, textures, etc.) </a:t>
             </a:r>
           </a:p>
         </p:txBody>
@@ -1469,7 +1442,7 @@
     </p:spTree>
     <p:extLst>
       <p:ext uri="{BB962C8B-B14F-4D97-AF65-F5344CB8AC3E}">
-        <p14:creationId xmlns:p14="http://schemas.microsoft.com/office/powerpoint/2010/main" val="3000700637"/>
+        <p14:creationId xmlns:p14="http://schemas.microsoft.com/office/powerpoint/2010/main" val="970533847"/>
       </p:ext>
     </p:extLst>
   </p:cSld>
@@ -1529,7 +1502,7 @@
             </a:pPr>
             <a:r>
               <a:rPr lang="en-US" dirty="0"/>
-              <a:t>OpenGL patterns – names and binding</a:t>
+              <a:t>OpenGL stores vertices in vertex buffer objects</a:t>
             </a:r>
           </a:p>
           <a:p>
@@ -1539,7 +1512,17 @@
             </a:pPr>
             <a:r>
               <a:rPr lang="en-US" dirty="0"/>
-              <a:t>OpenGL state machine</a:t>
+              <a:t>These buffers are then bound to vertex array objects</a:t>
+            </a:r>
+          </a:p>
+          <a:p>
+            <a:pPr marL="171450" indent="-171450">
+              <a:buFont typeface="Arial" panose="020B0604020202020204" pitchFamily="34" charset="0"/>
+              <a:buChar char="•"/>
+            </a:pPr>
+            <a:r>
+              <a:rPr lang="en-US" dirty="0"/>
+              <a:t>A VAO is then bound and drawn by OpenGL</a:t>
             </a:r>
           </a:p>
         </p:txBody>
@@ -1561,7 +1544,7 @@
           <a:p>
             <a:fld id="{EE81553D-6D03-D249-95BD-1524D81515F6}" type="slidenum">
               <a:rPr lang="en-US" smtClean="0"/>
-              <a:t>32</a:t>
+              <a:t>31</a:t>
             </a:fld>
             <a:endParaRPr lang="en-US"/>
           </a:p>
@@ -1570,7 +1553,7 @@
     </p:spTree>
     <p:extLst>
       <p:ext uri="{BB962C8B-B14F-4D97-AF65-F5344CB8AC3E}">
-        <p14:creationId xmlns:p14="http://schemas.microsoft.com/office/powerpoint/2010/main" val="649335527"/>
+        <p14:creationId xmlns:p14="http://schemas.microsoft.com/office/powerpoint/2010/main" val="3000700637"/>
       </p:ext>
     </p:extLst>
   </p:cSld>
@@ -1624,7 +1607,24 @@
           <a:bodyPr/>
           <a:lstStyle/>
           <a:p>
-            <a:endParaRPr lang="en-US" dirty="0"/>
+            <a:pPr marL="171450" indent="-171450">
+              <a:buFont typeface="Arial" panose="020B0604020202020204" pitchFamily="34" charset="0"/>
+              <a:buChar char="•"/>
+            </a:pPr>
+            <a:r>
+              <a:rPr lang="en-US" dirty="0"/>
+              <a:t>OpenGL patterns – names and binding</a:t>
+            </a:r>
+          </a:p>
+          <a:p>
+            <a:pPr marL="171450" indent="-171450">
+              <a:buFont typeface="Arial" panose="020B0604020202020204" pitchFamily="34" charset="0"/>
+              <a:buChar char="•"/>
+            </a:pPr>
+            <a:r>
+              <a:rPr lang="en-US" dirty="0"/>
+              <a:t>OpenGL state machine</a:t>
+            </a:r>
           </a:p>
         </p:txBody>
       </p:sp>
@@ -1645,7 +1645,7 @@
           <a:p>
             <a:fld id="{EE81553D-6D03-D249-95BD-1524D81515F6}" type="slidenum">
               <a:rPr lang="en-US" smtClean="0"/>
-              <a:t>37</a:t>
+              <a:t>33</a:t>
             </a:fld>
             <a:endParaRPr lang="en-US"/>
           </a:p>
@@ -1654,7 +1654,7 @@
     </p:spTree>
     <p:extLst>
       <p:ext uri="{BB962C8B-B14F-4D97-AF65-F5344CB8AC3E}">
-        <p14:creationId xmlns:p14="http://schemas.microsoft.com/office/powerpoint/2010/main" val="1157221349"/>
+        <p14:creationId xmlns:p14="http://schemas.microsoft.com/office/powerpoint/2010/main" val="649335527"/>
       </p:ext>
     </p:extLst>
   </p:cSld>
@@ -1729,7 +1729,7 @@
           <a:p>
             <a:fld id="{EE81553D-6D03-D249-95BD-1524D81515F6}" type="slidenum">
               <a:rPr lang="en-US" smtClean="0"/>
-              <a:t>45</a:t>
+              <a:t>38</a:t>
             </a:fld>
             <a:endParaRPr lang="en-US"/>
           </a:p>
@@ -1738,7 +1738,7 @@
     </p:spTree>
     <p:extLst>
       <p:ext uri="{BB962C8B-B14F-4D97-AF65-F5344CB8AC3E}">
-        <p14:creationId xmlns:p14="http://schemas.microsoft.com/office/powerpoint/2010/main" val="1528143825"/>
+        <p14:creationId xmlns:p14="http://schemas.microsoft.com/office/powerpoint/2010/main" val="1157221349"/>
       </p:ext>
     </p:extLst>
   </p:cSld>
@@ -2807,7 +2807,7 @@
           <a:p>
             <a:fld id="{6B8850C4-06AA-7A41-95BA-992E22A95E4A}" type="datetime1">
               <a:rPr lang="en-US" smtClean="0"/>
-              <a:t>4/9/19</a:t>
+              <a:t>4/10/19</a:t>
             </a:fld>
             <a:endParaRPr lang="en-US"/>
           </a:p>
@@ -3095,7 +3095,7 @@
           <a:p>
             <a:fld id="{CCC3B255-31AB-ED41-BF34-9EC437ADFDDB}" type="datetime1">
               <a:rPr lang="en-US" smtClean="0"/>
-              <a:t>4/9/19</a:t>
+              <a:t>4/10/19</a:t>
             </a:fld>
             <a:endParaRPr lang="en-US"/>
           </a:p>
@@ -3293,7 +3293,7 @@
           <a:p>
             <a:fld id="{245DC9CE-27F6-8A44-9D00-6B9C1B82C922}" type="datetime1">
               <a:rPr lang="en-US" smtClean="0"/>
-              <a:t>4/9/19</a:t>
+              <a:t>4/10/19</a:t>
             </a:fld>
             <a:endParaRPr lang="en-US"/>
           </a:p>
@@ -3501,7 +3501,7 @@
           <a:p>
             <a:fld id="{DF3C07A2-2962-8541-88FA-C03D94E72787}" type="datetime1">
               <a:rPr lang="en-US" smtClean="0"/>
-              <a:t>4/9/19</a:t>
+              <a:t>4/10/19</a:t>
             </a:fld>
             <a:endParaRPr lang="en-US"/>
           </a:p>
@@ -3576,7 +3576,7 @@
 
 <file path=ppt/slideLayouts/slideLayout13.xml><?xml version="1.0" encoding="utf-8"?>
 <p:sldLayout xmlns:a="http://schemas.openxmlformats.org/drawingml/2006/main" xmlns:r="http://schemas.openxmlformats.org/officeDocument/2006/relationships" xmlns:p="http://schemas.openxmlformats.org/presentationml/2006/main" preserve="1" userDrawn="1">
-  <p:cSld name="Code Sample">
+  <p:cSld name="Code sample with title">
     <p:spTree>
       <p:nvGrpSpPr>
         <p:cNvPr id="1" name=""/>
@@ -3605,8 +3605,8 @@
         </p:nvSpPr>
         <p:spPr>
           <a:xfrm>
-            <a:off x="0" y="0"/>
-            <a:ext cx="12286034" cy="6955277"/>
+            <a:off x="-132735" y="-228600"/>
+            <a:ext cx="12634451" cy="7315199"/>
           </a:xfrm>
           <a:prstGeom prst="rect">
             <a:avLst/>
@@ -3659,106 +3659,9 @@
         <p:spPr/>
         <p:txBody>
           <a:bodyPr/>
-          <a:lstStyle/>
-          <a:p>
-            <a:fld id="{A9743519-5124-704D-87DB-584842E11EAC}" type="datetime1">
-              <a:rPr lang="en-US" smtClean="0"/>
-              <a:t>4/9/19</a:t>
-            </a:fld>
-            <a:endParaRPr lang="en-US"/>
-          </a:p>
-        </p:txBody>
-      </p:sp>
-      <p:sp>
-        <p:nvSpPr>
-          <p:cNvPr id="4" name="Footer Placeholder 3">
-            <a:extLst>
-              <a:ext uri="{FF2B5EF4-FFF2-40B4-BE49-F238E27FC236}">
-                <a16:creationId xmlns:a16="http://schemas.microsoft.com/office/drawing/2014/main" id="{8EB9383F-05E5-E346-9FA0-6A9A7F7B7AAD}"/>
-              </a:ext>
-            </a:extLst>
-          </p:cNvPr>
-          <p:cNvSpPr>
-            <a:spLocks noGrp="1"/>
-          </p:cNvSpPr>
-          <p:nvPr>
-            <p:ph type="ftr" sz="quarter" idx="11"/>
-          </p:nvPr>
-        </p:nvSpPr>
-        <p:spPr/>
-        <p:txBody>
-          <a:bodyPr/>
-          <a:lstStyle/>
-          <a:p>
-            <a:endParaRPr lang="en-US"/>
-          </a:p>
-        </p:txBody>
-      </p:sp>
-      <p:sp>
-        <p:nvSpPr>
-          <p:cNvPr id="5" name="Slide Number Placeholder 4">
-            <a:extLst>
-              <a:ext uri="{FF2B5EF4-FFF2-40B4-BE49-F238E27FC236}">
-                <a16:creationId xmlns:a16="http://schemas.microsoft.com/office/drawing/2014/main" id="{0F427F49-98A9-654F-BDB6-0D566A0790E6}"/>
-              </a:ext>
-            </a:extLst>
-          </p:cNvPr>
-          <p:cNvSpPr>
-            <a:spLocks noGrp="1"/>
-          </p:cNvSpPr>
-          <p:nvPr>
-            <p:ph type="sldNum" sz="quarter" idx="12"/>
-          </p:nvPr>
-        </p:nvSpPr>
-        <p:spPr/>
-        <p:txBody>
-          <a:bodyPr/>
-          <a:lstStyle/>
-          <a:p>
-            <a:fld id="{61842C9D-6878-FD4D-8ED6-99E08E82BFB8}" type="slidenum">
-              <a:rPr lang="en-US" smtClean="0"/>
-              <a:t>‹#›</a:t>
-            </a:fld>
-            <a:endParaRPr lang="en-US" dirty="0"/>
-          </a:p>
-        </p:txBody>
-      </p:sp>
-      <p:sp>
-        <p:nvSpPr>
-          <p:cNvPr id="7" name="Content Placeholder 6">
-            <a:extLst>
-              <a:ext uri="{FF2B5EF4-FFF2-40B4-BE49-F238E27FC236}">
-                <a16:creationId xmlns:a16="http://schemas.microsoft.com/office/drawing/2014/main" id="{BEB2470E-CBC3-2A42-97B5-A7A6A763A129}"/>
-              </a:ext>
-            </a:extLst>
-          </p:cNvPr>
-          <p:cNvSpPr>
-            <a:spLocks noGrp="1"/>
-          </p:cNvSpPr>
-          <p:nvPr>
-            <p:ph sz="quarter" idx="13"/>
-          </p:nvPr>
-        </p:nvSpPr>
-        <p:spPr>
-          <a:xfrm>
-            <a:off x="838201" y="457978"/>
-            <a:ext cx="10515600" cy="5485622"/>
-          </a:xfrm>
-          <a:solidFill>
-            <a:srgbClr val="2B2B2B"/>
-          </a:solidFill>
-        </p:spPr>
-        <p:txBody>
-          <a:bodyPr>
-            <a:normAutofit/>
-          </a:bodyPr>
           <a:lstStyle>
-            <a:lvl1pPr marL="0" indent="0">
-              <a:lnSpc>
-                <a:spcPct val="100000"/>
-              </a:lnSpc>
-              <a:buNone/>
-              <a:defRPr sz="1200">
+            <a:lvl1pPr>
+              <a:defRPr>
                 <a:solidFill>
                   <a:srgbClr val="A9B7C6"/>
                 </a:solidFill>
@@ -3766,189 +3669,67 @@
                 <a:ea typeface="Fira Code" panose="020B0509050000020004" pitchFamily="49" charset="0"/>
               </a:defRPr>
             </a:lvl1pPr>
-            <a:lvl2pPr marL="457200" indent="0">
-              <a:lnSpc>
-                <a:spcPct val="100000"/>
-              </a:lnSpc>
-              <a:buNone/>
-              <a:defRPr sz="1200">
+          </a:lstStyle>
+          <a:p>
+            <a:fld id="{A9743519-5124-704D-87DB-584842E11EAC}" type="datetime1">
+              <a:rPr lang="en-US" smtClean="0"/>
+              <a:pPr/>
+              <a:t>4/10/19</a:t>
+            </a:fld>
+            <a:endParaRPr lang="en-US" dirty="0"/>
+          </a:p>
+        </p:txBody>
+      </p:sp>
+      <p:sp>
+        <p:nvSpPr>
+          <p:cNvPr id="4" name="Footer Placeholder 3">
+            <a:extLst>
+              <a:ext uri="{FF2B5EF4-FFF2-40B4-BE49-F238E27FC236}">
+                <a16:creationId xmlns:a16="http://schemas.microsoft.com/office/drawing/2014/main" id="{8EB9383F-05E5-E346-9FA0-6A9A7F7B7AAD}"/>
+              </a:ext>
+            </a:extLst>
+          </p:cNvPr>
+          <p:cNvSpPr>
+            <a:spLocks noGrp="1"/>
+          </p:cNvSpPr>
+          <p:nvPr>
+            <p:ph type="ftr" sz="quarter" idx="11"/>
+          </p:nvPr>
+        </p:nvSpPr>
+        <p:spPr/>
+        <p:txBody>
+          <a:bodyPr/>
+          <a:lstStyle>
+            <a:lvl1pPr>
+              <a:defRPr>
                 <a:solidFill>
                   <a:srgbClr val="A9B7C6"/>
                 </a:solidFill>
+                <a:effectLst/>
                 <a:latin typeface="Fira Code" panose="020B0509050000020004" pitchFamily="49" charset="0"/>
                 <a:ea typeface="Fira Code" panose="020B0509050000020004" pitchFamily="49" charset="0"/>
               </a:defRPr>
-            </a:lvl2pPr>
-            <a:lvl3pPr marL="914400" indent="0">
-              <a:lnSpc>
-                <a:spcPct val="100000"/>
-              </a:lnSpc>
-              <a:buNone/>
-              <a:defRPr sz="1200">
-                <a:solidFill>
-                  <a:srgbClr val="A9B7C6"/>
-                </a:solidFill>
-                <a:latin typeface="Fira Code" panose="020B0509050000020004" pitchFamily="49" charset="0"/>
-                <a:ea typeface="Fira Code" panose="020B0509050000020004" pitchFamily="49" charset="0"/>
-              </a:defRPr>
-            </a:lvl3pPr>
-            <a:lvl4pPr marL="1371600" indent="0">
-              <a:lnSpc>
-                <a:spcPct val="100000"/>
-              </a:lnSpc>
-              <a:buNone/>
-              <a:defRPr sz="1200">
-                <a:solidFill>
-                  <a:srgbClr val="A9B7C6"/>
-                </a:solidFill>
-                <a:latin typeface="Fira Code" panose="020B0509050000020004" pitchFamily="49" charset="0"/>
-                <a:ea typeface="Fira Code" panose="020B0509050000020004" pitchFamily="49" charset="0"/>
-              </a:defRPr>
-            </a:lvl4pPr>
-            <a:lvl5pPr marL="1828800" indent="0">
-              <a:lnSpc>
-                <a:spcPct val="100000"/>
-              </a:lnSpc>
-              <a:buNone/>
-              <a:defRPr sz="1200">
-                <a:solidFill>
-                  <a:srgbClr val="A9B7C6"/>
-                </a:solidFill>
-                <a:latin typeface="Fira Code" panose="020B0509050000020004" pitchFamily="49" charset="0"/>
-                <a:ea typeface="Fira Code" panose="020B0509050000020004" pitchFamily="49" charset="0"/>
-              </a:defRPr>
-            </a:lvl5pPr>
+            </a:lvl1pPr>
           </a:lstStyle>
           <a:p>
-            <a:pPr lvl="0"/>
-            <a:r>
-              <a:rPr lang="en-US" dirty="0"/>
-              <a:t>Click to edit Master text styles</a:t>
-            </a:r>
-          </a:p>
-          <a:p>
-            <a:pPr lvl="1"/>
-            <a:r>
-              <a:rPr lang="en-US" dirty="0"/>
-              <a:t>Second level</a:t>
-            </a:r>
-          </a:p>
-          <a:p>
-            <a:pPr lvl="2"/>
-            <a:r>
-              <a:rPr lang="en-US" dirty="0"/>
-              <a:t>Third level</a:t>
-            </a:r>
-          </a:p>
-          <a:p>
-            <a:pPr lvl="3"/>
-            <a:r>
-              <a:rPr lang="en-US" dirty="0"/>
-              <a:t>Fourth level</a:t>
-            </a:r>
-          </a:p>
-          <a:p>
-            <a:pPr lvl="4"/>
-            <a:r>
-              <a:rPr lang="en-US" dirty="0"/>
-              <a:t>Fifth level</a:t>
-            </a:r>
-          </a:p>
-        </p:txBody>
-      </p:sp>
-    </p:spTree>
-    <p:extLst>
-      <p:ext uri="{BB962C8B-B14F-4D97-AF65-F5344CB8AC3E}">
-        <p14:creationId xmlns:p14="http://schemas.microsoft.com/office/powerpoint/2010/main" val="2410174532"/>
-      </p:ext>
-    </p:extLst>
-  </p:cSld>
-  <p:clrMapOvr>
-    <a:masterClrMapping/>
-  </p:clrMapOvr>
-</p:sldLayout>
-</file>
-
-<file path=ppt/slideLayouts/slideLayout14.xml><?xml version="1.0" encoding="utf-8"?>
-<p:sldLayout xmlns:a="http://schemas.openxmlformats.org/drawingml/2006/main" xmlns:r="http://schemas.openxmlformats.org/officeDocument/2006/relationships" xmlns:p="http://schemas.openxmlformats.org/presentationml/2006/main" preserve="1" userDrawn="1">
-  <p:cSld name="Code sample with title">
-    <p:spTree>
-      <p:nvGrpSpPr>
-        <p:cNvPr id="1" name=""/>
-        <p:cNvGrpSpPr/>
-        <p:nvPr/>
-      </p:nvGrpSpPr>
-      <p:grpSpPr>
-        <a:xfrm>
-          <a:off x="0" y="0"/>
-          <a:ext cx="0" cy="0"/>
-          <a:chOff x="0" y="0"/>
-          <a:chExt cx="0" cy="0"/>
-        </a:xfrm>
-      </p:grpSpPr>
-      <p:sp>
-        <p:nvSpPr>
-          <p:cNvPr id="8" name="Rectangle 7">
-            <a:extLst>
-              <a:ext uri="{FF2B5EF4-FFF2-40B4-BE49-F238E27FC236}">
-                <a16:creationId xmlns:a16="http://schemas.microsoft.com/office/drawing/2014/main" id="{D5C16069-4E2A-3442-AE01-8B15F9673A91}"/>
-              </a:ext>
-            </a:extLst>
-          </p:cNvPr>
-          <p:cNvSpPr/>
-          <p:nvPr userDrawn="1"/>
-        </p:nvSpPr>
-        <p:spPr>
-          <a:xfrm>
-            <a:off x="0" y="0"/>
-            <a:ext cx="12286034" cy="6955277"/>
-          </a:xfrm>
-          <a:prstGeom prst="rect">
-            <a:avLst/>
-          </a:prstGeom>
-          <a:solidFill>
-            <a:srgbClr val="2B2B2B"/>
-          </a:solidFill>
-        </p:spPr>
-        <p:style>
-          <a:lnRef idx="2">
-            <a:schemeClr val="accent1">
-              <a:shade val="50000"/>
-            </a:schemeClr>
-          </a:lnRef>
-          <a:fillRef idx="1">
-            <a:schemeClr val="accent1"/>
-          </a:fillRef>
-          <a:effectRef idx="0">
-            <a:schemeClr val="accent1"/>
-          </a:effectRef>
-          <a:fontRef idx="minor">
-            <a:schemeClr val="lt1"/>
-          </a:fontRef>
-        </p:style>
-        <p:txBody>
-          <a:bodyPr rtlCol="0" anchor="ctr"/>
-          <a:lstStyle/>
-          <a:p>
-            <a:pPr algn="ctr"/>
-            <a:endParaRPr lang="en-US"/>
-          </a:p>
-        </p:txBody>
-      </p:sp>
-      <p:sp>
-        <p:nvSpPr>
-          <p:cNvPr id="3" name="Date Placeholder 2">
-            <a:extLst>
-              <a:ext uri="{FF2B5EF4-FFF2-40B4-BE49-F238E27FC236}">
-                <a16:creationId xmlns:a16="http://schemas.microsoft.com/office/drawing/2014/main" id="{13C2BEF9-CDC7-784B-921D-EA2F702D717B}"/>
-              </a:ext>
-            </a:extLst>
-          </p:cNvPr>
-          <p:cNvSpPr>
-            <a:spLocks noGrp="1"/>
-          </p:cNvSpPr>
-          <p:nvPr>
-            <p:ph type="dt" sz="half" idx="10"/>
+            <a:endParaRPr lang="en-US" dirty="0"/>
+          </a:p>
+        </p:txBody>
+      </p:sp>
+      <p:sp>
+        <p:nvSpPr>
+          <p:cNvPr id="5" name="Slide Number Placeholder 4">
+            <a:extLst>
+              <a:ext uri="{FF2B5EF4-FFF2-40B4-BE49-F238E27FC236}">
+                <a16:creationId xmlns:a16="http://schemas.microsoft.com/office/drawing/2014/main" id="{0F427F49-98A9-654F-BDB6-0D566A0790E6}"/>
+              </a:ext>
+            </a:extLst>
+          </p:cNvPr>
+          <p:cNvSpPr>
+            <a:spLocks noGrp="1"/>
+          </p:cNvSpPr>
+          <p:nvPr>
+            <p:ph type="sldNum" sz="quarter" idx="12"/>
           </p:nvPr>
         </p:nvSpPr>
         <p:spPr/>
@@ -3960,77 +3741,8 @@
                 <a:solidFill>
                   <a:srgbClr val="A9B7C6"/>
                 </a:solidFill>
-              </a:defRPr>
-            </a:lvl1pPr>
-          </a:lstStyle>
-          <a:p>
-            <a:fld id="{A9743519-5124-704D-87DB-584842E11EAC}" type="datetime1">
-              <a:rPr lang="en-US" smtClean="0"/>
-              <a:pPr/>
-              <a:t>4/9/19</a:t>
-            </a:fld>
-            <a:endParaRPr lang="en-US" dirty="0"/>
-          </a:p>
-        </p:txBody>
-      </p:sp>
-      <p:sp>
-        <p:nvSpPr>
-          <p:cNvPr id="4" name="Footer Placeholder 3">
-            <a:extLst>
-              <a:ext uri="{FF2B5EF4-FFF2-40B4-BE49-F238E27FC236}">
-                <a16:creationId xmlns:a16="http://schemas.microsoft.com/office/drawing/2014/main" id="{8EB9383F-05E5-E346-9FA0-6A9A7F7B7AAD}"/>
-              </a:ext>
-            </a:extLst>
-          </p:cNvPr>
-          <p:cNvSpPr>
-            <a:spLocks noGrp="1"/>
-          </p:cNvSpPr>
-          <p:nvPr>
-            <p:ph type="ftr" sz="quarter" idx="11"/>
-          </p:nvPr>
-        </p:nvSpPr>
-        <p:spPr/>
-        <p:txBody>
-          <a:bodyPr/>
-          <a:lstStyle>
-            <a:lvl1pPr>
-              <a:defRPr>
-                <a:solidFill>
-                  <a:srgbClr val="A9B7C6"/>
-                </a:solidFill>
-              </a:defRPr>
-            </a:lvl1pPr>
-          </a:lstStyle>
-          <a:p>
-            <a:endParaRPr lang="en-US" dirty="0"/>
-          </a:p>
-        </p:txBody>
-      </p:sp>
-      <p:sp>
-        <p:nvSpPr>
-          <p:cNvPr id="5" name="Slide Number Placeholder 4">
-            <a:extLst>
-              <a:ext uri="{FF2B5EF4-FFF2-40B4-BE49-F238E27FC236}">
-                <a16:creationId xmlns:a16="http://schemas.microsoft.com/office/drawing/2014/main" id="{0F427F49-98A9-654F-BDB6-0D566A0790E6}"/>
-              </a:ext>
-            </a:extLst>
-          </p:cNvPr>
-          <p:cNvSpPr>
-            <a:spLocks noGrp="1"/>
-          </p:cNvSpPr>
-          <p:nvPr>
-            <p:ph type="sldNum" sz="quarter" idx="12"/>
-          </p:nvPr>
-        </p:nvSpPr>
-        <p:spPr/>
-        <p:txBody>
-          <a:bodyPr/>
-          <a:lstStyle>
-            <a:lvl1pPr>
-              <a:defRPr>
-                <a:solidFill>
-                  <a:srgbClr val="A9B7C6"/>
-                </a:solidFill>
+                <a:latin typeface="Fira Code" panose="020B0509050000020004" pitchFamily="49" charset="0"/>
+                <a:ea typeface="Fira Code" panose="020B0509050000020004" pitchFamily="49" charset="0"/>
               </a:defRPr>
             </a:lvl1pPr>
           </a:lstStyle>
@@ -4363,7 +4075,7 @@
           <a:p>
             <a:fld id="{37496812-23C4-2E48-AC67-778987793078}" type="datetime1">
               <a:rPr lang="en-US" smtClean="0"/>
-              <a:t>4/9/19</a:t>
+              <a:t>4/10/19</a:t>
             </a:fld>
             <a:endParaRPr lang="en-US"/>
           </a:p>
@@ -4566,7 +4278,7 @@
           <a:p>
             <a:fld id="{37496812-23C4-2E48-AC67-778987793078}" type="datetime1">
               <a:rPr lang="en-US" smtClean="0"/>
-              <a:t>4/9/19</a:t>
+              <a:t>4/10/19</a:t>
             </a:fld>
             <a:endParaRPr lang="en-US"/>
           </a:p>
@@ -4888,7 +4600,7 @@
           <a:p>
             <a:fld id="{0A4C7175-D5C3-2A40-B2CB-ADAE558A04F1}" type="datetime1">
               <a:rPr lang="en-US" smtClean="0"/>
-              <a:t>4/9/19</a:t>
+              <a:t>4/10/19</a:t>
             </a:fld>
             <a:endParaRPr lang="en-US"/>
           </a:p>
@@ -5153,7 +4865,7 @@
           <a:p>
             <a:fld id="{ABA2A8C5-3E99-0A48-BC01-8D7DFBA0AF79}" type="datetime1">
               <a:rPr lang="en-US" smtClean="0"/>
-              <a:t>4/9/19</a:t>
+              <a:t>4/10/19</a:t>
             </a:fld>
             <a:endParaRPr lang="en-US"/>
           </a:p>
@@ -5565,7 +5277,7 @@
           <a:p>
             <a:fld id="{2CE60067-8E67-BF41-A5B8-F2241EAC4833}" type="datetime1">
               <a:rPr lang="en-US" smtClean="0"/>
-              <a:t>4/9/19</a:t>
+              <a:t>4/10/19</a:t>
             </a:fld>
             <a:endParaRPr lang="en-US"/>
           </a:p>
@@ -5706,7 +5418,7 @@
           <a:p>
             <a:fld id="{D71B1015-0580-174F-9D9C-B0059C2A70EC}" type="datetime1">
               <a:rPr lang="en-US" smtClean="0"/>
-              <a:t>4/9/19</a:t>
+              <a:t>4/10/19</a:t>
             </a:fld>
             <a:endParaRPr lang="en-US"/>
           </a:p>
@@ -5819,7 +5531,7 @@
           <a:p>
             <a:fld id="{0B129F4C-57FA-4047-B335-92259A8314CD}" type="datetime1">
               <a:rPr lang="en-US" smtClean="0"/>
-              <a:t>4/9/19</a:t>
+              <a:t>4/10/19</a:t>
             </a:fld>
             <a:endParaRPr lang="en-US"/>
           </a:p>
@@ -6130,7 +5842,7 @@
           <a:p>
             <a:fld id="{C0A1ECED-8D9F-974B-9A87-C4497828B3B3}" type="datetime1">
               <a:rPr lang="en-US" smtClean="0"/>
-              <a:t>4/9/19</a:t>
+              <a:t>4/10/19</a:t>
             </a:fld>
             <a:endParaRPr lang="en-US"/>
           </a:p>
@@ -6371,7 +6083,7 @@
           <a:p>
             <a:fld id="{9BA7D37C-7E4C-B046-88DC-35926AEFD674}" type="datetime1">
               <a:rPr lang="en-US" smtClean="0"/>
-              <a:t>4/9/19</a:t>
+              <a:t>4/10/19</a:t>
             </a:fld>
             <a:endParaRPr lang="en-US"/>
           </a:p>
@@ -6488,8 +6200,7 @@
     <p:sldLayoutId id="2147483693" r:id="rId10"/>
     <p:sldLayoutId id="2147483694" r:id="rId11"/>
     <p:sldLayoutId id="2147483695" r:id="rId12"/>
-    <p:sldLayoutId id="2147483696" r:id="rId13"/>
-    <p:sldLayoutId id="2147483697" r:id="rId14"/>
+    <p:sldLayoutId id="2147483697" r:id="rId13"/>
   </p:sldLayoutIdLst>
   <p:hf hdr="0" ftr="0" dt="0"/>
   <p:txStyles>
@@ -8124,8 +7835,8 @@
           </a:p>
         </p:txBody>
       </p:sp>
-      <mc:AlternateContent xmlns:mc="http://schemas.openxmlformats.org/markup-compatibility/2006">
-        <mc:Choice xmlns:a14="http://schemas.microsoft.com/office/drawing/2010/main" Requires="a14">
+      <mc:AlternateContent xmlns:mc="http://schemas.openxmlformats.org/markup-compatibility/2006" xmlns:a14="http://schemas.microsoft.com/office/drawing/2010/main">
+        <mc:Choice Requires="a14">
           <p:sp>
             <p:nvSpPr>
               <p:cNvPr id="3" name="Content Placeholder 2">
@@ -8727,7 +8438,7 @@
             </p:txBody>
           </p:sp>
         </mc:Choice>
-        <mc:Fallback>
+        <mc:Fallback xmlns="">
           <p:sp>
             <p:nvSpPr>
               <p:cNvPr id="3" name="Content Placeholder 2">
@@ -9043,8 +8754,8 @@
           </a:p>
         </p:txBody>
       </p:sp>
-      <mc:AlternateContent xmlns:mc="http://schemas.openxmlformats.org/markup-compatibility/2006">
-        <mc:Choice xmlns:a14="http://schemas.microsoft.com/office/drawing/2010/main" Requires="a14">
+      <mc:AlternateContent xmlns:mc="http://schemas.openxmlformats.org/markup-compatibility/2006" xmlns:a14="http://schemas.microsoft.com/office/drawing/2010/main">
+        <mc:Choice Requires="a14">
           <p:sp>
             <p:nvSpPr>
               <p:cNvPr id="3" name="Content Placeholder 2">
@@ -9258,7 +8969,7 @@
             </p:txBody>
           </p:sp>
         </mc:Choice>
-        <mc:Fallback>
+        <mc:Fallback xmlns="">
           <p:sp>
             <p:nvSpPr>
               <p:cNvPr id="3" name="Content Placeholder 2">
@@ -9539,8 +9250,8 @@
           </a:p>
         </p:txBody>
       </p:sp>
-      <mc:AlternateContent xmlns:mc="http://schemas.openxmlformats.org/markup-compatibility/2006">
-        <mc:Choice xmlns:a14="http://schemas.microsoft.com/office/drawing/2010/main" Requires="a14">
+      <mc:AlternateContent xmlns:mc="http://schemas.openxmlformats.org/markup-compatibility/2006" xmlns:a14="http://schemas.microsoft.com/office/drawing/2010/main">
+        <mc:Choice Requires="a14">
           <p:sp>
             <p:nvSpPr>
               <p:cNvPr id="3" name="Content Placeholder 2">
@@ -9748,7 +9459,7 @@
             </p:txBody>
           </p:sp>
         </mc:Choice>
-        <mc:Fallback>
+        <mc:Fallback xmlns="">
           <p:sp>
             <p:nvSpPr>
               <p:cNvPr id="3" name="Content Placeholder 2">
@@ -9882,7 +9593,7 @@
           <p:cNvPr id="5" name="Title 4">
             <a:extLst>
               <a:ext uri="{FF2B5EF4-FFF2-40B4-BE49-F238E27FC236}">
-                <a16:creationId xmlns:a16="http://schemas.microsoft.com/office/drawing/2014/main" id="{C33162E9-5081-A842-A82D-D380EC7D9E74}"/>
+                <a16:creationId xmlns:a16="http://schemas.microsoft.com/office/drawing/2014/main" id="{FE650937-0CB9-C146-B2CB-31D284A8F669}"/>
               </a:ext>
             </a:extLst>
           </p:cNvPr>
@@ -9900,42 +9611,46 @@
           <a:p>
             <a:r>
               <a:rPr lang="en-US" dirty="0"/>
-              <a:t>Introduction to OpenGL</a:t>
-            </a:r>
-          </a:p>
-        </p:txBody>
-      </p:sp>
-      <p:sp>
-        <p:nvSpPr>
-          <p:cNvPr id="7" name="Text Placeholder 6">
-            <a:extLst>
-              <a:ext uri="{FF2B5EF4-FFF2-40B4-BE49-F238E27FC236}">
-                <a16:creationId xmlns:a16="http://schemas.microsoft.com/office/drawing/2014/main" id="{492DA023-AFB4-4B49-8388-1A908BB3EC30}"/>
-              </a:ext>
-            </a:extLst>
-          </p:cNvPr>
-          <p:cNvSpPr>
-            <a:spLocks noGrp="1"/>
-          </p:cNvSpPr>
-          <p:nvPr>
-            <p:ph type="body" idx="1"/>
-          </p:nvPr>
-        </p:nvSpPr>
-        <p:spPr/>
-        <p:txBody>
-          <a:bodyPr/>
-          <a:lstStyle/>
-          <a:p>
-            <a:endParaRPr lang="en-US"/>
-          </a:p>
-        </p:txBody>
-      </p:sp>
-      <p:sp>
-        <p:nvSpPr>
-          <p:cNvPr id="4" name="Slide Number Placeholder 3">
-            <a:extLst>
-              <a:ext uri="{FF2B5EF4-FFF2-40B4-BE49-F238E27FC236}">
-                <a16:creationId xmlns:a16="http://schemas.microsoft.com/office/drawing/2014/main" id="{0C43AA3D-4F78-A64A-875D-F8A3BAAC2FA4}"/>
+              <a:t>Textures</a:t>
+            </a:r>
+          </a:p>
+        </p:txBody>
+      </p:sp>
+      <p:pic>
+        <p:nvPicPr>
+          <p:cNvPr id="10" name="Content Placeholder 9">
+            <a:extLst>
+              <a:ext uri="{FF2B5EF4-FFF2-40B4-BE49-F238E27FC236}">
+                <a16:creationId xmlns:a16="http://schemas.microsoft.com/office/drawing/2014/main" id="{4ED79CEC-E7BA-0944-AAAE-0030E88CD060}"/>
+              </a:ext>
+            </a:extLst>
+          </p:cNvPr>
+          <p:cNvPicPr>
+            <a:picLocks noGrp="1" noChangeAspect="1"/>
+          </p:cNvPicPr>
+          <p:nvPr>
+            <p:ph idx="1"/>
+          </p:nvPr>
+        </p:nvPicPr>
+        <p:blipFill>
+          <a:blip r:embed="rId3"/>
+          <a:stretch>
+            <a:fillRect/>
+          </a:stretch>
+        </p:blipFill>
+        <p:spPr>
+          <a:xfrm>
+            <a:off x="1550721" y="2527159"/>
+            <a:ext cx="9090557" cy="1803682"/>
+          </a:xfrm>
+        </p:spPr>
+      </p:pic>
+      <p:sp>
+        <p:nvSpPr>
+          <p:cNvPr id="2" name="Slide Number Placeholder 1">
+            <a:extLst>
+              <a:ext uri="{FF2B5EF4-FFF2-40B4-BE49-F238E27FC236}">
+                <a16:creationId xmlns:a16="http://schemas.microsoft.com/office/drawing/2014/main" id="{F8EC99E1-2E46-E849-AF4F-BE778A01BE88}"/>
               </a:ext>
             </a:extLst>
           </p:cNvPr>
@@ -9953,16 +9668,47 @@
           <a:p>
             <a:fld id="{61842C9D-6878-FD4D-8ED6-99E08E82BFB8}" type="slidenum">
               <a:rPr lang="en-US" smtClean="0"/>
+              <a:pPr/>
               <a:t>23</a:t>
             </a:fld>
-            <a:endParaRPr lang="en-US"/>
+            <a:endParaRPr lang="en-US" dirty="0"/>
+          </a:p>
+        </p:txBody>
+      </p:sp>
+      <p:sp>
+        <p:nvSpPr>
+          <p:cNvPr id="11" name="Text Placeholder 10">
+            <a:extLst>
+              <a:ext uri="{FF2B5EF4-FFF2-40B4-BE49-F238E27FC236}">
+                <a16:creationId xmlns:a16="http://schemas.microsoft.com/office/drawing/2014/main" id="{E7FC6B94-CB51-A842-A86F-0676CC3C12FF}"/>
+              </a:ext>
+            </a:extLst>
+          </p:cNvPr>
+          <p:cNvSpPr>
+            <a:spLocks noGrp="1"/>
+          </p:cNvSpPr>
+          <p:nvPr>
+            <p:ph type="body" sz="quarter" idx="13"/>
+          </p:nvPr>
+        </p:nvSpPr>
+        <p:spPr/>
+        <p:txBody>
+          <a:bodyPr>
+            <a:normAutofit fontScale="92500" lnSpcReduction="20000"/>
+          </a:bodyPr>
+          <a:lstStyle/>
+          <a:p>
+            <a:r>
+              <a:rPr lang="en-US" dirty="0"/>
+              <a:t>[13]</a:t>
+            </a:r>
           </a:p>
         </p:txBody>
       </p:sp>
     </p:spTree>
     <p:extLst>
       <p:ext uri="{BB962C8B-B14F-4D97-AF65-F5344CB8AC3E}">
-        <p14:creationId xmlns:p14="http://schemas.microsoft.com/office/powerpoint/2010/main" val="1444623326"/>
+        <p14:creationId xmlns:p14="http://schemas.microsoft.com/office/powerpoint/2010/main" val="1660204529"/>
       </p:ext>
     </p:extLst>
   </p:cSld>
@@ -9991,10 +9737,10 @@
       </p:grpSpPr>
       <p:sp>
         <p:nvSpPr>
-          <p:cNvPr id="2" name="Title 1">
-            <a:extLst>
-              <a:ext uri="{FF2B5EF4-FFF2-40B4-BE49-F238E27FC236}">
-                <a16:creationId xmlns:a16="http://schemas.microsoft.com/office/drawing/2014/main" id="{56ABD139-FFD1-2145-BD7C-1872600C4871}"/>
+          <p:cNvPr id="5" name="Title 4">
+            <a:extLst>
+              <a:ext uri="{FF2B5EF4-FFF2-40B4-BE49-F238E27FC236}">
+                <a16:creationId xmlns:a16="http://schemas.microsoft.com/office/drawing/2014/main" id="{C33162E9-5081-A842-A82D-D380EC7D9E74}"/>
               </a:ext>
             </a:extLst>
           </p:cNvPr>
@@ -10019,43 +9765,26 @@
       </p:sp>
       <p:sp>
         <p:nvSpPr>
-          <p:cNvPr id="3" name="Content Placeholder 2">
-            <a:extLst>
-              <a:ext uri="{FF2B5EF4-FFF2-40B4-BE49-F238E27FC236}">
-                <a16:creationId xmlns:a16="http://schemas.microsoft.com/office/drawing/2014/main" id="{2D47B92B-43D9-F049-AA21-7BED6DD31C3E}"/>
-              </a:ext>
-            </a:extLst>
-          </p:cNvPr>
-          <p:cNvSpPr>
-            <a:spLocks noGrp="1"/>
-          </p:cNvSpPr>
-          <p:nvPr>
-            <p:ph idx="1"/>
-          </p:nvPr>
-        </p:nvSpPr>
-        <p:spPr/>
-        <p:txBody>
-          <a:bodyPr/>
-          <a:lstStyle/>
-          <a:p>
-            <a:r>
-              <a:rPr lang="en-US" dirty="0"/>
-              <a:t>A specification created by the </a:t>
-            </a:r>
-            <a:r>
-              <a:rPr lang="en-US" dirty="0" err="1"/>
-              <a:t>Khronos</a:t>
-            </a:r>
-            <a:r>
-              <a:rPr lang="en-US" dirty="0"/>
-              <a:t> Group</a:t>
-            </a:r>
-          </a:p>
-          <a:p>
-            <a:r>
-              <a:rPr lang="en-US" dirty="0"/>
-              <a:t>Implemented by hardware vendors (i.e. Nvidia, AMD)</a:t>
-            </a:r>
+          <p:cNvPr id="7" name="Text Placeholder 6">
+            <a:extLst>
+              <a:ext uri="{FF2B5EF4-FFF2-40B4-BE49-F238E27FC236}">
+                <a16:creationId xmlns:a16="http://schemas.microsoft.com/office/drawing/2014/main" id="{492DA023-AFB4-4B49-8388-1A908BB3EC30}"/>
+              </a:ext>
+            </a:extLst>
+          </p:cNvPr>
+          <p:cNvSpPr>
+            <a:spLocks noGrp="1"/>
+          </p:cNvSpPr>
+          <p:nvPr>
+            <p:ph type="body" idx="1"/>
+          </p:nvPr>
+        </p:nvSpPr>
+        <p:spPr/>
+        <p:txBody>
+          <a:bodyPr/>
+          <a:lstStyle/>
+          <a:p>
+            <a:endParaRPr lang="en-US"/>
           </a:p>
         </p:txBody>
       </p:sp>
@@ -10064,7 +9793,7 @@
           <p:cNvPr id="4" name="Slide Number Placeholder 3">
             <a:extLst>
               <a:ext uri="{FF2B5EF4-FFF2-40B4-BE49-F238E27FC236}">
-                <a16:creationId xmlns:a16="http://schemas.microsoft.com/office/drawing/2014/main" id="{128D76D4-11D5-A646-9452-929CBC42D2C0}"/>
+                <a16:creationId xmlns:a16="http://schemas.microsoft.com/office/drawing/2014/main" id="{0C43AA3D-4F78-A64A-875D-F8A3BAAC2FA4}"/>
               </a:ext>
             </a:extLst>
           </p:cNvPr>
@@ -10091,7 +9820,7 @@
     </p:spTree>
     <p:extLst>
       <p:ext uri="{BB962C8B-B14F-4D97-AF65-F5344CB8AC3E}">
-        <p14:creationId xmlns:p14="http://schemas.microsoft.com/office/powerpoint/2010/main" val="2138886401"/>
+        <p14:creationId xmlns:p14="http://schemas.microsoft.com/office/powerpoint/2010/main" val="1444623326"/>
       </p:ext>
     </p:extLst>
   </p:cSld>
@@ -10123,7 +9852,7 @@
           <p:cNvPr id="2" name="Title 1">
             <a:extLst>
               <a:ext uri="{FF2B5EF4-FFF2-40B4-BE49-F238E27FC236}">
-                <a16:creationId xmlns:a16="http://schemas.microsoft.com/office/drawing/2014/main" id="{5523B6EE-0876-DB4D-95EE-7DED4A83CCE6}"/>
+                <a16:creationId xmlns:a16="http://schemas.microsoft.com/office/drawing/2014/main" id="{56ABD139-FFD1-2145-BD7C-1872600C4871}"/>
               </a:ext>
             </a:extLst>
           </p:cNvPr>
@@ -10141,7 +9870,7 @@
           <a:p>
             <a:r>
               <a:rPr lang="en-US" dirty="0"/>
-              <a:t>OpenGL Compatibility</a:t>
+              <a:t>Introduction to OpenGL</a:t>
             </a:r>
           </a:p>
         </p:txBody>
@@ -10151,7 +9880,7 @@
           <p:cNvPr id="3" name="Content Placeholder 2">
             <a:extLst>
               <a:ext uri="{FF2B5EF4-FFF2-40B4-BE49-F238E27FC236}">
-                <a16:creationId xmlns:a16="http://schemas.microsoft.com/office/drawing/2014/main" id="{636B0C9C-0A16-1342-8274-7309501F248C}"/>
+                <a16:creationId xmlns:a16="http://schemas.microsoft.com/office/drawing/2014/main" id="{2D47B92B-43D9-F049-AA21-7BED6DD31C3E}"/>
               </a:ext>
             </a:extLst>
           </p:cNvPr>
@@ -10169,19 +9898,21 @@
           <a:p>
             <a:r>
               <a:rPr lang="en-US" dirty="0"/>
-              <a:t>Most programming languages</a:t>
-            </a:r>
-          </a:p>
-          <a:p>
-            <a:r>
-              <a:rPr lang="en-US" dirty="0"/>
-              <a:t>All major operating systems</a:t>
-            </a:r>
-          </a:p>
-          <a:p>
-            <a:r>
-              <a:rPr lang="en-US" dirty="0"/>
-              <a:t>All major windowing systems</a:t>
+              <a:t>A specification created by the </a:t>
+            </a:r>
+            <a:r>
+              <a:rPr lang="en-US" dirty="0" err="1"/>
+              <a:t>Khronos</a:t>
+            </a:r>
+            <a:r>
+              <a:rPr lang="en-US" dirty="0"/>
+              <a:t> Group</a:t>
+            </a:r>
+          </a:p>
+          <a:p>
+            <a:r>
+              <a:rPr lang="en-US" dirty="0"/>
+              <a:t>Implemented by hardware vendors (i.e. Nvidia, AMD)</a:t>
             </a:r>
           </a:p>
         </p:txBody>
@@ -10191,7 +9922,7 @@
           <p:cNvPr id="4" name="Slide Number Placeholder 3">
             <a:extLst>
               <a:ext uri="{FF2B5EF4-FFF2-40B4-BE49-F238E27FC236}">
-                <a16:creationId xmlns:a16="http://schemas.microsoft.com/office/drawing/2014/main" id="{0E7C863F-D94A-4244-AC72-44D2E01E0D28}"/>
+                <a16:creationId xmlns:a16="http://schemas.microsoft.com/office/drawing/2014/main" id="{128D76D4-11D5-A646-9452-929CBC42D2C0}"/>
               </a:ext>
             </a:extLst>
           </p:cNvPr>
@@ -10218,7 +9949,7 @@
     </p:spTree>
     <p:extLst>
       <p:ext uri="{BB962C8B-B14F-4D97-AF65-F5344CB8AC3E}">
-        <p14:creationId xmlns:p14="http://schemas.microsoft.com/office/powerpoint/2010/main" val="3192709332"/>
+        <p14:creationId xmlns:p14="http://schemas.microsoft.com/office/powerpoint/2010/main" val="2138886401"/>
       </p:ext>
     </p:extLst>
   </p:cSld>
@@ -10250,7 +9981,7 @@
           <p:cNvPr id="2" name="Title 1">
             <a:extLst>
               <a:ext uri="{FF2B5EF4-FFF2-40B4-BE49-F238E27FC236}">
-                <a16:creationId xmlns:a16="http://schemas.microsoft.com/office/drawing/2014/main" id="{0ED0F292-7A2F-6646-8191-2CDA6130F8C9}"/>
+                <a16:creationId xmlns:a16="http://schemas.microsoft.com/office/drawing/2014/main" id="{5523B6EE-0876-DB4D-95EE-7DED4A83CCE6}"/>
               </a:ext>
             </a:extLst>
           </p:cNvPr>
@@ -10268,7 +9999,7 @@
           <a:p>
             <a:r>
               <a:rPr lang="en-US" dirty="0"/>
-              <a:t>Java and OpenGL</a:t>
+              <a:t>OpenGL Compatibility</a:t>
             </a:r>
           </a:p>
         </p:txBody>
@@ -10278,7 +10009,7 @@
           <p:cNvPr id="3" name="Content Placeholder 2">
             <a:extLst>
               <a:ext uri="{FF2B5EF4-FFF2-40B4-BE49-F238E27FC236}">
-                <a16:creationId xmlns:a16="http://schemas.microsoft.com/office/drawing/2014/main" id="{1F954620-8BA4-9B41-8E45-F1790DC94F4C}"/>
+                <a16:creationId xmlns:a16="http://schemas.microsoft.com/office/drawing/2014/main" id="{636B0C9C-0A16-1342-8274-7309501F248C}"/>
               </a:ext>
             </a:extLst>
           </p:cNvPr>
@@ -10296,59 +10027,20 @@
           <a:p>
             <a:r>
               <a:rPr lang="en-US" dirty="0"/>
-              <a:t>Lightweight Java Game Library (lwjgl)</a:t>
-            </a:r>
-          </a:p>
-          <a:p>
-            <a:pPr lvl="1"/>
-            <a:r>
-              <a:rPr lang="en-US" dirty="0"/>
-              <a:t>OpenGL</a:t>
-            </a:r>
-          </a:p>
-          <a:p>
-            <a:pPr lvl="1"/>
-            <a:r>
-              <a:rPr lang="en-US" dirty="0"/>
-              <a:t>GLFW (Game Library Framework)</a:t>
-            </a:r>
-          </a:p>
-          <a:p>
-            <a:pPr lvl="1"/>
-            <a:r>
-              <a:rPr lang="en-US" dirty="0" err="1"/>
-              <a:t>stb</a:t>
-            </a:r>
-            <a:r>
-              <a:rPr lang="en-US" dirty="0"/>
-              <a:t> (Texture and font loading)</a:t>
-            </a:r>
-          </a:p>
-          <a:p>
-            <a:r>
-              <a:rPr lang="en-US" dirty="0"/>
-              <a:t>Easily create cross-platform applications</a:t>
-            </a:r>
-          </a:p>
-          <a:p>
-            <a:r>
-              <a:rPr lang="en-US" dirty="0"/>
-              <a:t>Examples will use Java 11 with OpenGL 3.2</a:t>
-            </a:r>
-          </a:p>
-          <a:p>
-            <a:pPr lvl="1"/>
-            <a:r>
-              <a:rPr lang="en-US" dirty="0"/>
-              <a:t>Full application source available at </a:t>
-            </a:r>
-            <a:r>
-              <a:rPr lang="en-US" dirty="0">
-                <a:hlinkClick r:id="rId2"/>
-              </a:rPr>
-              <a:t>https://github.com/ShepherdJerred-homework/seminar-application</a:t>
-            </a:r>
-            <a:endParaRPr lang="en-US" dirty="0"/>
+              <a:t>Most programming languages</a:t>
+            </a:r>
+          </a:p>
+          <a:p>
+            <a:r>
+              <a:rPr lang="en-US" dirty="0"/>
+              <a:t>All major operating systems</a:t>
+            </a:r>
+          </a:p>
+          <a:p>
+            <a:r>
+              <a:rPr lang="en-US" dirty="0"/>
+              <a:t>All major windowing systems</a:t>
+            </a:r>
           </a:p>
         </p:txBody>
       </p:sp>
@@ -10357,7 +10049,7 @@
           <p:cNvPr id="4" name="Slide Number Placeholder 3">
             <a:extLst>
               <a:ext uri="{FF2B5EF4-FFF2-40B4-BE49-F238E27FC236}">
-                <a16:creationId xmlns:a16="http://schemas.microsoft.com/office/drawing/2014/main" id="{A0F1E993-0A46-C343-9CF8-C8B1CF2AEA0F}"/>
+                <a16:creationId xmlns:a16="http://schemas.microsoft.com/office/drawing/2014/main" id="{0E7C863F-D94A-4244-AC72-44D2E01E0D28}"/>
               </a:ext>
             </a:extLst>
           </p:cNvPr>
@@ -10384,7 +10076,7 @@
     </p:spTree>
     <p:extLst>
       <p:ext uri="{BB962C8B-B14F-4D97-AF65-F5344CB8AC3E}">
-        <p14:creationId xmlns:p14="http://schemas.microsoft.com/office/powerpoint/2010/main" val="1842843051"/>
+        <p14:creationId xmlns:p14="http://schemas.microsoft.com/office/powerpoint/2010/main" val="3192709332"/>
       </p:ext>
     </p:extLst>
   </p:cSld>
@@ -10416,7 +10108,7 @@
           <p:cNvPr id="2" name="Title 1">
             <a:extLst>
               <a:ext uri="{FF2B5EF4-FFF2-40B4-BE49-F238E27FC236}">
-                <a16:creationId xmlns:a16="http://schemas.microsoft.com/office/drawing/2014/main" id="{3047EEA8-600D-5F4C-8FB1-D05C2C655860}"/>
+                <a16:creationId xmlns:a16="http://schemas.microsoft.com/office/drawing/2014/main" id="{0ED0F292-7A2F-6646-8191-2CDA6130F8C9}"/>
               </a:ext>
             </a:extLst>
           </p:cNvPr>
@@ -10434,7 +10126,7 @@
           <a:p>
             <a:r>
               <a:rPr lang="en-US" dirty="0"/>
-              <a:t>Boilerplate</a:t>
+              <a:t>Java and OpenGL</a:t>
             </a:r>
           </a:p>
         </p:txBody>
@@ -10444,7 +10136,7 @@
           <p:cNvPr id="3" name="Content Placeholder 2">
             <a:extLst>
               <a:ext uri="{FF2B5EF4-FFF2-40B4-BE49-F238E27FC236}">
-                <a16:creationId xmlns:a16="http://schemas.microsoft.com/office/drawing/2014/main" id="{DE0EF074-1080-8843-8586-F637BFB9E3AE}"/>
+                <a16:creationId xmlns:a16="http://schemas.microsoft.com/office/drawing/2014/main" id="{1F954620-8BA4-9B41-8E45-F1790DC94F4C}"/>
               </a:ext>
             </a:extLst>
           </p:cNvPr>
@@ -10462,14 +10154,59 @@
           <a:p>
             <a:r>
               <a:rPr lang="en-US" dirty="0"/>
-              <a:t>A lot of boilerplate code is required</a:t>
-            </a:r>
-          </a:p>
-          <a:p>
-            <a:r>
-              <a:rPr lang="en-US" dirty="0"/>
-              <a:t>Once a simple renderer is created, adding on is trivial</a:t>
-            </a:r>
+              <a:t>Lightweight Java Game Library (lwjgl)</a:t>
+            </a:r>
+          </a:p>
+          <a:p>
+            <a:pPr lvl="1"/>
+            <a:r>
+              <a:rPr lang="en-US" dirty="0"/>
+              <a:t>OpenGL</a:t>
+            </a:r>
+          </a:p>
+          <a:p>
+            <a:pPr lvl="1"/>
+            <a:r>
+              <a:rPr lang="en-US" dirty="0"/>
+              <a:t>GLFW (Game Library Framework)</a:t>
+            </a:r>
+          </a:p>
+          <a:p>
+            <a:pPr lvl="1"/>
+            <a:r>
+              <a:rPr lang="en-US" dirty="0" err="1"/>
+              <a:t>stb</a:t>
+            </a:r>
+            <a:r>
+              <a:rPr lang="en-US" dirty="0"/>
+              <a:t> (Texture and font loading)</a:t>
+            </a:r>
+          </a:p>
+          <a:p>
+            <a:r>
+              <a:rPr lang="en-US" dirty="0"/>
+              <a:t>Easily create cross-platform applications</a:t>
+            </a:r>
+          </a:p>
+          <a:p>
+            <a:r>
+              <a:rPr lang="en-US" dirty="0"/>
+              <a:t>Examples will use Java 11 with OpenGL 3.2</a:t>
+            </a:r>
+          </a:p>
+          <a:p>
+            <a:pPr lvl="1"/>
+            <a:r>
+              <a:rPr lang="en-US" dirty="0"/>
+              <a:t>Full application source available at </a:t>
+            </a:r>
+            <a:r>
+              <a:rPr lang="en-US" dirty="0">
+                <a:hlinkClick r:id="rId2"/>
+              </a:rPr>
+              <a:t>https://github.com/ShepherdJerred-homework/seminar-application</a:t>
+            </a:r>
+            <a:endParaRPr lang="en-US" dirty="0"/>
           </a:p>
         </p:txBody>
       </p:sp>
@@ -10478,7 +10215,7 @@
           <p:cNvPr id="4" name="Slide Number Placeholder 3">
             <a:extLst>
               <a:ext uri="{FF2B5EF4-FFF2-40B4-BE49-F238E27FC236}">
-                <a16:creationId xmlns:a16="http://schemas.microsoft.com/office/drawing/2014/main" id="{84B1A857-5398-F14A-A612-F34413DF3CA6}"/>
+                <a16:creationId xmlns:a16="http://schemas.microsoft.com/office/drawing/2014/main" id="{A0F1E993-0A46-C343-9CF8-C8B1CF2AEA0F}"/>
               </a:ext>
             </a:extLst>
           </p:cNvPr>
@@ -10505,7 +10242,7 @@
     </p:spTree>
     <p:extLst>
       <p:ext uri="{BB962C8B-B14F-4D97-AF65-F5344CB8AC3E}">
-        <p14:creationId xmlns:p14="http://schemas.microsoft.com/office/powerpoint/2010/main" val="2543999661"/>
+        <p14:creationId xmlns:p14="http://schemas.microsoft.com/office/powerpoint/2010/main" val="1842843051"/>
       </p:ext>
     </p:extLst>
   </p:cSld>
@@ -10537,7 +10274,7 @@
           <p:cNvPr id="2" name="Title 1">
             <a:extLst>
               <a:ext uri="{FF2B5EF4-FFF2-40B4-BE49-F238E27FC236}">
-                <a16:creationId xmlns:a16="http://schemas.microsoft.com/office/drawing/2014/main" id="{66746096-A450-004C-9042-A545FE174747}"/>
+                <a16:creationId xmlns:a16="http://schemas.microsoft.com/office/drawing/2014/main" id="{3047EEA8-600D-5F4C-8FB1-D05C2C655860}"/>
               </a:ext>
             </a:extLst>
           </p:cNvPr>
@@ -10555,7 +10292,7 @@
           <a:p>
             <a:r>
               <a:rPr lang="en-US" dirty="0"/>
-              <a:t>Creating a Window</a:t>
+              <a:t>Boilerplate</a:t>
             </a:r>
           </a:p>
         </p:txBody>
@@ -10565,7 +10302,7 @@
           <p:cNvPr id="3" name="Content Placeholder 2">
             <a:extLst>
               <a:ext uri="{FF2B5EF4-FFF2-40B4-BE49-F238E27FC236}">
-                <a16:creationId xmlns:a16="http://schemas.microsoft.com/office/drawing/2014/main" id="{85FDFAA9-CDD4-4543-A48B-2DE18D9F4E70}"/>
+                <a16:creationId xmlns:a16="http://schemas.microsoft.com/office/drawing/2014/main" id="{DE0EF074-1080-8843-8586-F637BFB9E3AE}"/>
               </a:ext>
             </a:extLst>
           </p:cNvPr>
@@ -10583,19 +10320,13 @@
           <a:p>
             <a:r>
               <a:rPr lang="en-US" dirty="0"/>
-              <a:t>Before OpenGL can be used, a window must be created</a:t>
-            </a:r>
-          </a:p>
-          <a:p>
-            <a:r>
-              <a:rPr lang="en-US" dirty="0"/>
-              <a:t>GLFW provides a cross-platform API to create windows</a:t>
-            </a:r>
-          </a:p>
-          <a:p>
-            <a:r>
-              <a:rPr lang="en-US" dirty="0"/>
-              <a:t>GLFW also provides and OpenGL context</a:t>
+              <a:t>A lot of boilerplate code is required</a:t>
+            </a:r>
+          </a:p>
+          <a:p>
+            <a:r>
+              <a:rPr lang="en-US" dirty="0"/>
+              <a:t>Once a simple renderer is created, adding on is trivial</a:t>
             </a:r>
           </a:p>
         </p:txBody>
@@ -10605,7 +10336,7 @@
           <p:cNvPr id="4" name="Slide Number Placeholder 3">
             <a:extLst>
               <a:ext uri="{FF2B5EF4-FFF2-40B4-BE49-F238E27FC236}">
-                <a16:creationId xmlns:a16="http://schemas.microsoft.com/office/drawing/2014/main" id="{9D17352C-AE4A-1742-ADE1-8CDAD5B65DAA}"/>
+                <a16:creationId xmlns:a16="http://schemas.microsoft.com/office/drawing/2014/main" id="{84B1A857-5398-F14A-A612-F34413DF3CA6}"/>
               </a:ext>
             </a:extLst>
           </p:cNvPr>
@@ -10632,7 +10363,7 @@
     </p:spTree>
     <p:extLst>
       <p:ext uri="{BB962C8B-B14F-4D97-AF65-F5344CB8AC3E}">
-        <p14:creationId xmlns:p14="http://schemas.microsoft.com/office/powerpoint/2010/main" val="252894296"/>
+        <p14:creationId xmlns:p14="http://schemas.microsoft.com/office/powerpoint/2010/main" val="2543999661"/>
       </p:ext>
     </p:extLst>
   </p:cSld>
@@ -10661,10 +10392,78 @@
       </p:grpSpPr>
       <p:sp>
         <p:nvSpPr>
+          <p:cNvPr id="2" name="Title 1">
+            <a:extLst>
+              <a:ext uri="{FF2B5EF4-FFF2-40B4-BE49-F238E27FC236}">
+                <a16:creationId xmlns:a16="http://schemas.microsoft.com/office/drawing/2014/main" id="{66746096-A450-004C-9042-A545FE174747}"/>
+              </a:ext>
+            </a:extLst>
+          </p:cNvPr>
+          <p:cNvSpPr>
+            <a:spLocks noGrp="1"/>
+          </p:cNvSpPr>
+          <p:nvPr>
+            <p:ph type="title"/>
+          </p:nvPr>
+        </p:nvSpPr>
+        <p:spPr/>
+        <p:txBody>
+          <a:bodyPr/>
+          <a:lstStyle/>
+          <a:p>
+            <a:r>
+              <a:rPr lang="en-US" dirty="0"/>
+              <a:t>Creating a Window</a:t>
+            </a:r>
+          </a:p>
+        </p:txBody>
+      </p:sp>
+      <p:sp>
+        <p:nvSpPr>
+          <p:cNvPr id="3" name="Content Placeholder 2">
+            <a:extLst>
+              <a:ext uri="{FF2B5EF4-FFF2-40B4-BE49-F238E27FC236}">
+                <a16:creationId xmlns:a16="http://schemas.microsoft.com/office/drawing/2014/main" id="{85FDFAA9-CDD4-4543-A48B-2DE18D9F4E70}"/>
+              </a:ext>
+            </a:extLst>
+          </p:cNvPr>
+          <p:cNvSpPr>
+            <a:spLocks noGrp="1"/>
+          </p:cNvSpPr>
+          <p:nvPr>
+            <p:ph idx="1"/>
+          </p:nvPr>
+        </p:nvSpPr>
+        <p:spPr/>
+        <p:txBody>
+          <a:bodyPr/>
+          <a:lstStyle/>
+          <a:p>
+            <a:r>
+              <a:rPr lang="en-US" dirty="0"/>
+              <a:t>Before OpenGL can be used, a window must be created</a:t>
+            </a:r>
+          </a:p>
+          <a:p>
+            <a:r>
+              <a:rPr lang="en-US" dirty="0"/>
+              <a:t>GLFW provides a cross-platform API to create windows</a:t>
+            </a:r>
+          </a:p>
+          <a:p>
+            <a:r>
+              <a:rPr lang="en-US" dirty="0"/>
+              <a:t>GLFW also provides and OpenGL context</a:t>
+            </a:r>
+          </a:p>
+        </p:txBody>
+      </p:sp>
+      <p:sp>
+        <p:nvSpPr>
           <p:cNvPr id="4" name="Slide Number Placeholder 3">
             <a:extLst>
               <a:ext uri="{FF2B5EF4-FFF2-40B4-BE49-F238E27FC236}">
-                <a16:creationId xmlns:a16="http://schemas.microsoft.com/office/drawing/2014/main" id="{ADEA9B38-574B-F54B-8550-FBC12DE5C097}"/>
+                <a16:creationId xmlns:a16="http://schemas.microsoft.com/office/drawing/2014/main" id="{9D17352C-AE4A-1742-ADE1-8CDAD5B65DAA}"/>
               </a:ext>
             </a:extLst>
           </p:cNvPr>
@@ -10688,391 +10487,10 @@
           </a:p>
         </p:txBody>
       </p:sp>
-      <p:sp>
-        <p:nvSpPr>
-          <p:cNvPr id="3" name="Content Placeholder 2">
-            <a:extLst>
-              <a:ext uri="{FF2B5EF4-FFF2-40B4-BE49-F238E27FC236}">
-                <a16:creationId xmlns:a16="http://schemas.microsoft.com/office/drawing/2014/main" id="{A9EA1011-7F67-D843-AFD2-813F40909760}"/>
-              </a:ext>
-            </a:extLst>
-          </p:cNvPr>
-          <p:cNvSpPr>
-            <a:spLocks noGrp="1"/>
-          </p:cNvSpPr>
-          <p:nvPr>
-            <p:ph sz="quarter" idx="13"/>
-          </p:nvPr>
-        </p:nvSpPr>
-        <p:spPr/>
-        <p:txBody>
-          <a:bodyPr>
-            <a:normAutofit/>
-          </a:bodyPr>
-          <a:lstStyle/>
-          <a:p>
-            <a:pPr>
-              <a:spcBef>
-                <a:spcPts val="400"/>
-              </a:spcBef>
-            </a:pPr>
-            <a:r>
-              <a:rPr lang="en-US" dirty="0">
-                <a:solidFill>
-                  <a:srgbClr val="808080"/>
-                </a:solidFill>
-              </a:rPr>
-              <a:t>// Initialize GLFW</a:t>
-            </a:r>
-            <a:br>
-              <a:rPr lang="en-US" dirty="0">
-                <a:solidFill>
-                  <a:srgbClr val="808080"/>
-                </a:solidFill>
-              </a:rPr>
-            </a:br>
-            <a:r>
-              <a:rPr lang="en-US" dirty="0">
-                <a:solidFill>
-                  <a:srgbClr val="808080"/>
-                </a:solidFill>
-              </a:rPr>
-              <a:t>// Checks what features the machine has, finds input methods, performs platform-specific initialization</a:t>
-            </a:r>
-            <a:br>
-              <a:rPr lang="en-US" dirty="0">
-                <a:solidFill>
-                  <a:srgbClr val="808080"/>
-                </a:solidFill>
-              </a:rPr>
-            </a:br>
-            <a:r>
-              <a:rPr lang="en-US" i="1" dirty="0" err="1"/>
-              <a:t>glfwInit</a:t>
-            </a:r>
-            <a:r>
-              <a:rPr lang="en-US" dirty="0"/>
-              <a:t>()</a:t>
-            </a:r>
-            <a:r>
-              <a:rPr lang="en-US" dirty="0">
-                <a:solidFill>
-                  <a:srgbClr val="CC7832"/>
-                </a:solidFill>
-              </a:rPr>
-              <a:t>;</a:t>
-            </a:r>
-            <a:br>
-              <a:rPr lang="en-US" dirty="0">
-                <a:solidFill>
-                  <a:srgbClr val="CC7832"/>
-                </a:solidFill>
-              </a:rPr>
-            </a:br>
-            <a:br>
-              <a:rPr lang="en-US" dirty="0">
-                <a:solidFill>
-                  <a:srgbClr val="CC7832"/>
-                </a:solidFill>
-              </a:rPr>
-            </a:br>
-            <a:r>
-              <a:rPr lang="en-US" dirty="0">
-                <a:solidFill>
-                  <a:srgbClr val="808080"/>
-                </a:solidFill>
-              </a:rPr>
-              <a:t>// Create a new window with a given width, height, and title.</a:t>
-            </a:r>
-            <a:br>
-              <a:rPr lang="en-US" dirty="0">
-                <a:solidFill>
-                  <a:srgbClr val="808080"/>
-                </a:solidFill>
-              </a:rPr>
-            </a:br>
-            <a:r>
-              <a:rPr lang="en-US" dirty="0">
-                <a:solidFill>
-                  <a:srgbClr val="CC7832"/>
-                </a:solidFill>
-              </a:rPr>
-              <a:t>long </a:t>
-            </a:r>
-            <a:r>
-              <a:rPr lang="en-US" dirty="0"/>
-              <a:t>window = </a:t>
-            </a:r>
-            <a:r>
-              <a:rPr lang="en-US" i="1" dirty="0" err="1"/>
-              <a:t>glfwCreateWindow</a:t>
-            </a:r>
-            <a:r>
-              <a:rPr lang="en-US" dirty="0"/>
-              <a:t>(</a:t>
-            </a:r>
-            <a:r>
-              <a:rPr lang="en-US" dirty="0">
-                <a:solidFill>
-                  <a:srgbClr val="6897BB"/>
-                </a:solidFill>
-              </a:rPr>
-              <a:t>300</a:t>
-            </a:r>
-            <a:r>
-              <a:rPr lang="en-US" dirty="0">
-                <a:solidFill>
-                  <a:srgbClr val="CC7832"/>
-                </a:solidFill>
-              </a:rPr>
-              <a:t>, </a:t>
-            </a:r>
-            <a:r>
-              <a:rPr lang="en-US" dirty="0">
-                <a:solidFill>
-                  <a:srgbClr val="6897BB"/>
-                </a:solidFill>
-              </a:rPr>
-              <a:t>300</a:t>
-            </a:r>
-            <a:r>
-              <a:rPr lang="en-US" dirty="0">
-                <a:solidFill>
-                  <a:srgbClr val="CC7832"/>
-                </a:solidFill>
-              </a:rPr>
-              <a:t>, </a:t>
-            </a:r>
-            <a:r>
-              <a:rPr lang="en-US" dirty="0">
-                <a:solidFill>
-                  <a:srgbClr val="6A8759"/>
-                </a:solidFill>
-              </a:rPr>
-              <a:t>"Hello World!"</a:t>
-            </a:r>
-            <a:r>
-              <a:rPr lang="en-US" dirty="0">
-                <a:solidFill>
-                  <a:srgbClr val="CC7832"/>
-                </a:solidFill>
-              </a:rPr>
-              <a:t>, </a:t>
-            </a:r>
-            <a:r>
-              <a:rPr lang="en-US" i="1" dirty="0">
-                <a:solidFill>
-                  <a:srgbClr val="9876AA"/>
-                </a:solidFill>
-              </a:rPr>
-              <a:t>NULL</a:t>
-            </a:r>
-            <a:r>
-              <a:rPr lang="en-US" dirty="0">
-                <a:solidFill>
-                  <a:srgbClr val="CC7832"/>
-                </a:solidFill>
-              </a:rPr>
-              <a:t>, </a:t>
-            </a:r>
-            <a:r>
-              <a:rPr lang="en-US" i="1" dirty="0">
-                <a:solidFill>
-                  <a:srgbClr val="9876AA"/>
-                </a:solidFill>
-              </a:rPr>
-              <a:t>NULL</a:t>
-            </a:r>
-            <a:r>
-              <a:rPr lang="en-US" dirty="0"/>
-              <a:t>)</a:t>
-            </a:r>
-            <a:r>
-              <a:rPr lang="en-US" dirty="0">
-                <a:solidFill>
-                  <a:srgbClr val="CC7832"/>
-                </a:solidFill>
-              </a:rPr>
-              <a:t>;</a:t>
-            </a:r>
-            <a:br>
-              <a:rPr lang="en-US" dirty="0">
-                <a:solidFill>
-                  <a:srgbClr val="CC7832"/>
-                </a:solidFill>
-              </a:rPr>
-            </a:br>
-            <a:br>
-              <a:rPr lang="en-US" dirty="0">
-                <a:solidFill>
-                  <a:srgbClr val="CC7832"/>
-                </a:solidFill>
-              </a:rPr>
-            </a:br>
-            <a:r>
-              <a:rPr lang="en-US" dirty="0">
-                <a:solidFill>
-                  <a:srgbClr val="808080"/>
-                </a:solidFill>
-              </a:rPr>
-              <a:t>// Set the newly created window at the current OpenGL context</a:t>
-            </a:r>
-            <a:br>
-              <a:rPr lang="en-US" dirty="0">
-                <a:solidFill>
-                  <a:srgbClr val="808080"/>
-                </a:solidFill>
-              </a:rPr>
-            </a:br>
-            <a:r>
-              <a:rPr lang="en-US" i="1" dirty="0" err="1"/>
-              <a:t>glfwMakeContextCurrent</a:t>
-            </a:r>
-            <a:r>
-              <a:rPr lang="en-US" dirty="0"/>
-              <a:t>(window)</a:t>
-            </a:r>
-            <a:r>
-              <a:rPr lang="en-US" dirty="0">
-                <a:solidFill>
-                  <a:srgbClr val="CC7832"/>
-                </a:solidFill>
-              </a:rPr>
-              <a:t>;</a:t>
-            </a:r>
-            <a:br>
-              <a:rPr lang="en-US" dirty="0">
-                <a:solidFill>
-                  <a:srgbClr val="CC7832"/>
-                </a:solidFill>
-              </a:rPr>
-            </a:br>
-            <a:br>
-              <a:rPr lang="en-US" dirty="0">
-                <a:solidFill>
-                  <a:srgbClr val="CC7832"/>
-                </a:solidFill>
-              </a:rPr>
-            </a:br>
-            <a:r>
-              <a:rPr lang="en-US" dirty="0">
-                <a:solidFill>
-                  <a:srgbClr val="808080"/>
-                </a:solidFill>
-              </a:rPr>
-              <a:t>// Show the window</a:t>
-            </a:r>
-            <a:br>
-              <a:rPr lang="en-US" dirty="0">
-                <a:solidFill>
-                  <a:srgbClr val="808080"/>
-                </a:solidFill>
-              </a:rPr>
-            </a:br>
-            <a:r>
-              <a:rPr lang="en-US" i="1" dirty="0" err="1"/>
-              <a:t>glfwShowWindow</a:t>
-            </a:r>
-            <a:r>
-              <a:rPr lang="en-US" dirty="0"/>
-              <a:t>(window)</a:t>
-            </a:r>
-            <a:r>
-              <a:rPr lang="en-US" dirty="0">
-                <a:solidFill>
-                  <a:srgbClr val="CC7832"/>
-                </a:solidFill>
-              </a:rPr>
-              <a:t>;</a:t>
-            </a:r>
-            <a:br>
-              <a:rPr lang="en-US" dirty="0">
-                <a:solidFill>
-                  <a:srgbClr val="CC7832"/>
-                </a:solidFill>
-              </a:rPr>
-            </a:br>
-            <a:br>
-              <a:rPr lang="en-US" dirty="0">
-                <a:solidFill>
-                  <a:srgbClr val="CC7832"/>
-                </a:solidFill>
-              </a:rPr>
-            </a:br>
-            <a:r>
-              <a:rPr lang="en-US" dirty="0">
-                <a:solidFill>
-                  <a:srgbClr val="808080"/>
-                </a:solidFill>
-              </a:rPr>
-              <a:t>// Loads the native OpenGL library and creates OpenGL bindings</a:t>
-            </a:r>
-            <a:br>
-              <a:rPr lang="en-US" dirty="0">
-                <a:solidFill>
-                  <a:srgbClr val="808080"/>
-                </a:solidFill>
-              </a:rPr>
-            </a:br>
-            <a:r>
-              <a:rPr lang="en-US" dirty="0" err="1"/>
-              <a:t>GL.</a:t>
-            </a:r>
-            <a:r>
-              <a:rPr lang="en-US" i="1" dirty="0" err="1"/>
-              <a:t>createCapabilities</a:t>
-            </a:r>
-            <a:r>
-              <a:rPr lang="en-US" dirty="0"/>
-              <a:t>()</a:t>
-            </a:r>
-            <a:r>
-              <a:rPr lang="en-US" dirty="0">
-                <a:solidFill>
-                  <a:srgbClr val="CC7832"/>
-                </a:solidFill>
-              </a:rPr>
-              <a:t>;</a:t>
-            </a:r>
-            <a:endParaRPr lang="en-US" sz="1200" dirty="0">
-              <a:latin typeface="Fira Code" panose="020B0509050000020004" pitchFamily="49" charset="0"/>
-              <a:ea typeface="Fira Code" panose="020B0509050000020004" pitchFamily="49" charset="0"/>
-            </a:endParaRPr>
-          </a:p>
-        </p:txBody>
-      </p:sp>
-      <p:sp>
-        <p:nvSpPr>
-          <p:cNvPr id="8" name="Title 7">
-            <a:extLst>
-              <a:ext uri="{FF2B5EF4-FFF2-40B4-BE49-F238E27FC236}">
-                <a16:creationId xmlns:a16="http://schemas.microsoft.com/office/drawing/2014/main" id="{6B9521F2-4412-AE46-AFFA-2C48320E7568}"/>
-              </a:ext>
-            </a:extLst>
-          </p:cNvPr>
-          <p:cNvSpPr>
-            <a:spLocks noGrp="1"/>
-          </p:cNvSpPr>
-          <p:nvPr>
-            <p:ph type="title"/>
-          </p:nvPr>
-        </p:nvSpPr>
-        <p:spPr/>
-        <p:txBody>
-          <a:bodyPr/>
-          <a:lstStyle/>
-          <a:p>
-            <a:r>
-              <a:rPr lang="en-US" dirty="0"/>
-              <a:t>Creating a Window</a:t>
-            </a:r>
-          </a:p>
-        </p:txBody>
-      </p:sp>
     </p:spTree>
     <p:extLst>
       <p:ext uri="{BB962C8B-B14F-4D97-AF65-F5344CB8AC3E}">
-        <p14:creationId xmlns:p14="http://schemas.microsoft.com/office/powerpoint/2010/main" val="2562879575"/>
+        <p14:creationId xmlns:p14="http://schemas.microsoft.com/office/powerpoint/2010/main" val="252894296"/>
       </p:ext>
     </p:extLst>
   </p:cSld>
@@ -11213,93 +10631,10 @@
       </p:grpSpPr>
       <p:sp>
         <p:nvSpPr>
-          <p:cNvPr id="6" name="Title 5">
-            <a:extLst>
-              <a:ext uri="{FF2B5EF4-FFF2-40B4-BE49-F238E27FC236}">
-                <a16:creationId xmlns:a16="http://schemas.microsoft.com/office/drawing/2014/main" id="{61D2865E-B71C-BE43-80A7-AE94CC0D490F}"/>
-              </a:ext>
-            </a:extLst>
-          </p:cNvPr>
-          <p:cNvSpPr>
-            <a:spLocks noGrp="1"/>
-          </p:cNvSpPr>
-          <p:nvPr>
-            <p:ph type="title"/>
-          </p:nvPr>
-        </p:nvSpPr>
-        <p:spPr/>
-        <p:txBody>
-          <a:bodyPr/>
-          <a:lstStyle/>
-          <a:p>
-            <a:r>
-              <a:rPr lang="en-US" dirty="0"/>
-              <a:t>VAOs and VBOs</a:t>
-            </a:r>
-          </a:p>
-        </p:txBody>
-      </p:sp>
-      <p:sp>
-        <p:nvSpPr>
-          <p:cNvPr id="7" name="Content Placeholder 6">
-            <a:extLst>
-              <a:ext uri="{FF2B5EF4-FFF2-40B4-BE49-F238E27FC236}">
-                <a16:creationId xmlns:a16="http://schemas.microsoft.com/office/drawing/2014/main" id="{D42B4AE8-25AD-8842-A36D-3B141F584F36}"/>
-              </a:ext>
-            </a:extLst>
-          </p:cNvPr>
-          <p:cNvSpPr>
-            <a:spLocks noGrp="1"/>
-          </p:cNvSpPr>
-          <p:nvPr>
-            <p:ph idx="1"/>
-          </p:nvPr>
-        </p:nvSpPr>
-        <p:spPr/>
-        <p:txBody>
-          <a:bodyPr/>
-          <a:lstStyle/>
-          <a:p>
-            <a:r>
-              <a:rPr lang="en-US" dirty="0"/>
-              <a:t>VAO: Vertex Array Object</a:t>
-            </a:r>
-          </a:p>
-          <a:p>
-            <a:pPr lvl="1"/>
-            <a:r>
-              <a:rPr lang="en-US" dirty="0"/>
-              <a:t>Stores all of the information to render an object</a:t>
-            </a:r>
-          </a:p>
-          <a:p>
-            <a:r>
-              <a:rPr lang="en-US" dirty="0"/>
-              <a:t>VBO: Vertex Buffer Object</a:t>
-            </a:r>
-          </a:p>
-          <a:p>
-            <a:pPr lvl="1"/>
-            <a:r>
-              <a:rPr lang="en-US" dirty="0"/>
-              <a:t>Bound to VAO</a:t>
-            </a:r>
-          </a:p>
-          <a:p>
-            <a:pPr lvl="1"/>
-            <a:r>
-              <a:rPr lang="en-US" dirty="0"/>
-              <a:t>Stores arbitrary data</a:t>
-            </a:r>
-          </a:p>
-        </p:txBody>
-      </p:sp>
-      <p:sp>
-        <p:nvSpPr>
-          <p:cNvPr id="2" name="Slide Number Placeholder 1">
-            <a:extLst>
-              <a:ext uri="{FF2B5EF4-FFF2-40B4-BE49-F238E27FC236}">
-                <a16:creationId xmlns:a16="http://schemas.microsoft.com/office/drawing/2014/main" id="{BF8366EF-66EC-564E-8A6E-5460CC4E9DCD}"/>
+          <p:cNvPr id="4" name="Slide Number Placeholder 3">
+            <a:extLst>
+              <a:ext uri="{FF2B5EF4-FFF2-40B4-BE49-F238E27FC236}">
+                <a16:creationId xmlns:a16="http://schemas.microsoft.com/office/drawing/2014/main" id="{ADEA9B38-574B-F54B-8550-FBC12DE5C097}"/>
               </a:ext>
             </a:extLst>
           </p:cNvPr>
@@ -11319,14 +10654,395 @@
               <a:rPr lang="en-US" smtClean="0"/>
               <a:t>30</a:t>
             </a:fld>
-            <a:endParaRPr lang="en-US" dirty="0"/>
+            <a:endParaRPr lang="en-US"/>
+          </a:p>
+        </p:txBody>
+      </p:sp>
+      <p:sp>
+        <p:nvSpPr>
+          <p:cNvPr id="3" name="Content Placeholder 2">
+            <a:extLst>
+              <a:ext uri="{FF2B5EF4-FFF2-40B4-BE49-F238E27FC236}">
+                <a16:creationId xmlns:a16="http://schemas.microsoft.com/office/drawing/2014/main" id="{A9EA1011-7F67-D843-AFD2-813F40909760}"/>
+              </a:ext>
+            </a:extLst>
+          </p:cNvPr>
+          <p:cNvSpPr>
+            <a:spLocks noGrp="1"/>
+          </p:cNvSpPr>
+          <p:nvPr>
+            <p:ph sz="quarter" idx="13"/>
+          </p:nvPr>
+        </p:nvSpPr>
+        <p:spPr/>
+        <p:txBody>
+          <a:bodyPr>
+            <a:normAutofit/>
+          </a:bodyPr>
+          <a:lstStyle/>
+          <a:p>
+            <a:pPr>
+              <a:spcBef>
+                <a:spcPts val="400"/>
+              </a:spcBef>
+            </a:pPr>
+            <a:r>
+              <a:rPr lang="en-US" dirty="0">
+                <a:solidFill>
+                  <a:srgbClr val="808080"/>
+                </a:solidFill>
+              </a:rPr>
+              <a:t>// Initialize GLFW</a:t>
+            </a:r>
+            <a:br>
+              <a:rPr lang="en-US" dirty="0">
+                <a:solidFill>
+                  <a:srgbClr val="808080"/>
+                </a:solidFill>
+              </a:rPr>
+            </a:br>
+            <a:r>
+              <a:rPr lang="en-US" dirty="0">
+                <a:solidFill>
+                  <a:srgbClr val="808080"/>
+                </a:solidFill>
+              </a:rPr>
+              <a:t>// Checks what features the machine has, finds input methods, performs platform-specific initialization</a:t>
+            </a:r>
+            <a:br>
+              <a:rPr lang="en-US" dirty="0">
+                <a:solidFill>
+                  <a:srgbClr val="808080"/>
+                </a:solidFill>
+              </a:rPr>
+            </a:br>
+            <a:r>
+              <a:rPr lang="en-US" i="1" dirty="0" err="1"/>
+              <a:t>glfwInit</a:t>
+            </a:r>
+            <a:r>
+              <a:rPr lang="en-US" dirty="0"/>
+              <a:t>()</a:t>
+            </a:r>
+            <a:r>
+              <a:rPr lang="en-US" dirty="0">
+                <a:solidFill>
+                  <a:srgbClr val="CC7832"/>
+                </a:solidFill>
+              </a:rPr>
+              <a:t>;</a:t>
+            </a:r>
+            <a:br>
+              <a:rPr lang="en-US" dirty="0">
+                <a:solidFill>
+                  <a:srgbClr val="CC7832"/>
+                </a:solidFill>
+              </a:rPr>
+            </a:br>
+            <a:br>
+              <a:rPr lang="en-US" dirty="0">
+                <a:solidFill>
+                  <a:srgbClr val="CC7832"/>
+                </a:solidFill>
+              </a:rPr>
+            </a:br>
+            <a:r>
+              <a:rPr lang="en-US" dirty="0">
+                <a:solidFill>
+                  <a:srgbClr val="808080"/>
+                </a:solidFill>
+              </a:rPr>
+              <a:t>// Create a new window with a given width, height, and title.</a:t>
+            </a:r>
+            <a:br>
+              <a:rPr lang="en-US" dirty="0">
+                <a:solidFill>
+                  <a:srgbClr val="808080"/>
+                </a:solidFill>
+              </a:rPr>
+            </a:br>
+            <a:r>
+              <a:rPr lang="en-US" dirty="0">
+                <a:solidFill>
+                  <a:srgbClr val="CC7832"/>
+                </a:solidFill>
+              </a:rPr>
+              <a:t>long </a:t>
+            </a:r>
+            <a:r>
+              <a:rPr lang="en-US" dirty="0"/>
+              <a:t>window = </a:t>
+            </a:r>
+            <a:r>
+              <a:rPr lang="en-US" i="1" dirty="0" err="1"/>
+              <a:t>glfwCreateWindow</a:t>
+            </a:r>
+            <a:r>
+              <a:rPr lang="en-US" dirty="0"/>
+              <a:t>(</a:t>
+            </a:r>
+            <a:r>
+              <a:rPr lang="en-US" dirty="0">
+                <a:solidFill>
+                  <a:srgbClr val="6897BB"/>
+                </a:solidFill>
+              </a:rPr>
+              <a:t>300</a:t>
+            </a:r>
+            <a:r>
+              <a:rPr lang="en-US" dirty="0">
+                <a:solidFill>
+                  <a:srgbClr val="CC7832"/>
+                </a:solidFill>
+              </a:rPr>
+              <a:t>, </a:t>
+            </a:r>
+            <a:r>
+              <a:rPr lang="en-US" dirty="0">
+                <a:solidFill>
+                  <a:srgbClr val="6897BB"/>
+                </a:solidFill>
+              </a:rPr>
+              <a:t>300</a:t>
+            </a:r>
+            <a:r>
+              <a:rPr lang="en-US" dirty="0">
+                <a:solidFill>
+                  <a:srgbClr val="CC7832"/>
+                </a:solidFill>
+              </a:rPr>
+              <a:t>, </a:t>
+            </a:r>
+            <a:r>
+              <a:rPr lang="en-US" dirty="0">
+                <a:solidFill>
+                  <a:srgbClr val="6A8759"/>
+                </a:solidFill>
+              </a:rPr>
+              <a:t>"Hello World!"</a:t>
+            </a:r>
+            <a:r>
+              <a:rPr lang="en-US" dirty="0">
+                <a:solidFill>
+                  <a:srgbClr val="CC7832"/>
+                </a:solidFill>
+              </a:rPr>
+              <a:t>, </a:t>
+            </a:r>
+            <a:r>
+              <a:rPr lang="en-US" i="1" dirty="0">
+                <a:solidFill>
+                  <a:srgbClr val="9876AA"/>
+                </a:solidFill>
+              </a:rPr>
+              <a:t>NULL</a:t>
+            </a:r>
+            <a:r>
+              <a:rPr lang="en-US" dirty="0">
+                <a:solidFill>
+                  <a:srgbClr val="CC7832"/>
+                </a:solidFill>
+              </a:rPr>
+              <a:t>, </a:t>
+            </a:r>
+            <a:r>
+              <a:rPr lang="en-US" i="1" dirty="0">
+                <a:solidFill>
+                  <a:srgbClr val="9876AA"/>
+                </a:solidFill>
+              </a:rPr>
+              <a:t>NULL</a:t>
+            </a:r>
+            <a:r>
+              <a:rPr lang="en-US" dirty="0"/>
+              <a:t>)</a:t>
+            </a:r>
+            <a:r>
+              <a:rPr lang="en-US" dirty="0">
+                <a:solidFill>
+                  <a:srgbClr val="CC7832"/>
+                </a:solidFill>
+              </a:rPr>
+              <a:t>;</a:t>
+            </a:r>
+            <a:br>
+              <a:rPr lang="en-US" dirty="0">
+                <a:solidFill>
+                  <a:srgbClr val="CC7832"/>
+                </a:solidFill>
+              </a:rPr>
+            </a:br>
+            <a:br>
+              <a:rPr lang="en-US" dirty="0">
+                <a:solidFill>
+                  <a:srgbClr val="CC7832"/>
+                </a:solidFill>
+              </a:rPr>
+            </a:br>
+            <a:r>
+              <a:rPr lang="en-US" dirty="0">
+                <a:solidFill>
+                  <a:srgbClr val="808080"/>
+                </a:solidFill>
+              </a:rPr>
+              <a:t>// Set the newly created window at the current OpenGL context</a:t>
+            </a:r>
+            <a:br>
+              <a:rPr lang="en-US" dirty="0">
+                <a:solidFill>
+                  <a:srgbClr val="808080"/>
+                </a:solidFill>
+              </a:rPr>
+            </a:br>
+            <a:r>
+              <a:rPr lang="en-US" i="1" dirty="0" err="1"/>
+              <a:t>glfwMakeContextCurrent</a:t>
+            </a:r>
+            <a:r>
+              <a:rPr lang="en-US" dirty="0"/>
+              <a:t>(window)</a:t>
+            </a:r>
+            <a:r>
+              <a:rPr lang="en-US" dirty="0">
+                <a:solidFill>
+                  <a:srgbClr val="CC7832"/>
+                </a:solidFill>
+              </a:rPr>
+              <a:t>;</a:t>
+            </a:r>
+            <a:br>
+              <a:rPr lang="en-US" dirty="0">
+                <a:solidFill>
+                  <a:srgbClr val="CC7832"/>
+                </a:solidFill>
+              </a:rPr>
+            </a:br>
+            <a:br>
+              <a:rPr lang="en-US" dirty="0">
+                <a:solidFill>
+                  <a:srgbClr val="CC7832"/>
+                </a:solidFill>
+              </a:rPr>
+            </a:br>
+            <a:r>
+              <a:rPr lang="en-US" dirty="0">
+                <a:solidFill>
+                  <a:srgbClr val="808080"/>
+                </a:solidFill>
+              </a:rPr>
+              <a:t>// Show the window</a:t>
+            </a:r>
+            <a:br>
+              <a:rPr lang="en-US" dirty="0">
+                <a:solidFill>
+                  <a:srgbClr val="808080"/>
+                </a:solidFill>
+              </a:rPr>
+            </a:br>
+            <a:r>
+              <a:rPr lang="en-US" i="1" dirty="0" err="1"/>
+              <a:t>glfwShowWindow</a:t>
+            </a:r>
+            <a:r>
+              <a:rPr lang="en-US" dirty="0"/>
+              <a:t>(window)</a:t>
+            </a:r>
+            <a:r>
+              <a:rPr lang="en-US" dirty="0">
+                <a:solidFill>
+                  <a:srgbClr val="CC7832"/>
+                </a:solidFill>
+              </a:rPr>
+              <a:t>;</a:t>
+            </a:r>
+            <a:br>
+              <a:rPr lang="en-US" dirty="0">
+                <a:solidFill>
+                  <a:srgbClr val="CC7832"/>
+                </a:solidFill>
+              </a:rPr>
+            </a:br>
+            <a:br>
+              <a:rPr lang="en-US" dirty="0">
+                <a:solidFill>
+                  <a:srgbClr val="CC7832"/>
+                </a:solidFill>
+              </a:rPr>
+            </a:br>
+            <a:r>
+              <a:rPr lang="en-US" dirty="0">
+                <a:solidFill>
+                  <a:srgbClr val="808080"/>
+                </a:solidFill>
+              </a:rPr>
+              <a:t>// Loads the native OpenGL library and creates OpenGL bindings</a:t>
+            </a:r>
+            <a:br>
+              <a:rPr lang="en-US" dirty="0">
+                <a:solidFill>
+                  <a:srgbClr val="808080"/>
+                </a:solidFill>
+              </a:rPr>
+            </a:br>
+            <a:r>
+              <a:rPr lang="en-US" dirty="0" err="1"/>
+              <a:t>GL.</a:t>
+            </a:r>
+            <a:r>
+              <a:rPr lang="en-US" i="1" dirty="0" err="1"/>
+              <a:t>createCapabilities</a:t>
+            </a:r>
+            <a:r>
+              <a:rPr lang="en-US" dirty="0"/>
+              <a:t>()</a:t>
+            </a:r>
+            <a:r>
+              <a:rPr lang="en-US" dirty="0">
+                <a:solidFill>
+                  <a:srgbClr val="CC7832"/>
+                </a:solidFill>
+              </a:rPr>
+              <a:t>;</a:t>
+            </a:r>
+            <a:endParaRPr lang="en-US" sz="1200" dirty="0">
+              <a:latin typeface="Fira Code" panose="020B0509050000020004" pitchFamily="49" charset="0"/>
+              <a:ea typeface="Fira Code" panose="020B0509050000020004" pitchFamily="49" charset="0"/>
+            </a:endParaRPr>
+          </a:p>
+        </p:txBody>
+      </p:sp>
+      <p:sp>
+        <p:nvSpPr>
+          <p:cNvPr id="8" name="Title 7">
+            <a:extLst>
+              <a:ext uri="{FF2B5EF4-FFF2-40B4-BE49-F238E27FC236}">
+                <a16:creationId xmlns:a16="http://schemas.microsoft.com/office/drawing/2014/main" id="{6B9521F2-4412-AE46-AFFA-2C48320E7568}"/>
+              </a:ext>
+            </a:extLst>
+          </p:cNvPr>
+          <p:cNvSpPr>
+            <a:spLocks noGrp="1"/>
+          </p:cNvSpPr>
+          <p:nvPr>
+            <p:ph type="title"/>
+          </p:nvPr>
+        </p:nvSpPr>
+        <p:spPr/>
+        <p:txBody>
+          <a:bodyPr/>
+          <a:lstStyle/>
+          <a:p>
+            <a:r>
+              <a:rPr lang="en-US" dirty="0"/>
+              <a:t>Creating a Window</a:t>
+            </a:r>
           </a:p>
         </p:txBody>
       </p:sp>
     </p:spTree>
     <p:extLst>
       <p:ext uri="{BB962C8B-B14F-4D97-AF65-F5344CB8AC3E}">
-        <p14:creationId xmlns:p14="http://schemas.microsoft.com/office/powerpoint/2010/main" val="3450479195"/>
+        <p14:creationId xmlns:p14="http://schemas.microsoft.com/office/powerpoint/2010/main" val="2562879575"/>
       </p:ext>
     </p:extLst>
   </p:cSld>
@@ -11355,10 +11071,10 @@
       </p:grpSpPr>
       <p:sp>
         <p:nvSpPr>
-          <p:cNvPr id="7" name="Title 6">
-            <a:extLst>
-              <a:ext uri="{FF2B5EF4-FFF2-40B4-BE49-F238E27FC236}">
-                <a16:creationId xmlns:a16="http://schemas.microsoft.com/office/drawing/2014/main" id="{5908263E-08A7-9945-8EE4-0467552908EA}"/>
+          <p:cNvPr id="6" name="Title 5">
+            <a:extLst>
+              <a:ext uri="{FF2B5EF4-FFF2-40B4-BE49-F238E27FC236}">
+                <a16:creationId xmlns:a16="http://schemas.microsoft.com/office/drawing/2014/main" id="{61D2865E-B71C-BE43-80A7-AE94CC0D490F}"/>
               </a:ext>
             </a:extLst>
           </p:cNvPr>
@@ -11381,41 +11097,67 @@
           </a:p>
         </p:txBody>
       </p:sp>
-      <p:pic>
-        <p:nvPicPr>
-          <p:cNvPr id="6" name="Content Placeholder 5">
-            <a:extLst>
-              <a:ext uri="{FF2B5EF4-FFF2-40B4-BE49-F238E27FC236}">
-                <a16:creationId xmlns:a16="http://schemas.microsoft.com/office/drawing/2014/main" id="{E326B79A-011A-174F-BAEA-A229AF47A881}"/>
-              </a:ext>
-            </a:extLst>
-          </p:cNvPr>
-          <p:cNvPicPr>
-            <a:picLocks noGrp="1" noChangeAspect="1"/>
-          </p:cNvPicPr>
+      <p:sp>
+        <p:nvSpPr>
+          <p:cNvPr id="7" name="Content Placeholder 6">
+            <a:extLst>
+              <a:ext uri="{FF2B5EF4-FFF2-40B4-BE49-F238E27FC236}">
+                <a16:creationId xmlns:a16="http://schemas.microsoft.com/office/drawing/2014/main" id="{D42B4AE8-25AD-8842-A36D-3B141F584F36}"/>
+              </a:ext>
+            </a:extLst>
+          </p:cNvPr>
+          <p:cNvSpPr>
+            <a:spLocks noGrp="1"/>
+          </p:cNvSpPr>
           <p:nvPr>
             <p:ph idx="1"/>
           </p:nvPr>
-        </p:nvPicPr>
-        <p:blipFill>
-          <a:blip r:embed="rId2"/>
-          <a:stretch>
-            <a:fillRect/>
-          </a:stretch>
-        </p:blipFill>
-        <p:spPr>
-          <a:xfrm>
-            <a:off x="3052891" y="1825625"/>
-            <a:ext cx="6086217" cy="4113213"/>
-          </a:xfrm>
-        </p:spPr>
-      </p:pic>
+        </p:nvSpPr>
+        <p:spPr/>
+        <p:txBody>
+          <a:bodyPr/>
+          <a:lstStyle/>
+          <a:p>
+            <a:r>
+              <a:rPr lang="en-US" dirty="0"/>
+              <a:t>VAO: Vertex Array Object</a:t>
+            </a:r>
+          </a:p>
+          <a:p>
+            <a:pPr lvl="1"/>
+            <a:r>
+              <a:rPr lang="en-US" dirty="0"/>
+              <a:t>Stores all of the information to render an object</a:t>
+            </a:r>
+          </a:p>
+          <a:p>
+            <a:r>
+              <a:rPr lang="en-US" dirty="0"/>
+              <a:t>VBO: Vertex Buffer Object</a:t>
+            </a:r>
+          </a:p>
+          <a:p>
+            <a:pPr lvl="1"/>
+            <a:r>
+              <a:rPr lang="en-US" dirty="0"/>
+              <a:t>Bound to VAO</a:t>
+            </a:r>
+          </a:p>
+          <a:p>
+            <a:pPr lvl="1"/>
+            <a:r>
+              <a:rPr lang="en-US" dirty="0"/>
+              <a:t>Stores arbitrary data</a:t>
+            </a:r>
+          </a:p>
+        </p:txBody>
+      </p:sp>
       <p:sp>
         <p:nvSpPr>
           <p:cNvPr id="2" name="Slide Number Placeholder 1">
             <a:extLst>
               <a:ext uri="{FF2B5EF4-FFF2-40B4-BE49-F238E27FC236}">
-                <a16:creationId xmlns:a16="http://schemas.microsoft.com/office/drawing/2014/main" id="{1737125D-286E-7D41-A7DA-C8D3C7F99169}"/>
+                <a16:creationId xmlns:a16="http://schemas.microsoft.com/office/drawing/2014/main" id="{BF8366EF-66EC-564E-8A6E-5460CC4E9DCD}"/>
               </a:ext>
             </a:extLst>
           </p:cNvPr>
@@ -11433,47 +11175,16 @@
           <a:p>
             <a:fld id="{61842C9D-6878-FD4D-8ED6-99E08E82BFB8}" type="slidenum">
               <a:rPr lang="en-US" smtClean="0"/>
-              <a:pPr/>
               <a:t>31</a:t>
             </a:fld>
             <a:endParaRPr lang="en-US" dirty="0"/>
           </a:p>
         </p:txBody>
       </p:sp>
-      <p:sp>
-        <p:nvSpPr>
-          <p:cNvPr id="9" name="Text Placeholder 8">
-            <a:extLst>
-              <a:ext uri="{FF2B5EF4-FFF2-40B4-BE49-F238E27FC236}">
-                <a16:creationId xmlns:a16="http://schemas.microsoft.com/office/drawing/2014/main" id="{CF6F51BC-5FC2-BA46-A3D8-E2AC0210FEEC}"/>
-              </a:ext>
-            </a:extLst>
-          </p:cNvPr>
-          <p:cNvSpPr>
-            <a:spLocks noGrp="1"/>
-          </p:cNvSpPr>
-          <p:nvPr>
-            <p:ph type="body" sz="quarter" idx="13"/>
-          </p:nvPr>
-        </p:nvSpPr>
-        <p:spPr/>
-        <p:txBody>
-          <a:bodyPr>
-            <a:normAutofit fontScale="92500" lnSpcReduction="20000"/>
-          </a:bodyPr>
-          <a:lstStyle/>
-          <a:p>
-            <a:r>
-              <a:rPr lang="en-US" dirty="0"/>
-              <a:t>[2]</a:t>
-            </a:r>
-          </a:p>
-        </p:txBody>
-      </p:sp>
     </p:spTree>
     <p:extLst>
       <p:ext uri="{BB962C8B-B14F-4D97-AF65-F5344CB8AC3E}">
-        <p14:creationId xmlns:p14="http://schemas.microsoft.com/office/powerpoint/2010/main" val="2767531703"/>
+        <p14:creationId xmlns:p14="http://schemas.microsoft.com/office/powerpoint/2010/main" val="3450479195"/>
       </p:ext>
     </p:extLst>
   </p:cSld>
@@ -11502,10 +11213,67 @@
       </p:grpSpPr>
       <p:sp>
         <p:nvSpPr>
-          <p:cNvPr id="4" name="Slide Number Placeholder 3">
-            <a:extLst>
-              <a:ext uri="{FF2B5EF4-FFF2-40B4-BE49-F238E27FC236}">
-                <a16:creationId xmlns:a16="http://schemas.microsoft.com/office/drawing/2014/main" id="{EB6DD883-17A4-0E4F-916C-3B7D509CDDCE}"/>
+          <p:cNvPr id="7" name="Title 6">
+            <a:extLst>
+              <a:ext uri="{FF2B5EF4-FFF2-40B4-BE49-F238E27FC236}">
+                <a16:creationId xmlns:a16="http://schemas.microsoft.com/office/drawing/2014/main" id="{5908263E-08A7-9945-8EE4-0467552908EA}"/>
+              </a:ext>
+            </a:extLst>
+          </p:cNvPr>
+          <p:cNvSpPr>
+            <a:spLocks noGrp="1"/>
+          </p:cNvSpPr>
+          <p:nvPr>
+            <p:ph type="title"/>
+          </p:nvPr>
+        </p:nvSpPr>
+        <p:spPr/>
+        <p:txBody>
+          <a:bodyPr/>
+          <a:lstStyle/>
+          <a:p>
+            <a:r>
+              <a:rPr lang="en-US" dirty="0"/>
+              <a:t>VAOs and VBOs</a:t>
+            </a:r>
+          </a:p>
+        </p:txBody>
+      </p:sp>
+      <p:pic>
+        <p:nvPicPr>
+          <p:cNvPr id="6" name="Content Placeholder 5">
+            <a:extLst>
+              <a:ext uri="{FF2B5EF4-FFF2-40B4-BE49-F238E27FC236}">
+                <a16:creationId xmlns:a16="http://schemas.microsoft.com/office/drawing/2014/main" id="{E326B79A-011A-174F-BAEA-A229AF47A881}"/>
+              </a:ext>
+            </a:extLst>
+          </p:cNvPr>
+          <p:cNvPicPr>
+            <a:picLocks noGrp="1" noChangeAspect="1"/>
+          </p:cNvPicPr>
+          <p:nvPr>
+            <p:ph idx="1"/>
+          </p:nvPr>
+        </p:nvPicPr>
+        <p:blipFill>
+          <a:blip r:embed="rId2"/>
+          <a:stretch>
+            <a:fillRect/>
+          </a:stretch>
+        </p:blipFill>
+        <p:spPr>
+          <a:xfrm>
+            <a:off x="3052891" y="1825625"/>
+            <a:ext cx="6086217" cy="4113213"/>
+          </a:xfrm>
+        </p:spPr>
+      </p:pic>
+      <p:sp>
+        <p:nvSpPr>
+          <p:cNvPr id="2" name="Slide Number Placeholder 1">
+            <a:extLst>
+              <a:ext uri="{FF2B5EF4-FFF2-40B4-BE49-F238E27FC236}">
+                <a16:creationId xmlns:a16="http://schemas.microsoft.com/office/drawing/2014/main" id="{1737125D-286E-7D41-A7DA-C8D3C7F99169}"/>
               </a:ext>
             </a:extLst>
           </p:cNvPr>
@@ -11523,148 +11291,39 @@
           <a:p>
             <a:fld id="{61842C9D-6878-FD4D-8ED6-99E08E82BFB8}" type="slidenum">
               <a:rPr lang="en-US" smtClean="0"/>
+              <a:pPr/>
               <a:t>32</a:t>
             </a:fld>
-            <a:endParaRPr lang="en-US"/>
-          </a:p>
-        </p:txBody>
-      </p:sp>
-      <p:sp>
-        <p:nvSpPr>
-          <p:cNvPr id="5" name="Content Placeholder 4">
-            <a:extLst>
-              <a:ext uri="{FF2B5EF4-FFF2-40B4-BE49-F238E27FC236}">
-                <a16:creationId xmlns:a16="http://schemas.microsoft.com/office/drawing/2014/main" id="{61A9466A-8E86-0A47-8B10-5D8195E136A1}"/>
-              </a:ext>
-            </a:extLst>
-          </p:cNvPr>
-          <p:cNvSpPr>
-            <a:spLocks noGrp="1"/>
-          </p:cNvSpPr>
-          <p:nvPr>
-            <p:ph sz="quarter" idx="13"/>
-          </p:nvPr>
-        </p:nvSpPr>
-        <p:spPr/>
-        <p:txBody>
-          <a:bodyPr/>
-          <a:lstStyle/>
-          <a:p>
-            <a:r>
-              <a:rPr lang="en-US" dirty="0" err="1">
-                <a:solidFill>
-                  <a:srgbClr val="9876AA"/>
-                </a:solidFill>
-              </a:rPr>
-              <a:t>glVboName</a:t>
-            </a:r>
-            <a:r>
-              <a:rPr lang="en-US" dirty="0">
-                <a:solidFill>
-                  <a:srgbClr val="9876AA"/>
-                </a:solidFill>
-              </a:rPr>
-              <a:t> </a:t>
-            </a:r>
-            <a:r>
-              <a:rPr lang="en-US" dirty="0"/>
-              <a:t>= </a:t>
-            </a:r>
-            <a:r>
-              <a:rPr lang="en-US" i="1" dirty="0" err="1"/>
-              <a:t>glGenBuffers</a:t>
-            </a:r>
-            <a:r>
-              <a:rPr lang="en-US" dirty="0"/>
-              <a:t>()</a:t>
-            </a:r>
-            <a:r>
-              <a:rPr lang="en-US" dirty="0">
-                <a:solidFill>
-                  <a:srgbClr val="CC7832"/>
-                </a:solidFill>
-              </a:rPr>
-              <a:t>;</a:t>
-            </a:r>
-            <a:br>
-              <a:rPr lang="en-US" dirty="0">
-                <a:solidFill>
-                  <a:srgbClr val="CC7832"/>
-                </a:solidFill>
-              </a:rPr>
-            </a:br>
-            <a:r>
-              <a:rPr lang="en-US" i="1" dirty="0" err="1"/>
-              <a:t>glBindBuffer</a:t>
-            </a:r>
-            <a:r>
-              <a:rPr lang="en-US" dirty="0"/>
-              <a:t>(</a:t>
-            </a:r>
-            <a:r>
-              <a:rPr lang="en-US" i="1" dirty="0">
-                <a:solidFill>
-                  <a:srgbClr val="9876AA"/>
-                </a:solidFill>
-              </a:rPr>
-              <a:t>GL_ARRAY_BUFFER</a:t>
-            </a:r>
-            <a:r>
-              <a:rPr lang="en-US" dirty="0">
-                <a:solidFill>
-                  <a:srgbClr val="CC7832"/>
-                </a:solidFill>
-              </a:rPr>
-              <a:t>, </a:t>
-            </a:r>
-            <a:r>
-              <a:rPr lang="en-US" dirty="0" err="1">
-                <a:solidFill>
-                  <a:srgbClr val="9876AA"/>
-                </a:solidFill>
-              </a:rPr>
-              <a:t>glVboName</a:t>
-            </a:r>
-            <a:r>
-              <a:rPr lang="en-US" dirty="0"/>
-              <a:t>)</a:t>
-            </a:r>
-            <a:r>
-              <a:rPr lang="en-US" dirty="0">
-                <a:solidFill>
-                  <a:srgbClr val="CC7832"/>
-                </a:solidFill>
-              </a:rPr>
-              <a:t>;</a:t>
-            </a:r>
             <a:endParaRPr lang="en-US" dirty="0"/>
           </a:p>
         </p:txBody>
       </p:sp>
       <p:sp>
         <p:nvSpPr>
-          <p:cNvPr id="6" name="Title 5">
-            <a:extLst>
-              <a:ext uri="{FF2B5EF4-FFF2-40B4-BE49-F238E27FC236}">
-                <a16:creationId xmlns:a16="http://schemas.microsoft.com/office/drawing/2014/main" id="{4E882A1F-1586-F949-BC6E-A898E7ECFA75}"/>
-              </a:ext>
-            </a:extLst>
-          </p:cNvPr>
-          <p:cNvSpPr>
-            <a:spLocks noGrp="1"/>
-          </p:cNvSpPr>
-          <p:nvPr>
-            <p:ph type="title"/>
-          </p:nvPr>
-        </p:nvSpPr>
-        <p:spPr/>
-        <p:txBody>
-          <a:bodyPr/>
-          <a:lstStyle/>
-          <a:p>
-            <a:r>
-              <a:rPr lang="en-US" dirty="0"/>
-              <a:t>Creating a VBO</a:t>
+          <p:cNvPr id="9" name="Text Placeholder 8">
+            <a:extLst>
+              <a:ext uri="{FF2B5EF4-FFF2-40B4-BE49-F238E27FC236}">
+                <a16:creationId xmlns:a16="http://schemas.microsoft.com/office/drawing/2014/main" id="{CF6F51BC-5FC2-BA46-A3D8-E2AC0210FEEC}"/>
+              </a:ext>
+            </a:extLst>
+          </p:cNvPr>
+          <p:cNvSpPr>
+            <a:spLocks noGrp="1"/>
+          </p:cNvSpPr>
+          <p:nvPr>
+            <p:ph type="body" sz="quarter" idx="13"/>
+          </p:nvPr>
+        </p:nvSpPr>
+        <p:spPr/>
+        <p:txBody>
+          <a:bodyPr>
+            <a:normAutofit fontScale="92500" lnSpcReduction="20000"/>
+          </a:bodyPr>
+          <a:lstStyle/>
+          <a:p>
+            <a:r>
+              <a:rPr lang="en-US" dirty="0"/>
+              <a:t>[2]</a:t>
             </a:r>
           </a:p>
         </p:txBody>
@@ -11672,7 +11331,7 @@
     </p:spTree>
     <p:extLst>
       <p:ext uri="{BB962C8B-B14F-4D97-AF65-F5344CB8AC3E}">
-        <p14:creationId xmlns:p14="http://schemas.microsoft.com/office/powerpoint/2010/main" val="493778075"/>
+        <p14:creationId xmlns:p14="http://schemas.microsoft.com/office/powerpoint/2010/main" val="2767531703"/>
       </p:ext>
     </p:extLst>
   </p:cSld>
@@ -11701,10 +11360,10 @@
       </p:grpSpPr>
       <p:sp>
         <p:nvSpPr>
-          <p:cNvPr id="2" name="Slide Number Placeholder 1">
-            <a:extLst>
-              <a:ext uri="{FF2B5EF4-FFF2-40B4-BE49-F238E27FC236}">
-                <a16:creationId xmlns:a16="http://schemas.microsoft.com/office/drawing/2014/main" id="{EC13660C-9080-7448-99F6-1F40C0A0BE4A}"/>
+          <p:cNvPr id="4" name="Slide Number Placeholder 3">
+            <a:extLst>
+              <a:ext uri="{FF2B5EF4-FFF2-40B4-BE49-F238E27FC236}">
+                <a16:creationId xmlns:a16="http://schemas.microsoft.com/office/drawing/2014/main" id="{EB6DD883-17A4-0E4F-916C-3B7D509CDDCE}"/>
               </a:ext>
             </a:extLst>
           </p:cNvPr>
@@ -11722,619 +11381,130 @@
           <a:p>
             <a:fld id="{61842C9D-6878-FD4D-8ED6-99E08E82BFB8}" type="slidenum">
               <a:rPr lang="en-US" smtClean="0"/>
-              <a:pPr/>
               <a:t>33</a:t>
             </a:fld>
+            <a:endParaRPr lang="en-US"/>
+          </a:p>
+        </p:txBody>
+      </p:sp>
+      <p:sp>
+        <p:nvSpPr>
+          <p:cNvPr id="5" name="Content Placeholder 4">
+            <a:extLst>
+              <a:ext uri="{FF2B5EF4-FFF2-40B4-BE49-F238E27FC236}">
+                <a16:creationId xmlns:a16="http://schemas.microsoft.com/office/drawing/2014/main" id="{61A9466A-8E86-0A47-8B10-5D8195E136A1}"/>
+              </a:ext>
+            </a:extLst>
+          </p:cNvPr>
+          <p:cNvSpPr>
+            <a:spLocks noGrp="1"/>
+          </p:cNvSpPr>
+          <p:nvPr>
+            <p:ph sz="quarter" idx="13"/>
+          </p:nvPr>
+        </p:nvSpPr>
+        <p:spPr/>
+        <p:txBody>
+          <a:bodyPr/>
+          <a:lstStyle/>
+          <a:p>
+            <a:r>
+              <a:rPr lang="en-US" dirty="0" err="1">
+                <a:solidFill>
+                  <a:srgbClr val="9876AA"/>
+                </a:solidFill>
+              </a:rPr>
+              <a:t>glVboName</a:t>
+            </a:r>
+            <a:r>
+              <a:rPr lang="en-US" dirty="0">
+                <a:solidFill>
+                  <a:srgbClr val="9876AA"/>
+                </a:solidFill>
+              </a:rPr>
+              <a:t> </a:t>
+            </a:r>
+            <a:r>
+              <a:rPr lang="en-US" dirty="0"/>
+              <a:t>= </a:t>
+            </a:r>
+            <a:r>
+              <a:rPr lang="en-US" i="1" dirty="0" err="1"/>
+              <a:t>glGenBuffers</a:t>
+            </a:r>
+            <a:r>
+              <a:rPr lang="en-US" dirty="0"/>
+              <a:t>()</a:t>
+            </a:r>
+            <a:r>
+              <a:rPr lang="en-US" dirty="0">
+                <a:solidFill>
+                  <a:srgbClr val="CC7832"/>
+                </a:solidFill>
+              </a:rPr>
+              <a:t>;</a:t>
+            </a:r>
+            <a:br>
+              <a:rPr lang="en-US" dirty="0">
+                <a:solidFill>
+                  <a:srgbClr val="CC7832"/>
+                </a:solidFill>
+              </a:rPr>
+            </a:br>
+            <a:r>
+              <a:rPr lang="en-US" i="1" dirty="0" err="1"/>
+              <a:t>glBindBuffer</a:t>
+            </a:r>
+            <a:r>
+              <a:rPr lang="en-US" dirty="0"/>
+              <a:t>(</a:t>
+            </a:r>
+            <a:r>
+              <a:rPr lang="en-US" i="1" dirty="0">
+                <a:solidFill>
+                  <a:srgbClr val="9876AA"/>
+                </a:solidFill>
+              </a:rPr>
+              <a:t>GL_ARRAY_BUFFER</a:t>
+            </a:r>
+            <a:r>
+              <a:rPr lang="en-US" dirty="0">
+                <a:solidFill>
+                  <a:srgbClr val="CC7832"/>
+                </a:solidFill>
+              </a:rPr>
+              <a:t>, </a:t>
+            </a:r>
+            <a:r>
+              <a:rPr lang="en-US" dirty="0" err="1">
+                <a:solidFill>
+                  <a:srgbClr val="9876AA"/>
+                </a:solidFill>
+              </a:rPr>
+              <a:t>glVboName</a:t>
+            </a:r>
+            <a:r>
+              <a:rPr lang="en-US" dirty="0"/>
+              <a:t>)</a:t>
+            </a:r>
+            <a:r>
+              <a:rPr lang="en-US" dirty="0">
+                <a:solidFill>
+                  <a:srgbClr val="CC7832"/>
+                </a:solidFill>
+              </a:rPr>
+              <a:t>;</a:t>
+            </a:r>
             <a:endParaRPr lang="en-US" dirty="0"/>
           </a:p>
         </p:txBody>
       </p:sp>
       <p:sp>
         <p:nvSpPr>
-          <p:cNvPr id="3" name="Content Placeholder 2">
-            <a:extLst>
-              <a:ext uri="{FF2B5EF4-FFF2-40B4-BE49-F238E27FC236}">
-                <a16:creationId xmlns:a16="http://schemas.microsoft.com/office/drawing/2014/main" id="{A27B6309-DD68-FB4C-BBDF-81B3FF6C46DD}"/>
-              </a:ext>
-            </a:extLst>
-          </p:cNvPr>
-          <p:cNvSpPr>
-            <a:spLocks noGrp="1"/>
-          </p:cNvSpPr>
-          <p:nvPr>
-            <p:ph sz="quarter" idx="13"/>
-          </p:nvPr>
-        </p:nvSpPr>
-        <p:spPr/>
-        <p:txBody>
-          <a:bodyPr/>
-          <a:lstStyle/>
-          <a:p>
-            <a:r>
-              <a:rPr lang="en-US" dirty="0">
-                <a:solidFill>
-                  <a:srgbClr val="CC7832"/>
-                </a:solidFill>
-              </a:rPr>
-              <a:t>float</a:t>
-            </a:r>
-            <a:r>
-              <a:rPr lang="en-US" dirty="0"/>
-              <a:t>[] vertices = </a:t>
-            </a:r>
-            <a:r>
-              <a:rPr lang="en-US" dirty="0">
-                <a:solidFill>
-                  <a:srgbClr val="CC7832"/>
-                </a:solidFill>
-              </a:rPr>
-              <a:t>new float</a:t>
-            </a:r>
-            <a:r>
-              <a:rPr lang="en-US" dirty="0"/>
-              <a:t>[]{</a:t>
-            </a:r>
-            <a:br>
-              <a:rPr lang="en-US" dirty="0"/>
-            </a:br>
-            <a:r>
-              <a:rPr lang="en-US" dirty="0"/>
-              <a:t>    </a:t>
-            </a:r>
-            <a:r>
-              <a:rPr lang="en-US" dirty="0">
-                <a:solidFill>
-                  <a:srgbClr val="6897BB"/>
-                </a:solidFill>
-              </a:rPr>
-              <a:t>0.0f</a:t>
-            </a:r>
-            <a:r>
-              <a:rPr lang="en-US" dirty="0">
-                <a:solidFill>
-                  <a:srgbClr val="CC7832"/>
-                </a:solidFill>
-              </a:rPr>
-              <a:t>, </a:t>
-            </a:r>
-            <a:r>
-              <a:rPr lang="en-US" dirty="0">
-                <a:solidFill>
-                  <a:srgbClr val="6897BB"/>
-                </a:solidFill>
-              </a:rPr>
-              <a:t>0.5f</a:t>
-            </a:r>
-            <a:r>
-              <a:rPr lang="en-US" dirty="0">
-                <a:solidFill>
-                  <a:srgbClr val="CC7832"/>
-                </a:solidFill>
-              </a:rPr>
-              <a:t>, </a:t>
-            </a:r>
-            <a:r>
-              <a:rPr lang="en-US" dirty="0">
-                <a:solidFill>
-                  <a:srgbClr val="6897BB"/>
-                </a:solidFill>
-              </a:rPr>
-              <a:t>0.0f</a:t>
-            </a:r>
-            <a:r>
-              <a:rPr lang="en-US" dirty="0">
-                <a:solidFill>
-                  <a:srgbClr val="CC7832"/>
-                </a:solidFill>
-              </a:rPr>
-              <a:t>,</a:t>
-            </a:r>
-            <a:br>
-              <a:rPr lang="en-US" dirty="0">
-                <a:solidFill>
-                  <a:srgbClr val="CC7832"/>
-                </a:solidFill>
-              </a:rPr>
-            </a:br>
-            <a:r>
-              <a:rPr lang="en-US" dirty="0">
-                <a:solidFill>
-                  <a:srgbClr val="CC7832"/>
-                </a:solidFill>
-              </a:rPr>
-              <a:t>    </a:t>
-            </a:r>
-            <a:r>
-              <a:rPr lang="en-US" dirty="0"/>
-              <a:t>-</a:t>
-            </a:r>
-            <a:r>
-              <a:rPr lang="en-US" dirty="0">
-                <a:solidFill>
-                  <a:srgbClr val="6897BB"/>
-                </a:solidFill>
-              </a:rPr>
-              <a:t>0.5f</a:t>
-            </a:r>
-            <a:r>
-              <a:rPr lang="en-US" dirty="0">
-                <a:solidFill>
-                  <a:srgbClr val="CC7832"/>
-                </a:solidFill>
-              </a:rPr>
-              <a:t>, </a:t>
-            </a:r>
-            <a:r>
-              <a:rPr lang="en-US" dirty="0"/>
-              <a:t>-</a:t>
-            </a:r>
-            <a:r>
-              <a:rPr lang="en-US" dirty="0">
-                <a:solidFill>
-                  <a:srgbClr val="6897BB"/>
-                </a:solidFill>
-              </a:rPr>
-              <a:t>0.5f</a:t>
-            </a:r>
-            <a:r>
-              <a:rPr lang="en-US" dirty="0">
-                <a:solidFill>
-                  <a:srgbClr val="CC7832"/>
-                </a:solidFill>
-              </a:rPr>
-              <a:t>, </a:t>
-            </a:r>
-            <a:r>
-              <a:rPr lang="en-US" dirty="0">
-                <a:solidFill>
-                  <a:srgbClr val="6897BB"/>
-                </a:solidFill>
-              </a:rPr>
-              <a:t>0.0f</a:t>
-            </a:r>
-            <a:r>
-              <a:rPr lang="en-US" dirty="0">
-                <a:solidFill>
-                  <a:srgbClr val="CC7832"/>
-                </a:solidFill>
-              </a:rPr>
-              <a:t>,</a:t>
-            </a:r>
-            <a:br>
-              <a:rPr lang="en-US" dirty="0">
-                <a:solidFill>
-                  <a:srgbClr val="CC7832"/>
-                </a:solidFill>
-              </a:rPr>
-            </a:br>
-            <a:r>
-              <a:rPr lang="en-US" dirty="0">
-                <a:solidFill>
-                  <a:srgbClr val="CC7832"/>
-                </a:solidFill>
-              </a:rPr>
-              <a:t>    </a:t>
-            </a:r>
-            <a:r>
-              <a:rPr lang="en-US" dirty="0">
-                <a:solidFill>
-                  <a:srgbClr val="6897BB"/>
-                </a:solidFill>
-              </a:rPr>
-              <a:t>0.5f</a:t>
-            </a:r>
-            <a:r>
-              <a:rPr lang="en-US" dirty="0">
-                <a:solidFill>
-                  <a:srgbClr val="CC7832"/>
-                </a:solidFill>
-              </a:rPr>
-              <a:t>, </a:t>
-            </a:r>
-            <a:r>
-              <a:rPr lang="en-US" dirty="0"/>
-              <a:t>-</a:t>
-            </a:r>
-            <a:r>
-              <a:rPr lang="en-US" dirty="0">
-                <a:solidFill>
-                  <a:srgbClr val="6897BB"/>
-                </a:solidFill>
-              </a:rPr>
-              <a:t>0.5f</a:t>
-            </a:r>
-            <a:r>
-              <a:rPr lang="en-US" dirty="0">
-                <a:solidFill>
-                  <a:srgbClr val="CC7832"/>
-                </a:solidFill>
-              </a:rPr>
-              <a:t>, </a:t>
-            </a:r>
-            <a:r>
-              <a:rPr lang="en-US" dirty="0">
-                <a:solidFill>
-                  <a:srgbClr val="6897BB"/>
-                </a:solidFill>
-              </a:rPr>
-              <a:t>0.0f</a:t>
-            </a:r>
-            <a:br>
-              <a:rPr lang="en-US" dirty="0">
-                <a:solidFill>
-                  <a:srgbClr val="6897BB"/>
-                </a:solidFill>
-              </a:rPr>
-            </a:br>
-            <a:r>
-              <a:rPr lang="en-US" dirty="0"/>
-              <a:t>}</a:t>
-            </a:r>
-            <a:r>
-              <a:rPr lang="en-US" dirty="0">
-                <a:solidFill>
-                  <a:srgbClr val="CC7832"/>
-                </a:solidFill>
-              </a:rPr>
-              <a:t>;</a:t>
-            </a:r>
-            <a:br>
-              <a:rPr lang="en-US" dirty="0">
-                <a:solidFill>
-                  <a:srgbClr val="CC7832"/>
-                </a:solidFill>
-              </a:rPr>
-            </a:br>
-            <a:br>
-              <a:rPr lang="en-US" dirty="0">
-                <a:solidFill>
-                  <a:srgbClr val="CC7832"/>
-                </a:solidFill>
-              </a:rPr>
-            </a:br>
-            <a:r>
-              <a:rPr lang="en-US" dirty="0">
-                <a:solidFill>
-                  <a:srgbClr val="CC7832"/>
-                </a:solidFill>
-              </a:rPr>
-              <a:t>try </a:t>
-            </a:r>
-            <a:r>
-              <a:rPr lang="en-US" dirty="0"/>
-              <a:t>(</a:t>
-            </a:r>
-            <a:r>
-              <a:rPr lang="en-US" dirty="0" err="1">
-                <a:solidFill>
-                  <a:srgbClr val="CC7832"/>
-                </a:solidFill>
-              </a:rPr>
-              <a:t>var</a:t>
-            </a:r>
-            <a:r>
-              <a:rPr lang="en-US" dirty="0">
-                <a:solidFill>
-                  <a:srgbClr val="CC7832"/>
-                </a:solidFill>
-              </a:rPr>
-              <a:t> </a:t>
-            </a:r>
-            <a:r>
-              <a:rPr lang="en-US" dirty="0"/>
-              <a:t>stack = </a:t>
-            </a:r>
-            <a:r>
-              <a:rPr lang="en-US" dirty="0" err="1"/>
-              <a:t>MemoryStack.</a:t>
-            </a:r>
-            <a:r>
-              <a:rPr lang="en-US" i="1" dirty="0" err="1"/>
-              <a:t>stackPush</a:t>
-            </a:r>
-            <a:r>
-              <a:rPr lang="en-US" dirty="0"/>
-              <a:t>()) {</a:t>
-            </a:r>
-            <a:br>
-              <a:rPr lang="en-US" dirty="0"/>
-            </a:br>
-            <a:r>
-              <a:rPr lang="en-US" dirty="0"/>
-              <a:t>  </a:t>
-            </a:r>
-            <a:r>
-              <a:rPr lang="en-US" dirty="0">
-                <a:solidFill>
-                  <a:srgbClr val="808080"/>
-                </a:solidFill>
-              </a:rPr>
-              <a:t>// Allocate a native buffer to store the vertices</a:t>
-            </a:r>
-            <a:br>
-              <a:rPr lang="en-US" dirty="0">
-                <a:solidFill>
-                  <a:srgbClr val="808080"/>
-                </a:solidFill>
-              </a:rPr>
-            </a:br>
-            <a:r>
-              <a:rPr lang="en-US" dirty="0">
-                <a:solidFill>
-                  <a:srgbClr val="808080"/>
-                </a:solidFill>
-              </a:rPr>
-              <a:t>  </a:t>
-            </a:r>
-            <a:r>
-              <a:rPr lang="en-US" dirty="0" err="1">
-                <a:solidFill>
-                  <a:srgbClr val="CC7832"/>
-                </a:solidFill>
-              </a:rPr>
-              <a:t>var</a:t>
-            </a:r>
-            <a:r>
-              <a:rPr lang="en-US" dirty="0">
-                <a:solidFill>
-                  <a:srgbClr val="CC7832"/>
-                </a:solidFill>
-              </a:rPr>
-              <a:t> </a:t>
-            </a:r>
-            <a:r>
-              <a:rPr lang="en-US" dirty="0" err="1"/>
-              <a:t>vertexBuffer</a:t>
-            </a:r>
-            <a:r>
-              <a:rPr lang="en-US" dirty="0"/>
-              <a:t> = </a:t>
-            </a:r>
-            <a:r>
-              <a:rPr lang="en-US" dirty="0" err="1"/>
-              <a:t>stack.mallocFloat</a:t>
-            </a:r>
-            <a:r>
-              <a:rPr lang="en-US" dirty="0"/>
-              <a:t>(</a:t>
-            </a:r>
-            <a:r>
-              <a:rPr lang="en-US" dirty="0" err="1"/>
-              <a:t>vertices.</a:t>
-            </a:r>
-            <a:r>
-              <a:rPr lang="en-US" dirty="0" err="1">
-                <a:solidFill>
-                  <a:srgbClr val="9876AA"/>
-                </a:solidFill>
-              </a:rPr>
-              <a:t>length</a:t>
-            </a:r>
-            <a:r>
-              <a:rPr lang="en-US" dirty="0"/>
-              <a:t>)</a:t>
-            </a:r>
-            <a:r>
-              <a:rPr lang="en-US" dirty="0">
-                <a:solidFill>
-                  <a:srgbClr val="CC7832"/>
-                </a:solidFill>
-              </a:rPr>
-              <a:t>;</a:t>
-            </a:r>
-            <a:br>
-              <a:rPr lang="en-US" dirty="0">
-                <a:solidFill>
-                  <a:srgbClr val="CC7832"/>
-                </a:solidFill>
-              </a:rPr>
-            </a:br>
-            <a:br>
-              <a:rPr lang="en-US" dirty="0">
-                <a:solidFill>
-                  <a:srgbClr val="CC7832"/>
-                </a:solidFill>
-              </a:rPr>
-            </a:br>
-            <a:r>
-              <a:rPr lang="en-US" dirty="0">
-                <a:solidFill>
-                  <a:srgbClr val="CC7832"/>
-                </a:solidFill>
-              </a:rPr>
-              <a:t>  </a:t>
-            </a:r>
-            <a:r>
-              <a:rPr lang="en-US" dirty="0">
-                <a:solidFill>
-                  <a:srgbClr val="808080"/>
-                </a:solidFill>
-              </a:rPr>
-              <a:t>// Put the previously declared vertices into the float buffer</a:t>
-            </a:r>
-            <a:br>
-              <a:rPr lang="en-US" dirty="0">
-                <a:solidFill>
-                  <a:srgbClr val="808080"/>
-                </a:solidFill>
-              </a:rPr>
-            </a:br>
-            <a:r>
-              <a:rPr lang="en-US" dirty="0">
-                <a:solidFill>
-                  <a:srgbClr val="808080"/>
-                </a:solidFill>
-              </a:rPr>
-              <a:t>  </a:t>
-            </a:r>
-            <a:r>
-              <a:rPr lang="en-US" dirty="0" err="1"/>
-              <a:t>vertexBuffer.put</a:t>
-            </a:r>
-            <a:r>
-              <a:rPr lang="en-US" dirty="0"/>
-              <a:t>(vertices)</a:t>
-            </a:r>
-            <a:r>
-              <a:rPr lang="en-US" dirty="0">
-                <a:solidFill>
-                  <a:srgbClr val="CC7832"/>
-                </a:solidFill>
-              </a:rPr>
-              <a:t>;</a:t>
-            </a:r>
-            <a:br>
-              <a:rPr lang="en-US" dirty="0">
-                <a:solidFill>
-                  <a:srgbClr val="CC7832"/>
-                </a:solidFill>
-              </a:rPr>
-            </a:br>
-            <a:r>
-              <a:rPr lang="en-US" dirty="0">
-                <a:solidFill>
-                  <a:srgbClr val="CC7832"/>
-                </a:solidFill>
-              </a:rPr>
-              <a:t>  </a:t>
-            </a:r>
-            <a:r>
-              <a:rPr lang="en-US" dirty="0" err="1"/>
-              <a:t>vertexBuffer.flip</a:t>
-            </a:r>
-            <a:r>
-              <a:rPr lang="en-US" dirty="0"/>
-              <a:t>()</a:t>
-            </a:r>
-            <a:r>
-              <a:rPr lang="en-US" dirty="0">
-                <a:solidFill>
-                  <a:srgbClr val="CC7832"/>
-                </a:solidFill>
-              </a:rPr>
-              <a:t>;</a:t>
-            </a:r>
-            <a:br>
-              <a:rPr lang="en-US" dirty="0">
-                <a:solidFill>
-                  <a:srgbClr val="CC7832"/>
-                </a:solidFill>
-              </a:rPr>
-            </a:br>
-            <a:br>
-              <a:rPr lang="en-US" dirty="0">
-                <a:solidFill>
-                  <a:srgbClr val="CC7832"/>
-                </a:solidFill>
-              </a:rPr>
-            </a:br>
-            <a:r>
-              <a:rPr lang="en-US" dirty="0">
-                <a:solidFill>
-                  <a:srgbClr val="CC7832"/>
-                </a:solidFill>
-              </a:rPr>
-              <a:t>  </a:t>
-            </a:r>
-            <a:r>
-              <a:rPr lang="en-US" dirty="0">
-                <a:solidFill>
-                  <a:srgbClr val="808080"/>
-                </a:solidFill>
-              </a:rPr>
-              <a:t>// Send the vertices to the graphics hardware</a:t>
-            </a:r>
-            <a:br>
-              <a:rPr lang="en-US" dirty="0">
-                <a:solidFill>
-                  <a:srgbClr val="808080"/>
-                </a:solidFill>
-              </a:rPr>
-            </a:br>
-            <a:r>
-              <a:rPr lang="en-US" dirty="0">
-                <a:solidFill>
-                  <a:srgbClr val="808080"/>
-                </a:solidFill>
-              </a:rPr>
-              <a:t>  </a:t>
-            </a:r>
-            <a:r>
-              <a:rPr lang="en-US" i="1" dirty="0" err="1"/>
-              <a:t>glBufferData</a:t>
-            </a:r>
-            <a:r>
-              <a:rPr lang="en-US" dirty="0"/>
-              <a:t>(</a:t>
-            </a:r>
-            <a:r>
-              <a:rPr lang="en-US" i="1" dirty="0">
-                <a:solidFill>
-                  <a:srgbClr val="9876AA"/>
-                </a:solidFill>
-              </a:rPr>
-              <a:t>GL_ARRAY_BUFFER</a:t>
-            </a:r>
-            <a:r>
-              <a:rPr lang="en-US" dirty="0">
-                <a:solidFill>
-                  <a:srgbClr val="CC7832"/>
-                </a:solidFill>
-              </a:rPr>
-              <a:t>, </a:t>
-            </a:r>
-            <a:r>
-              <a:rPr lang="en-US" dirty="0" err="1"/>
-              <a:t>vertexBuffer</a:t>
-            </a:r>
-            <a:r>
-              <a:rPr lang="en-US" dirty="0">
-                <a:solidFill>
-                  <a:srgbClr val="CC7832"/>
-                </a:solidFill>
-              </a:rPr>
-              <a:t>, </a:t>
-            </a:r>
-            <a:r>
-              <a:rPr lang="en-US" i="1" dirty="0">
-                <a:solidFill>
-                  <a:srgbClr val="9876AA"/>
-                </a:solidFill>
-              </a:rPr>
-              <a:t>GL_STATIC_DRAW</a:t>
-            </a:r>
-            <a:r>
-              <a:rPr lang="en-US" dirty="0"/>
-              <a:t>)</a:t>
-            </a:r>
-            <a:r>
-              <a:rPr lang="en-US" dirty="0">
-                <a:solidFill>
-                  <a:srgbClr val="CC7832"/>
-                </a:solidFill>
-              </a:rPr>
-              <a:t>;</a:t>
-            </a:r>
-            <a:br>
-              <a:rPr lang="en-US" dirty="0">
-                <a:solidFill>
-                  <a:srgbClr val="CC7832"/>
-                </a:solidFill>
-              </a:rPr>
-            </a:br>
-            <a:r>
-              <a:rPr lang="en-US" dirty="0"/>
-              <a:t>}</a:t>
-            </a:r>
-          </a:p>
-        </p:txBody>
-      </p:sp>
-      <p:sp>
-        <p:nvSpPr>
-          <p:cNvPr id="4" name="Title 3">
-            <a:extLst>
-              <a:ext uri="{FF2B5EF4-FFF2-40B4-BE49-F238E27FC236}">
-                <a16:creationId xmlns:a16="http://schemas.microsoft.com/office/drawing/2014/main" id="{25E25049-67FA-034D-9516-9F9940268564}"/>
+          <p:cNvPr id="6" name="Title 5">
+            <a:extLst>
+              <a:ext uri="{FF2B5EF4-FFF2-40B4-BE49-F238E27FC236}">
+                <a16:creationId xmlns:a16="http://schemas.microsoft.com/office/drawing/2014/main" id="{4E882A1F-1586-F949-BC6E-A898E7ECFA75}"/>
               </a:ext>
             </a:extLst>
           </p:cNvPr>
@@ -12352,7 +11522,7 @@
           <a:p>
             <a:r>
               <a:rPr lang="en-US" dirty="0"/>
-              <a:t>Buffering Data to a VBO</a:t>
+              <a:t>Creating a VBO</a:t>
             </a:r>
           </a:p>
         </p:txBody>
@@ -12360,7 +11530,7 @@
     </p:spTree>
     <p:extLst>
       <p:ext uri="{BB962C8B-B14F-4D97-AF65-F5344CB8AC3E}">
-        <p14:creationId xmlns:p14="http://schemas.microsoft.com/office/powerpoint/2010/main" val="3225653984"/>
+        <p14:creationId xmlns:p14="http://schemas.microsoft.com/office/powerpoint/2010/main" val="493778075"/>
       </p:ext>
     </p:extLst>
   </p:cSld>
@@ -12392,7 +11562,7 @@
           <p:cNvPr id="2" name="Slide Number Placeholder 1">
             <a:extLst>
               <a:ext uri="{FF2B5EF4-FFF2-40B4-BE49-F238E27FC236}">
-                <a16:creationId xmlns:a16="http://schemas.microsoft.com/office/drawing/2014/main" id="{AC7863F0-11A1-8443-AFC4-3D9729DD47A4}"/>
+                <a16:creationId xmlns:a16="http://schemas.microsoft.com/office/drawing/2014/main" id="{EC13660C-9080-7448-99F6-1F40C0A0BE4A}"/>
               </a:ext>
             </a:extLst>
           </p:cNvPr>
@@ -12422,7 +11592,7 @@
           <p:cNvPr id="3" name="Content Placeholder 2">
             <a:extLst>
               <a:ext uri="{FF2B5EF4-FFF2-40B4-BE49-F238E27FC236}">
-                <a16:creationId xmlns:a16="http://schemas.microsoft.com/office/drawing/2014/main" id="{A5CFA3C7-D8F8-FC40-BA3F-CFBC657334F7}"/>
+                <a16:creationId xmlns:a16="http://schemas.microsoft.com/office/drawing/2014/main" id="{A27B6309-DD68-FB4C-BBDF-81B3FF6C46DD}"/>
               </a:ext>
             </a:extLst>
           </p:cNvPr>
@@ -12439,32 +11609,529 @@
           <a:lstStyle/>
           <a:p>
             <a:r>
+              <a:rPr lang="en-US" dirty="0">
+                <a:solidFill>
+                  <a:srgbClr val="CC7832"/>
+                </a:solidFill>
+              </a:rPr>
+              <a:t>float</a:t>
+            </a:r>
+            <a:r>
+              <a:rPr lang="en-US" dirty="0"/>
+              <a:t>[] vertices = </a:t>
+            </a:r>
+            <a:r>
+              <a:rPr lang="en-US" dirty="0">
+                <a:solidFill>
+                  <a:srgbClr val="CC7832"/>
+                </a:solidFill>
+              </a:rPr>
+              <a:t>new float</a:t>
+            </a:r>
+            <a:r>
+              <a:rPr lang="en-US" dirty="0"/>
+              <a:t>[]{</a:t>
+            </a:r>
+            <a:br>
+              <a:rPr lang="en-US" dirty="0"/>
+            </a:br>
+            <a:r>
+              <a:rPr lang="en-US" dirty="0"/>
+              <a:t>    </a:t>
+            </a:r>
+            <a:r>
+              <a:rPr lang="en-US" dirty="0">
+                <a:solidFill>
+                  <a:srgbClr val="6897BB"/>
+                </a:solidFill>
+              </a:rPr>
+              <a:t>0.0f</a:t>
+            </a:r>
+            <a:r>
+              <a:rPr lang="en-US" dirty="0">
+                <a:solidFill>
+                  <a:srgbClr val="CC7832"/>
+                </a:solidFill>
+              </a:rPr>
+              <a:t>, </a:t>
+            </a:r>
+            <a:r>
+              <a:rPr lang="en-US" dirty="0">
+                <a:solidFill>
+                  <a:srgbClr val="6897BB"/>
+                </a:solidFill>
+              </a:rPr>
+              <a:t>0.5f</a:t>
+            </a:r>
+            <a:r>
+              <a:rPr lang="en-US" dirty="0">
+                <a:solidFill>
+                  <a:srgbClr val="CC7832"/>
+                </a:solidFill>
+              </a:rPr>
+              <a:t>, </a:t>
+            </a:r>
+            <a:r>
+              <a:rPr lang="en-US" dirty="0">
+                <a:solidFill>
+                  <a:srgbClr val="6897BB"/>
+                </a:solidFill>
+              </a:rPr>
+              <a:t>0.0f</a:t>
+            </a:r>
+            <a:r>
+              <a:rPr lang="en-US" dirty="0">
+                <a:solidFill>
+                  <a:srgbClr val="CC7832"/>
+                </a:solidFill>
+              </a:rPr>
+              <a:t>,</a:t>
+            </a:r>
+            <a:br>
+              <a:rPr lang="en-US" dirty="0">
+                <a:solidFill>
+                  <a:srgbClr val="CC7832"/>
+                </a:solidFill>
+              </a:rPr>
+            </a:br>
+            <a:r>
+              <a:rPr lang="en-US" dirty="0">
+                <a:solidFill>
+                  <a:srgbClr val="CC7832"/>
+                </a:solidFill>
+              </a:rPr>
+              <a:t>    </a:t>
+            </a:r>
+            <a:r>
+              <a:rPr lang="en-US" dirty="0"/>
+              <a:t>-</a:t>
+            </a:r>
+            <a:r>
+              <a:rPr lang="en-US" dirty="0">
+                <a:solidFill>
+                  <a:srgbClr val="6897BB"/>
+                </a:solidFill>
+              </a:rPr>
+              <a:t>0.5f</a:t>
+            </a:r>
+            <a:r>
+              <a:rPr lang="en-US" dirty="0">
+                <a:solidFill>
+                  <a:srgbClr val="CC7832"/>
+                </a:solidFill>
+              </a:rPr>
+              <a:t>, </a:t>
+            </a:r>
+            <a:r>
+              <a:rPr lang="en-US" dirty="0"/>
+              <a:t>-</a:t>
+            </a:r>
+            <a:r>
+              <a:rPr lang="en-US" dirty="0">
+                <a:solidFill>
+                  <a:srgbClr val="6897BB"/>
+                </a:solidFill>
+              </a:rPr>
+              <a:t>0.5f</a:t>
+            </a:r>
+            <a:r>
+              <a:rPr lang="en-US" dirty="0">
+                <a:solidFill>
+                  <a:srgbClr val="CC7832"/>
+                </a:solidFill>
+              </a:rPr>
+              <a:t>, </a:t>
+            </a:r>
+            <a:r>
+              <a:rPr lang="en-US" dirty="0">
+                <a:solidFill>
+                  <a:srgbClr val="6897BB"/>
+                </a:solidFill>
+              </a:rPr>
+              <a:t>0.0f</a:t>
+            </a:r>
+            <a:r>
+              <a:rPr lang="en-US" dirty="0">
+                <a:solidFill>
+                  <a:srgbClr val="CC7832"/>
+                </a:solidFill>
+              </a:rPr>
+              <a:t>,</a:t>
+            </a:r>
+            <a:br>
+              <a:rPr lang="en-US" dirty="0">
+                <a:solidFill>
+                  <a:srgbClr val="CC7832"/>
+                </a:solidFill>
+              </a:rPr>
+            </a:br>
+            <a:r>
+              <a:rPr lang="en-US" dirty="0">
+                <a:solidFill>
+                  <a:srgbClr val="CC7832"/>
+                </a:solidFill>
+              </a:rPr>
+              <a:t>    </a:t>
+            </a:r>
+            <a:r>
+              <a:rPr lang="en-US" dirty="0">
+                <a:solidFill>
+                  <a:srgbClr val="6897BB"/>
+                </a:solidFill>
+              </a:rPr>
+              <a:t>0.5f</a:t>
+            </a:r>
+            <a:r>
+              <a:rPr lang="en-US" dirty="0">
+                <a:solidFill>
+                  <a:srgbClr val="CC7832"/>
+                </a:solidFill>
+              </a:rPr>
+              <a:t>, </a:t>
+            </a:r>
+            <a:r>
+              <a:rPr lang="en-US" dirty="0"/>
+              <a:t>-</a:t>
+            </a:r>
+            <a:r>
+              <a:rPr lang="en-US" dirty="0">
+                <a:solidFill>
+                  <a:srgbClr val="6897BB"/>
+                </a:solidFill>
+              </a:rPr>
+              <a:t>0.5f</a:t>
+            </a:r>
+            <a:r>
+              <a:rPr lang="en-US" dirty="0">
+                <a:solidFill>
+                  <a:srgbClr val="CC7832"/>
+                </a:solidFill>
+              </a:rPr>
+              <a:t>, </a:t>
+            </a:r>
+            <a:r>
+              <a:rPr lang="en-US" dirty="0">
+                <a:solidFill>
+                  <a:srgbClr val="6897BB"/>
+                </a:solidFill>
+              </a:rPr>
+              <a:t>0.0f</a:t>
+            </a:r>
+            <a:br>
+              <a:rPr lang="en-US" dirty="0">
+                <a:solidFill>
+                  <a:srgbClr val="6897BB"/>
+                </a:solidFill>
+              </a:rPr>
+            </a:br>
+            <a:r>
+              <a:rPr lang="en-US" dirty="0"/>
+              <a:t>}</a:t>
+            </a:r>
+            <a:r>
+              <a:rPr lang="en-US" dirty="0">
+                <a:solidFill>
+                  <a:srgbClr val="CC7832"/>
+                </a:solidFill>
+              </a:rPr>
+              <a:t>;</a:t>
+            </a:r>
+            <a:br>
+              <a:rPr lang="en-US" dirty="0">
+                <a:solidFill>
+                  <a:srgbClr val="CC7832"/>
+                </a:solidFill>
+              </a:rPr>
+            </a:br>
+            <a:br>
+              <a:rPr lang="en-US" dirty="0">
+                <a:solidFill>
+                  <a:srgbClr val="CC7832"/>
+                </a:solidFill>
+              </a:rPr>
+            </a:br>
+            <a:r>
+              <a:rPr lang="en-US" dirty="0">
+                <a:solidFill>
+                  <a:srgbClr val="CC7832"/>
+                </a:solidFill>
+              </a:rPr>
+              <a:t>try </a:t>
+            </a:r>
+            <a:r>
+              <a:rPr lang="en-US" dirty="0"/>
+              <a:t>(</a:t>
+            </a:r>
+            <a:r>
               <a:rPr lang="en-US" dirty="0" err="1">
                 <a:solidFill>
+                  <a:srgbClr val="CC7832"/>
+                </a:solidFill>
+              </a:rPr>
+              <a:t>var</a:t>
+            </a:r>
+            <a:r>
+              <a:rPr lang="en-US" dirty="0">
+                <a:solidFill>
+                  <a:srgbClr val="CC7832"/>
+                </a:solidFill>
+              </a:rPr>
+              <a:t> </a:t>
+            </a:r>
+            <a:r>
+              <a:rPr lang="en-US" dirty="0"/>
+              <a:t>stack = </a:t>
+            </a:r>
+            <a:r>
+              <a:rPr lang="en-US" dirty="0" err="1"/>
+              <a:t>MemoryStack.</a:t>
+            </a:r>
+            <a:r>
+              <a:rPr lang="en-US" i="1" dirty="0" err="1"/>
+              <a:t>stackPush</a:t>
+            </a:r>
+            <a:r>
+              <a:rPr lang="en-US" dirty="0"/>
+              <a:t>()) {</a:t>
+            </a:r>
+            <a:br>
+              <a:rPr lang="en-US" dirty="0"/>
+            </a:br>
+            <a:r>
+              <a:rPr lang="en-US" dirty="0"/>
+              <a:t>  </a:t>
+            </a:r>
+            <a:r>
+              <a:rPr lang="en-US" dirty="0">
+                <a:solidFill>
+                  <a:srgbClr val="808080"/>
+                </a:solidFill>
+              </a:rPr>
+              <a:t>// Allocate a native buffer to store the vertices</a:t>
+            </a:r>
+            <a:br>
+              <a:rPr lang="en-US" dirty="0">
+                <a:solidFill>
+                  <a:srgbClr val="808080"/>
+                </a:solidFill>
+              </a:rPr>
+            </a:br>
+            <a:r>
+              <a:rPr lang="en-US" dirty="0">
+                <a:solidFill>
+                  <a:srgbClr val="808080"/>
+                </a:solidFill>
+              </a:rPr>
+              <a:t>  </a:t>
+            </a:r>
+            <a:r>
+              <a:rPr lang="en-US" dirty="0" err="1">
+                <a:solidFill>
+                  <a:srgbClr val="CC7832"/>
+                </a:solidFill>
+              </a:rPr>
+              <a:t>var</a:t>
+            </a:r>
+            <a:r>
+              <a:rPr lang="en-US" dirty="0">
+                <a:solidFill>
+                  <a:srgbClr val="CC7832"/>
+                </a:solidFill>
+              </a:rPr>
+              <a:t> </a:t>
+            </a:r>
+            <a:r>
+              <a:rPr lang="en-US" dirty="0" err="1"/>
+              <a:t>vertexBuffer</a:t>
+            </a:r>
+            <a:r>
+              <a:rPr lang="en-US" dirty="0"/>
+              <a:t> = </a:t>
+            </a:r>
+            <a:r>
+              <a:rPr lang="en-US" dirty="0" err="1"/>
+              <a:t>stack.mallocFloat</a:t>
+            </a:r>
+            <a:r>
+              <a:rPr lang="en-US" dirty="0"/>
+              <a:t>(</a:t>
+            </a:r>
+            <a:r>
+              <a:rPr lang="en-US" dirty="0" err="1"/>
+              <a:t>vertices.</a:t>
+            </a:r>
+            <a:r>
+              <a:rPr lang="en-US" dirty="0" err="1">
+                <a:solidFill>
                   <a:srgbClr val="9876AA"/>
                 </a:solidFill>
               </a:rPr>
-              <a:t>glVaoName</a:t>
-            </a:r>
-            <a:r>
-              <a:rPr lang="en-US" dirty="0">
+              <a:t>length</a:t>
+            </a:r>
+            <a:r>
+              <a:rPr lang="en-US" dirty="0"/>
+              <a:t>)</a:t>
+            </a:r>
+            <a:r>
+              <a:rPr lang="en-US" dirty="0">
+                <a:solidFill>
+                  <a:srgbClr val="CC7832"/>
+                </a:solidFill>
+              </a:rPr>
+              <a:t>;</a:t>
+            </a:r>
+            <a:br>
+              <a:rPr lang="en-US" dirty="0">
+                <a:solidFill>
+                  <a:srgbClr val="CC7832"/>
+                </a:solidFill>
+              </a:rPr>
+            </a:br>
+            <a:br>
+              <a:rPr lang="en-US" dirty="0">
+                <a:solidFill>
+                  <a:srgbClr val="CC7832"/>
+                </a:solidFill>
+              </a:rPr>
+            </a:br>
+            <a:r>
+              <a:rPr lang="en-US" dirty="0">
+                <a:solidFill>
+                  <a:srgbClr val="CC7832"/>
+                </a:solidFill>
+              </a:rPr>
+              <a:t>  </a:t>
+            </a:r>
+            <a:r>
+              <a:rPr lang="en-US" dirty="0">
+                <a:solidFill>
+                  <a:srgbClr val="808080"/>
+                </a:solidFill>
+              </a:rPr>
+              <a:t>// Put the previously declared vertices into the float buffer</a:t>
+            </a:r>
+            <a:br>
+              <a:rPr lang="en-US" dirty="0">
+                <a:solidFill>
+                  <a:srgbClr val="808080"/>
+                </a:solidFill>
+              </a:rPr>
+            </a:br>
+            <a:r>
+              <a:rPr lang="en-US" dirty="0">
+                <a:solidFill>
+                  <a:srgbClr val="808080"/>
+                </a:solidFill>
+              </a:rPr>
+              <a:t>  </a:t>
+            </a:r>
+            <a:r>
+              <a:rPr lang="en-US" dirty="0" err="1"/>
+              <a:t>vertexBuffer.put</a:t>
+            </a:r>
+            <a:r>
+              <a:rPr lang="en-US" dirty="0"/>
+              <a:t>(vertices)</a:t>
+            </a:r>
+            <a:r>
+              <a:rPr lang="en-US" dirty="0">
+                <a:solidFill>
+                  <a:srgbClr val="CC7832"/>
+                </a:solidFill>
+              </a:rPr>
+              <a:t>;</a:t>
+            </a:r>
+            <a:br>
+              <a:rPr lang="en-US" dirty="0">
+                <a:solidFill>
+                  <a:srgbClr val="CC7832"/>
+                </a:solidFill>
+              </a:rPr>
+            </a:br>
+            <a:r>
+              <a:rPr lang="en-US" dirty="0">
+                <a:solidFill>
+                  <a:srgbClr val="CC7832"/>
+                </a:solidFill>
+              </a:rPr>
+              <a:t>  </a:t>
+            </a:r>
+            <a:r>
+              <a:rPr lang="en-US" dirty="0" err="1"/>
+              <a:t>vertexBuffer.flip</a:t>
+            </a:r>
+            <a:r>
+              <a:rPr lang="en-US" dirty="0"/>
+              <a:t>()</a:t>
+            </a:r>
+            <a:r>
+              <a:rPr lang="en-US" dirty="0">
+                <a:solidFill>
+                  <a:srgbClr val="CC7832"/>
+                </a:solidFill>
+              </a:rPr>
+              <a:t>;</a:t>
+            </a:r>
+            <a:br>
+              <a:rPr lang="en-US" dirty="0">
+                <a:solidFill>
+                  <a:srgbClr val="CC7832"/>
+                </a:solidFill>
+              </a:rPr>
+            </a:br>
+            <a:br>
+              <a:rPr lang="en-US" dirty="0">
+                <a:solidFill>
+                  <a:srgbClr val="CC7832"/>
+                </a:solidFill>
+              </a:rPr>
+            </a:br>
+            <a:r>
+              <a:rPr lang="en-US" dirty="0">
+                <a:solidFill>
+                  <a:srgbClr val="CC7832"/>
+                </a:solidFill>
+              </a:rPr>
+              <a:t>  </a:t>
+            </a:r>
+            <a:r>
+              <a:rPr lang="en-US" dirty="0">
+                <a:solidFill>
+                  <a:srgbClr val="808080"/>
+                </a:solidFill>
+              </a:rPr>
+              <a:t>// Send the vertices to the graphics hardware</a:t>
+            </a:r>
+            <a:br>
+              <a:rPr lang="en-US" dirty="0">
+                <a:solidFill>
+                  <a:srgbClr val="808080"/>
+                </a:solidFill>
+              </a:rPr>
+            </a:br>
+            <a:r>
+              <a:rPr lang="en-US" dirty="0">
+                <a:solidFill>
+                  <a:srgbClr val="808080"/>
+                </a:solidFill>
+              </a:rPr>
+              <a:t>  </a:t>
+            </a:r>
+            <a:r>
+              <a:rPr lang="en-US" i="1" dirty="0" err="1"/>
+              <a:t>glBufferData</a:t>
+            </a:r>
+            <a:r>
+              <a:rPr lang="en-US" dirty="0"/>
+              <a:t>(</a:t>
+            </a:r>
+            <a:r>
+              <a:rPr lang="en-US" i="1" dirty="0">
                 <a:solidFill>
                   <a:srgbClr val="9876AA"/>
                 </a:solidFill>
               </a:rPr>
-              <a:t> </a:t>
-            </a:r>
-            <a:r>
-              <a:rPr lang="en-US" dirty="0"/>
-              <a:t>= </a:t>
-            </a:r>
-            <a:r>
-              <a:rPr lang="en-US" i="1" dirty="0" err="1"/>
-              <a:t>glGenVertexArrays</a:t>
-            </a:r>
-            <a:r>
-              <a:rPr lang="en-US" dirty="0"/>
-              <a:t>()</a:t>
+              <a:t>GL_ARRAY_BUFFER</a:t>
             </a:r>
             <a:r>
               <a:rPr lang="en-US" dirty="0">
@@ -12472,6 +12139,38 @@
                   <a:srgbClr val="CC7832"/>
                 </a:solidFill>
               </a:rPr>
+              <a:t>, </a:t>
+            </a:r>
+            <a:r>
+              <a:rPr lang="en-US" dirty="0" err="1"/>
+              <a:t>vertexBuffer</a:t>
+            </a:r>
+            <a:r>
+              <a:rPr lang="en-US" dirty="0">
+                <a:solidFill>
+                  <a:srgbClr val="CC7832"/>
+                </a:solidFill>
+              </a:rPr>
+              <a:t>, </a:t>
+            </a:r>
+            <a:r>
+              <a:rPr lang="en-US" i="1" dirty="0">
+                <a:solidFill>
+                  <a:srgbClr val="9876AA"/>
+                </a:solidFill>
+              </a:rPr>
+              <a:t>GL_STATIC_DRAW</a:t>
+            </a:r>
+            <a:r>
+              <a:rPr lang="en-US" dirty="0"/>
+              <a:t>)</a:t>
+            </a:r>
+            <a:r>
+              <a:rPr lang="en-US" dirty="0">
+                <a:solidFill>
+                  <a:srgbClr val="CC7832"/>
+                </a:solidFill>
+              </a:rPr>
               <a:t>;</a:t>
             </a:r>
             <a:br>
@@ -12482,34 +12181,9 @@
               </a:rPr>
             </a:br>
             <a:r>
-              <a:rPr lang="en-US" i="1" dirty="0" err="1"/>
-              <a:t>glBindVertexArray</a:t>
-            </a:r>
-            <a:r>
-              <a:rPr lang="en-US" dirty="0"/>
-              <a:t>(</a:t>
-            </a:r>
-            <a:r>
-              <a:rPr lang="en-US" dirty="0" err="1">
-                <a:solidFill>
-                  <a:srgbClr val="9876AA"/>
-                </a:solidFill>
-              </a:rPr>
-              <a:t>glVaoName</a:t>
-            </a:r>
-            <a:r>
-              <a:rPr lang="en-US" dirty="0"/>
-              <a:t>)</a:t>
-            </a:r>
-            <a:r>
-              <a:rPr lang="en-US" dirty="0">
-                <a:solidFill>
-                  <a:srgbClr val="CC7832"/>
-                </a:solidFill>
-              </a:rPr>
-              <a:t>;</a:t>
-            </a:r>
-            <a:endParaRPr lang="en-US" dirty="0"/>
+              <a:rPr lang="en-US" dirty="0"/>
+              <a:t>}</a:t>
+            </a:r>
           </a:p>
         </p:txBody>
       </p:sp>
@@ -12518,7 +12192,7 @@
           <p:cNvPr id="4" name="Title 3">
             <a:extLst>
               <a:ext uri="{FF2B5EF4-FFF2-40B4-BE49-F238E27FC236}">
-                <a16:creationId xmlns:a16="http://schemas.microsoft.com/office/drawing/2014/main" id="{4F588776-0F63-A34F-B0A7-886B4A0A8184}"/>
+                <a16:creationId xmlns:a16="http://schemas.microsoft.com/office/drawing/2014/main" id="{25E25049-67FA-034D-9516-9F9940268564}"/>
               </a:ext>
             </a:extLst>
           </p:cNvPr>
@@ -12536,7 +12210,7 @@
           <a:p>
             <a:r>
               <a:rPr lang="en-US" dirty="0"/>
-              <a:t>Creating a VAO</a:t>
+              <a:t>Buffering Data to a VBO</a:t>
             </a:r>
           </a:p>
         </p:txBody>
@@ -12544,7 +12218,7 @@
     </p:spTree>
     <p:extLst>
       <p:ext uri="{BB962C8B-B14F-4D97-AF65-F5344CB8AC3E}">
-        <p14:creationId xmlns:p14="http://schemas.microsoft.com/office/powerpoint/2010/main" val="1880889745"/>
+        <p14:creationId xmlns:p14="http://schemas.microsoft.com/office/powerpoint/2010/main" val="3225653984"/>
       </p:ext>
     </p:extLst>
   </p:cSld>
@@ -12576,7 +12250,7 @@
           <p:cNvPr id="2" name="Slide Number Placeholder 1">
             <a:extLst>
               <a:ext uri="{FF2B5EF4-FFF2-40B4-BE49-F238E27FC236}">
-                <a16:creationId xmlns:a16="http://schemas.microsoft.com/office/drawing/2014/main" id="{3902F23F-A431-0345-B945-0C0692CA7491}"/>
+                <a16:creationId xmlns:a16="http://schemas.microsoft.com/office/drawing/2014/main" id="{AC7863F0-11A1-8443-AFC4-3D9729DD47A4}"/>
               </a:ext>
             </a:extLst>
           </p:cNvPr>
@@ -12606,7 +12280,7 @@
           <p:cNvPr id="3" name="Content Placeholder 2">
             <a:extLst>
               <a:ext uri="{FF2B5EF4-FFF2-40B4-BE49-F238E27FC236}">
-                <a16:creationId xmlns:a16="http://schemas.microsoft.com/office/drawing/2014/main" id="{64B35CFD-0F6F-494F-A532-15B590843BD8}"/>
+                <a16:creationId xmlns:a16="http://schemas.microsoft.com/office/drawing/2014/main" id="{A5CFA3C7-D8F8-FC40-BA3F-CFBC657334F7}"/>
               </a:ext>
             </a:extLst>
           </p:cNvPr>
@@ -12623,35 +12297,67 @@
           <a:lstStyle/>
           <a:p>
             <a:r>
-              <a:rPr lang="en-US" dirty="0">
-                <a:solidFill>
-                  <a:srgbClr val="808080"/>
-                </a:solidFill>
-              </a:rPr>
-              <a:t>// Bind the previously created VBO</a:t>
+              <a:rPr lang="en-US" dirty="0" err="1">
+                <a:solidFill>
+                  <a:srgbClr val="9876AA"/>
+                </a:solidFill>
+              </a:rPr>
+              <a:t>glVaoName</a:t>
+            </a:r>
+            <a:r>
+              <a:rPr lang="en-US" dirty="0">
+                <a:solidFill>
+                  <a:srgbClr val="9876AA"/>
+                </a:solidFill>
+              </a:rPr>
+              <a:t> </a:t>
+            </a:r>
+            <a:r>
+              <a:rPr lang="en-US" dirty="0"/>
+              <a:t>= </a:t>
+            </a:r>
+            <a:r>
+              <a:rPr lang="en-US" i="1" dirty="0" err="1"/>
+              <a:t>glGenVertexArrays</a:t>
+            </a:r>
+            <a:r>
+              <a:rPr lang="en-US" dirty="0"/>
+              <a:t>()</a:t>
+            </a:r>
+            <a:r>
+              <a:rPr lang="en-US" dirty="0">
+                <a:solidFill>
+                  <a:srgbClr val="CC7832"/>
+                </a:solidFill>
+              </a:rPr>
+              <a:t>;</a:t>
             </a:r>
             <a:br>
               <a:rPr lang="en-US" dirty="0">
                 <a:solidFill>
-                  <a:srgbClr val="808080"/>
+                  <a:srgbClr val="CC7832"/>
                 </a:solidFill>
               </a:rPr>
             </a:br>
             <a:r>
               <a:rPr lang="en-US" i="1" dirty="0" err="1"/>
-              <a:t>glBindBuffer</a:t>
+              <a:t>glBindVertexArray</a:t>
             </a:r>
             <a:r>
               <a:rPr lang="en-US" dirty="0"/>
               <a:t>(</a:t>
             </a:r>
             <a:r>
-              <a:rPr lang="en-US" i="1" dirty="0">
+              <a:rPr lang="en-US" dirty="0" err="1">
                 <a:solidFill>
                   <a:srgbClr val="9876AA"/>
                 </a:solidFill>
               </a:rPr>
-              <a:t>GL_ARRAY_BUFFER</a:t>
+              <a:t>glVaoName</a:t>
+            </a:r>
+            <a:r>
+              <a:rPr lang="en-US" dirty="0"/>
+              <a:t>)</a:t>
             </a:r>
             <a:r>
               <a:rPr lang="en-US" dirty="0">
@@ -12659,221 +12365,8 @@
                   <a:srgbClr val="CC7832"/>
                 </a:solidFill>
               </a:rPr>
-              <a:t>, </a:t>
-            </a:r>
-            <a:r>
-              <a:rPr lang="en-US" dirty="0" err="1">
-                <a:solidFill>
-                  <a:srgbClr val="9876AA"/>
-                </a:solidFill>
-              </a:rPr>
-              <a:t>glVboName</a:t>
-            </a:r>
-            <a:r>
-              <a:rPr lang="en-US" dirty="0"/>
-              <a:t>)</a:t>
-            </a:r>
-            <a:r>
-              <a:rPr lang="en-US" dirty="0">
-                <a:solidFill>
-                  <a:srgbClr val="CC7832"/>
-                </a:solidFill>
-              </a:rPr>
-              <a:t>; </a:t>
-            </a:r>
-            <a:br>
-              <a:rPr lang="en-US" dirty="0">
-                <a:solidFill>
-                  <a:srgbClr val="CC7832"/>
-                </a:solidFill>
-              </a:rPr>
-            </a:br>
-            <a:br>
-              <a:rPr lang="en-US" dirty="0">
-                <a:solidFill>
-                  <a:srgbClr val="CC7832"/>
-                </a:solidFill>
-              </a:rPr>
-            </a:br>
-            <a:r>
-              <a:rPr lang="en-US" dirty="0">
-                <a:solidFill>
-                  <a:srgbClr val="808080"/>
-                </a:solidFill>
-              </a:rPr>
-              <a:t>// Have the first VAO index point to the bound VBO</a:t>
-            </a:r>
-            <a:br>
-              <a:rPr lang="en-US" dirty="0">
-                <a:solidFill>
-                  <a:srgbClr val="808080"/>
-                </a:solidFill>
-              </a:rPr>
-            </a:br>
-            <a:r>
-              <a:rPr lang="en-US" dirty="0">
-                <a:solidFill>
-                  <a:srgbClr val="808080"/>
-                </a:solidFill>
-              </a:rPr>
-              <a:t>// Arguments: VAO index, size of VBO, data type</a:t>
-            </a:r>
-            <a:br>
-              <a:rPr lang="en-US" dirty="0">
-                <a:solidFill>
-                  <a:srgbClr val="CC7832"/>
-                </a:solidFill>
-              </a:rPr>
-            </a:br>
-            <a:r>
-              <a:rPr lang="en-US" i="1" dirty="0" err="1"/>
-              <a:t>glVertexAttribPointer</a:t>
-            </a:r>
-            <a:r>
-              <a:rPr lang="en-US" dirty="0"/>
-              <a:t>(</a:t>
-            </a:r>
-            <a:r>
-              <a:rPr lang="en-US" dirty="0">
-                <a:solidFill>
-                  <a:srgbClr val="6897BB"/>
-                </a:solidFill>
-              </a:rPr>
-              <a:t>0</a:t>
-            </a:r>
-            <a:r>
-              <a:rPr lang="en-US" dirty="0">
-                <a:solidFill>
-                  <a:srgbClr val="CC7832"/>
-                </a:solidFill>
-              </a:rPr>
-              <a:t>, </a:t>
-            </a:r>
-            <a:r>
-              <a:rPr lang="en-US" dirty="0">
-                <a:solidFill>
-                  <a:srgbClr val="6897BB"/>
-                </a:solidFill>
-              </a:rPr>
-              <a:t>3</a:t>
-            </a:r>
-            <a:r>
-              <a:rPr lang="en-US" dirty="0">
-                <a:solidFill>
-                  <a:srgbClr val="CC7832"/>
-                </a:solidFill>
-              </a:rPr>
-              <a:t>, </a:t>
-            </a:r>
-            <a:r>
-              <a:rPr lang="en-US" i="1" dirty="0">
-                <a:solidFill>
-                  <a:srgbClr val="9876AA"/>
-                </a:solidFill>
-              </a:rPr>
-              <a:t>GL_FLOAT</a:t>
-            </a:r>
-            <a:r>
-              <a:rPr lang="en-US" dirty="0">
-                <a:solidFill>
-                  <a:srgbClr val="CC7832"/>
-                </a:solidFill>
-              </a:rPr>
-              <a:t>, false, </a:t>
-            </a:r>
-            <a:r>
-              <a:rPr lang="en-US" dirty="0">
-                <a:solidFill>
-                  <a:srgbClr val="6897BB"/>
-                </a:solidFill>
-              </a:rPr>
-              <a:t>0</a:t>
-            </a:r>
-            <a:r>
-              <a:rPr lang="en-US" dirty="0">
-                <a:solidFill>
-                  <a:srgbClr val="CC7832"/>
-                </a:solidFill>
-              </a:rPr>
-              <a:t>, </a:t>
-            </a:r>
-            <a:r>
-              <a:rPr lang="en-US" dirty="0">
-                <a:solidFill>
-                  <a:srgbClr val="6897BB"/>
-                </a:solidFill>
-              </a:rPr>
-              <a:t>0</a:t>
-            </a:r>
-            <a:r>
-              <a:rPr lang="en-US" dirty="0"/>
-              <a:t>)</a:t>
-            </a:r>
-            <a:r>
-              <a:rPr lang="en-US" dirty="0">
-                <a:solidFill>
-                  <a:srgbClr val="CC7832"/>
-                </a:solidFill>
-              </a:rPr>
               <a:t>;</a:t>
             </a:r>
-            <a:br>
-              <a:rPr lang="en-US" dirty="0">
-                <a:solidFill>
-                  <a:srgbClr val="CC7832"/>
-                </a:solidFill>
-              </a:rPr>
-            </a:br>
-            <a:br>
-              <a:rPr lang="en-US" dirty="0">
-                <a:solidFill>
-                  <a:srgbClr val="CC7832"/>
-                </a:solidFill>
-              </a:rPr>
-            </a:br>
-            <a:r>
-              <a:rPr lang="en-US" dirty="0">
-                <a:solidFill>
-                  <a:srgbClr val="808080"/>
-                </a:solidFill>
-              </a:rPr>
-              <a:t>// Enable the zeroth VAO index</a:t>
-            </a:r>
-            <a:br>
-              <a:rPr lang="en-US" dirty="0">
-                <a:solidFill>
-                  <a:srgbClr val="808080"/>
-                </a:solidFill>
-              </a:rPr>
-            </a:br>
-            <a:r>
-              <a:rPr lang="en-US" i="1" dirty="0" err="1"/>
-              <a:t>glEnableVertexAttribArray</a:t>
-            </a:r>
-            <a:r>
-              <a:rPr lang="en-US" dirty="0"/>
-              <a:t>(</a:t>
-            </a:r>
-            <a:r>
-              <a:rPr lang="en-US" dirty="0">
-                <a:solidFill>
-                  <a:srgbClr val="6897BB"/>
-                </a:solidFill>
-              </a:rPr>
-              <a:t>0</a:t>
-            </a:r>
-            <a:r>
-              <a:rPr lang="en-US" dirty="0"/>
-              <a:t>)</a:t>
-            </a:r>
-            <a:r>
-              <a:rPr lang="en-US" dirty="0">
-                <a:solidFill>
-                  <a:srgbClr val="CC7832"/>
-                </a:solidFill>
-              </a:rPr>
-              <a:t>;</a:t>
-            </a:r>
             <a:endParaRPr lang="en-US" dirty="0"/>
           </a:p>
         </p:txBody>
@@ -12883,7 +12376,7 @@
           <p:cNvPr id="4" name="Title 3">
             <a:extLst>
               <a:ext uri="{FF2B5EF4-FFF2-40B4-BE49-F238E27FC236}">
-                <a16:creationId xmlns:a16="http://schemas.microsoft.com/office/drawing/2014/main" id="{1FD0EDE7-F165-FE40-B8AF-23C8AAA3A2AC}"/>
+                <a16:creationId xmlns:a16="http://schemas.microsoft.com/office/drawing/2014/main" id="{4F588776-0F63-A34F-B0A7-886B4A0A8184}"/>
               </a:ext>
             </a:extLst>
           </p:cNvPr>
@@ -12901,7 +12394,7 @@
           <a:p>
             <a:r>
               <a:rPr lang="en-US" dirty="0"/>
-              <a:t>Binding a VBO to a VAO</a:t>
+              <a:t>Creating a VAO</a:t>
             </a:r>
           </a:p>
         </p:txBody>
@@ -12909,7 +12402,7 @@
     </p:spTree>
     <p:extLst>
       <p:ext uri="{BB962C8B-B14F-4D97-AF65-F5344CB8AC3E}">
-        <p14:creationId xmlns:p14="http://schemas.microsoft.com/office/powerpoint/2010/main" val="3816170082"/>
+        <p14:creationId xmlns:p14="http://schemas.microsoft.com/office/powerpoint/2010/main" val="1880889745"/>
       </p:ext>
     </p:extLst>
   </p:cSld>
@@ -12941,7 +12434,7 @@
           <p:cNvPr id="2" name="Slide Number Placeholder 1">
             <a:extLst>
               <a:ext uri="{FF2B5EF4-FFF2-40B4-BE49-F238E27FC236}">
-                <a16:creationId xmlns:a16="http://schemas.microsoft.com/office/drawing/2014/main" id="{E8A0208C-04DF-F44D-8D89-055CCA1B3D64}"/>
+                <a16:creationId xmlns:a16="http://schemas.microsoft.com/office/drawing/2014/main" id="{3902F23F-A431-0345-B945-0C0692CA7491}"/>
               </a:ext>
             </a:extLst>
           </p:cNvPr>
@@ -12971,7 +12464,7 @@
           <p:cNvPr id="3" name="Content Placeholder 2">
             <a:extLst>
               <a:ext uri="{FF2B5EF4-FFF2-40B4-BE49-F238E27FC236}">
-                <a16:creationId xmlns:a16="http://schemas.microsoft.com/office/drawing/2014/main" id="{31B521A2-6CB1-A04D-82DF-6F8FC1814E3B}"/>
+                <a16:creationId xmlns:a16="http://schemas.microsoft.com/office/drawing/2014/main" id="{64B35CFD-0F6F-494F-A532-15B590843BD8}"/>
               </a:ext>
             </a:extLst>
           </p:cNvPr>
@@ -12988,8 +12481,23 @@
           <a:lstStyle/>
           <a:p>
             <a:r>
+              <a:rPr lang="en-US" dirty="0">
+                <a:solidFill>
+                  <a:srgbClr val="808080"/>
+                </a:solidFill>
+              </a:rPr>
+              <a:t>// Bind the previously created VBO</a:t>
+            </a:r>
+            <a:br>
+              <a:rPr lang="en-US" dirty="0">
+                <a:solidFill>
+                  <a:srgbClr val="808080"/>
+                </a:solidFill>
+              </a:rPr>
+            </a:br>
+            <a:r>
               <a:rPr lang="en-US" i="1" dirty="0" err="1"/>
-              <a:t>glDrawArrays</a:t>
+              <a:t>glBindBuffer</a:t>
             </a:r>
             <a:r>
               <a:rPr lang="en-US" dirty="0"/>
@@ -13001,7 +12509,7 @@
                   <a:srgbClr val="9876AA"/>
                 </a:solidFill>
               </a:rPr>
-              <a:t>GL_TRIANGLES</a:t>
+              <a:t>GL_ARRAY_BUFFER</a:t>
             </a:r>
             <a:r>
               <a:rPr lang="en-US" dirty="0">
@@ -13012,6 +12520,78 @@
               <a:t>, </a:t>
             </a:r>
             <a:r>
+              <a:rPr lang="en-US" dirty="0" err="1">
+                <a:solidFill>
+                  <a:srgbClr val="9876AA"/>
+                </a:solidFill>
+              </a:rPr>
+              <a:t>glVboName</a:t>
+            </a:r>
+            <a:r>
+              <a:rPr lang="en-US" dirty="0"/>
+              <a:t>)</a:t>
+            </a:r>
+            <a:r>
+              <a:rPr lang="en-US" dirty="0">
+                <a:solidFill>
+                  <a:srgbClr val="CC7832"/>
+                </a:solidFill>
+              </a:rPr>
+              <a:t>; </a:t>
+            </a:r>
+            <a:br>
+              <a:rPr lang="en-US" dirty="0">
+                <a:solidFill>
+                  <a:srgbClr val="CC7832"/>
+                </a:solidFill>
+              </a:rPr>
+            </a:br>
+            <a:br>
+              <a:rPr lang="en-US" dirty="0">
+                <a:solidFill>
+                  <a:srgbClr val="CC7832"/>
+                </a:solidFill>
+              </a:rPr>
+            </a:br>
+            <a:r>
+              <a:rPr lang="en-US" dirty="0">
+                <a:solidFill>
+                  <a:srgbClr val="808080"/>
+                </a:solidFill>
+              </a:rPr>
+              <a:t>// Have the first VAO index point to the bound VBO</a:t>
+            </a:r>
+            <a:br>
+              <a:rPr lang="en-US" dirty="0">
+                <a:solidFill>
+                  <a:srgbClr val="808080"/>
+                </a:solidFill>
+              </a:rPr>
+            </a:br>
+            <a:r>
+              <a:rPr lang="en-US" dirty="0">
+                <a:solidFill>
+                  <a:srgbClr val="808080"/>
+                </a:solidFill>
+              </a:rPr>
+              <a:t>// Arguments: VAO index, size of VBO, data type</a:t>
+            </a:r>
+            <a:br>
+              <a:rPr lang="en-US" dirty="0">
+                <a:solidFill>
+                  <a:srgbClr val="CC7832"/>
+                </a:solidFill>
+              </a:rPr>
+            </a:br>
+            <a:r>
+              <a:rPr lang="en-US" i="1" dirty="0" err="1"/>
+              <a:t>glVertexAttribPointer</a:t>
+            </a:r>
+            <a:r>
+              <a:rPr lang="en-US" dirty="0"/>
+              <a:t>(</a:t>
+            </a:r>
+            <a:r>
               <a:rPr lang="en-US" dirty="0">
                 <a:solidFill>
                   <a:srgbClr val="6897BB"/>
@@ -13036,6 +12616,54 @@
               <a:t>3</a:t>
             </a:r>
             <a:r>
+              <a:rPr lang="en-US" dirty="0">
+                <a:solidFill>
+                  <a:srgbClr val="CC7832"/>
+                </a:solidFill>
+              </a:rPr>
+              <a:t>, </a:t>
+            </a:r>
+            <a:r>
+              <a:rPr lang="en-US" i="1" dirty="0">
+                <a:solidFill>
+                  <a:srgbClr val="9876AA"/>
+                </a:solidFill>
+              </a:rPr>
+              <a:t>GL_FLOAT</a:t>
+            </a:r>
+            <a:r>
+              <a:rPr lang="en-US" dirty="0">
+                <a:solidFill>
+                  <a:srgbClr val="CC7832"/>
+                </a:solidFill>
+              </a:rPr>
+              <a:t>, false, </a:t>
+            </a:r>
+            <a:r>
+              <a:rPr lang="en-US" dirty="0">
+                <a:solidFill>
+                  <a:srgbClr val="6897BB"/>
+                </a:solidFill>
+              </a:rPr>
+              <a:t>0</a:t>
+            </a:r>
+            <a:r>
+              <a:rPr lang="en-US" dirty="0">
+                <a:solidFill>
+                  <a:srgbClr val="CC7832"/>
+                </a:solidFill>
+              </a:rPr>
+              <a:t>, </a:t>
+            </a:r>
+            <a:r>
+              <a:rPr lang="en-US" dirty="0">
+                <a:solidFill>
+                  <a:srgbClr val="6897BB"/>
+                </a:solidFill>
+              </a:rPr>
+              <a:t>0</a:t>
+            </a:r>
+            <a:r>
               <a:rPr lang="en-US" dirty="0"/>
               <a:t>)</a:t>
             </a:r>
@@ -13047,6 +12675,63 @@
               </a:rPr>
               <a:t>;</a:t>
             </a:r>
+            <a:br>
+              <a:rPr lang="en-US" dirty="0">
+                <a:solidFill>
+                  <a:srgbClr val="CC7832"/>
+                </a:solidFill>
+              </a:rPr>
+            </a:br>
+            <a:br>
+              <a:rPr lang="en-US" dirty="0">
+                <a:solidFill>
+                  <a:srgbClr val="CC7832"/>
+                </a:solidFill>
+              </a:rPr>
+            </a:br>
+            <a:r>
+              <a:rPr lang="en-US" dirty="0">
+                <a:solidFill>
+                  <a:srgbClr val="808080"/>
+                </a:solidFill>
+              </a:rPr>
+              <a:t>// Enable the zeroth VAO index</a:t>
+            </a:r>
+            <a:br>
+              <a:rPr lang="en-US" dirty="0">
+                <a:solidFill>
+                  <a:srgbClr val="808080"/>
+                </a:solidFill>
+              </a:rPr>
+            </a:br>
+            <a:r>
+              <a:rPr lang="en-US" i="1" dirty="0" err="1"/>
+              <a:t>glEnableVertexAttribArray</a:t>
+            </a:r>
+            <a:r>
+              <a:rPr lang="en-US" dirty="0"/>
+              <a:t>(</a:t>
+            </a:r>
+            <a:r>
+              <a:rPr lang="en-US" dirty="0">
+                <a:solidFill>
+                  <a:srgbClr val="6897BB"/>
+                </a:solidFill>
+              </a:rPr>
+              <a:t>0</a:t>
+            </a:r>
+            <a:r>
+              <a:rPr lang="en-US" dirty="0"/>
+              <a:t>)</a:t>
+            </a:r>
+            <a:r>
+              <a:rPr lang="en-US" dirty="0">
+                <a:solidFill>
+                  <a:srgbClr val="CC7832"/>
+                </a:solidFill>
+              </a:rPr>
+              <a:t>;</a:t>
+            </a:r>
             <a:endParaRPr lang="en-US" dirty="0"/>
           </a:p>
         </p:txBody>
@@ -13056,7 +12741,7 @@
           <p:cNvPr id="4" name="Title 3">
             <a:extLst>
               <a:ext uri="{FF2B5EF4-FFF2-40B4-BE49-F238E27FC236}">
-                <a16:creationId xmlns:a16="http://schemas.microsoft.com/office/drawing/2014/main" id="{41E4750E-C6E8-F14E-B68F-81034BDAD36B}"/>
+                <a16:creationId xmlns:a16="http://schemas.microsoft.com/office/drawing/2014/main" id="{1FD0EDE7-F165-FE40-B8AF-23C8AAA3A2AC}"/>
               </a:ext>
             </a:extLst>
           </p:cNvPr>
@@ -13074,7 +12759,7 @@
           <a:p>
             <a:r>
               <a:rPr lang="en-US" dirty="0"/>
-              <a:t>Drawing a VAO</a:t>
+              <a:t>Binding a VBO to a VAO</a:t>
             </a:r>
           </a:p>
         </p:txBody>
@@ -13082,7 +12767,7 @@
     </p:spTree>
     <p:extLst>
       <p:ext uri="{BB962C8B-B14F-4D97-AF65-F5344CB8AC3E}">
-        <p14:creationId xmlns:p14="http://schemas.microsoft.com/office/powerpoint/2010/main" val="1964602623"/>
+        <p14:creationId xmlns:p14="http://schemas.microsoft.com/office/powerpoint/2010/main" val="3816170082"/>
       </p:ext>
     </p:extLst>
   </p:cSld>
@@ -13111,67 +12796,10 @@
       </p:grpSpPr>
       <p:sp>
         <p:nvSpPr>
-          <p:cNvPr id="5" name="Title 4">
-            <a:extLst>
-              <a:ext uri="{FF2B5EF4-FFF2-40B4-BE49-F238E27FC236}">
-                <a16:creationId xmlns:a16="http://schemas.microsoft.com/office/drawing/2014/main" id="{FB5E6C9B-3ECA-D94E-9B52-48BD75CABFC8}"/>
-              </a:ext>
-            </a:extLst>
-          </p:cNvPr>
-          <p:cNvSpPr>
-            <a:spLocks noGrp="1"/>
-          </p:cNvSpPr>
-          <p:nvPr>
-            <p:ph type="title"/>
-          </p:nvPr>
-        </p:nvSpPr>
-        <p:spPr/>
-        <p:txBody>
-          <a:bodyPr/>
-          <a:lstStyle/>
-          <a:p>
-            <a:r>
-              <a:rPr lang="en-US" dirty="0"/>
-              <a:t>The Rendering Pipeline</a:t>
-            </a:r>
-          </a:p>
-        </p:txBody>
-      </p:sp>
-      <p:pic>
-        <p:nvPicPr>
-          <p:cNvPr id="8" name="Content Placeholder 7">
-            <a:extLst>
-              <a:ext uri="{FF2B5EF4-FFF2-40B4-BE49-F238E27FC236}">
-                <a16:creationId xmlns:a16="http://schemas.microsoft.com/office/drawing/2014/main" id="{6A5A7F3B-CF0A-8A49-AEEE-66DF51979C6F}"/>
-              </a:ext>
-            </a:extLst>
-          </p:cNvPr>
-          <p:cNvPicPr>
-            <a:picLocks noGrp="1" noChangeAspect="1"/>
-          </p:cNvPicPr>
-          <p:nvPr>
-            <p:ph idx="1"/>
-          </p:nvPr>
-        </p:nvPicPr>
-        <p:blipFill>
-          <a:blip r:embed="rId3"/>
-          <a:stretch>
-            <a:fillRect/>
-          </a:stretch>
-        </p:blipFill>
-        <p:spPr>
-          <a:xfrm>
-            <a:off x="4194026" y="1825625"/>
-            <a:ext cx="3803948" cy="4113213"/>
-          </a:xfrm>
-        </p:spPr>
-      </p:pic>
-      <p:sp>
-        <p:nvSpPr>
           <p:cNvPr id="2" name="Slide Number Placeholder 1">
             <a:extLst>
               <a:ext uri="{FF2B5EF4-FFF2-40B4-BE49-F238E27FC236}">
-                <a16:creationId xmlns:a16="http://schemas.microsoft.com/office/drawing/2014/main" id="{E51360C1-6DC7-6E48-B7E7-D80BA7B0A355}"/>
+                <a16:creationId xmlns:a16="http://schemas.microsoft.com/office/drawing/2014/main" id="{E8A0208C-04DF-F44D-8D89-055CCA1B3D64}"/>
               </a:ext>
             </a:extLst>
           </p:cNvPr>
@@ -13198,30 +12826,113 @@
       </p:sp>
       <p:sp>
         <p:nvSpPr>
-          <p:cNvPr id="13" name="Text Placeholder 12">
-            <a:extLst>
-              <a:ext uri="{FF2B5EF4-FFF2-40B4-BE49-F238E27FC236}">
-                <a16:creationId xmlns:a16="http://schemas.microsoft.com/office/drawing/2014/main" id="{F3A1923B-9E7C-6C42-93AC-A64CB28E95BA}"/>
-              </a:ext>
-            </a:extLst>
-          </p:cNvPr>
-          <p:cNvSpPr>
-            <a:spLocks noGrp="1"/>
-          </p:cNvSpPr>
-          <p:nvPr>
-            <p:ph type="body" sz="quarter" idx="13"/>
-          </p:nvPr>
-        </p:nvSpPr>
-        <p:spPr/>
-        <p:txBody>
-          <a:bodyPr>
-            <a:normAutofit fontScale="92500" lnSpcReduction="20000"/>
-          </a:bodyPr>
-          <a:lstStyle/>
-          <a:p>
-            <a:r>
-              <a:rPr lang="en-US" dirty="0"/>
-              <a:t>[11]</a:t>
+          <p:cNvPr id="3" name="Content Placeholder 2">
+            <a:extLst>
+              <a:ext uri="{FF2B5EF4-FFF2-40B4-BE49-F238E27FC236}">
+                <a16:creationId xmlns:a16="http://schemas.microsoft.com/office/drawing/2014/main" id="{31B521A2-6CB1-A04D-82DF-6F8FC1814E3B}"/>
+              </a:ext>
+            </a:extLst>
+          </p:cNvPr>
+          <p:cNvSpPr>
+            <a:spLocks noGrp="1"/>
+          </p:cNvSpPr>
+          <p:nvPr>
+            <p:ph sz="quarter" idx="13"/>
+          </p:nvPr>
+        </p:nvSpPr>
+        <p:spPr/>
+        <p:txBody>
+          <a:bodyPr/>
+          <a:lstStyle/>
+          <a:p>
+            <a:r>
+              <a:rPr lang="en-US" i="1" dirty="0" err="1"/>
+              <a:t>glDrawArrays</a:t>
+            </a:r>
+            <a:r>
+              <a:rPr lang="en-US" dirty="0"/>
+              <a:t>(</a:t>
+            </a:r>
+            <a:r>
+              <a:rPr lang="en-US" i="1" dirty="0">
+                <a:solidFill>
+                  <a:srgbClr val="9876AA"/>
+                </a:solidFill>
+              </a:rPr>
+              <a:t>GL_TRIANGLES</a:t>
+            </a:r>
+            <a:r>
+              <a:rPr lang="en-US" dirty="0">
+                <a:solidFill>
+                  <a:srgbClr val="CC7832"/>
+                </a:solidFill>
+              </a:rPr>
+              <a:t>, </a:t>
+            </a:r>
+            <a:r>
+              <a:rPr lang="en-US" dirty="0">
+                <a:solidFill>
+                  <a:srgbClr val="6897BB"/>
+                </a:solidFill>
+              </a:rPr>
+              <a:t>0</a:t>
+            </a:r>
+            <a:r>
+              <a:rPr lang="en-US" dirty="0">
+                <a:solidFill>
+                  <a:srgbClr val="CC7832"/>
+                </a:solidFill>
+              </a:rPr>
+              <a:t>, </a:t>
+            </a:r>
+            <a:r>
+              <a:rPr lang="en-US" dirty="0">
+                <a:solidFill>
+                  <a:srgbClr val="6897BB"/>
+                </a:solidFill>
+              </a:rPr>
+              <a:t>3</a:t>
+            </a:r>
+            <a:r>
+              <a:rPr lang="en-US" dirty="0"/>
+              <a:t>)</a:t>
+            </a:r>
+            <a:r>
+              <a:rPr lang="en-US" dirty="0">
+                <a:solidFill>
+                  <a:srgbClr val="CC7832"/>
+                </a:solidFill>
+              </a:rPr>
+              <a:t>;</a:t>
+            </a:r>
+            <a:endParaRPr lang="en-US" dirty="0"/>
+          </a:p>
+        </p:txBody>
+      </p:sp>
+      <p:sp>
+        <p:nvSpPr>
+          <p:cNvPr id="4" name="Title 3">
+            <a:extLst>
+              <a:ext uri="{FF2B5EF4-FFF2-40B4-BE49-F238E27FC236}">
+                <a16:creationId xmlns:a16="http://schemas.microsoft.com/office/drawing/2014/main" id="{41E4750E-C6E8-F14E-B68F-81034BDAD36B}"/>
+              </a:ext>
+            </a:extLst>
+          </p:cNvPr>
+          <p:cNvSpPr>
+            <a:spLocks noGrp="1"/>
+          </p:cNvSpPr>
+          <p:nvPr>
+            <p:ph type="title"/>
+          </p:nvPr>
+        </p:nvSpPr>
+        <p:spPr/>
+        <p:txBody>
+          <a:bodyPr/>
+          <a:lstStyle/>
+          <a:p>
+            <a:r>
+              <a:rPr lang="en-US" dirty="0"/>
+              <a:t>Drawing a VAO</a:t>
             </a:r>
           </a:p>
         </p:txBody>
@@ -13229,7 +12940,7 @@
     </p:spTree>
     <p:extLst>
       <p:ext uri="{BB962C8B-B14F-4D97-AF65-F5344CB8AC3E}">
-        <p14:creationId xmlns:p14="http://schemas.microsoft.com/office/powerpoint/2010/main" val="956960795"/>
+        <p14:creationId xmlns:p14="http://schemas.microsoft.com/office/powerpoint/2010/main" val="1964602623"/>
       </p:ext>
     </p:extLst>
   </p:cSld>
@@ -13258,10 +12969,10 @@
       </p:grpSpPr>
       <p:sp>
         <p:nvSpPr>
-          <p:cNvPr id="2" name="Title 1">
-            <a:extLst>
-              <a:ext uri="{FF2B5EF4-FFF2-40B4-BE49-F238E27FC236}">
-                <a16:creationId xmlns:a16="http://schemas.microsoft.com/office/drawing/2014/main" id="{F5591DCB-3244-A948-A75D-6F7F7A07FFAC}"/>
+          <p:cNvPr id="5" name="Title 4">
+            <a:extLst>
+              <a:ext uri="{FF2B5EF4-FFF2-40B4-BE49-F238E27FC236}">
+                <a16:creationId xmlns:a16="http://schemas.microsoft.com/office/drawing/2014/main" id="{FB5E6C9B-3ECA-D94E-9B52-48BD75CABFC8}"/>
               </a:ext>
             </a:extLst>
           </p:cNvPr>
@@ -13279,77 +12990,46 @@
           <a:p>
             <a:r>
               <a:rPr lang="en-US" dirty="0"/>
-              <a:t>Shaders</a:t>
-            </a:r>
-          </a:p>
-        </p:txBody>
-      </p:sp>
-      <p:sp>
-        <p:nvSpPr>
-          <p:cNvPr id="3" name="Content Placeholder 2">
-            <a:extLst>
-              <a:ext uri="{FF2B5EF4-FFF2-40B4-BE49-F238E27FC236}">
-                <a16:creationId xmlns:a16="http://schemas.microsoft.com/office/drawing/2014/main" id="{0A0B3649-86A2-944A-80DA-585F972B1C83}"/>
-              </a:ext>
-            </a:extLst>
-          </p:cNvPr>
-          <p:cNvSpPr>
-            <a:spLocks noGrp="1"/>
-          </p:cNvSpPr>
+              <a:t>The Rendering Pipeline</a:t>
+            </a:r>
+          </a:p>
+        </p:txBody>
+      </p:sp>
+      <p:pic>
+        <p:nvPicPr>
+          <p:cNvPr id="8" name="Content Placeholder 7">
+            <a:extLst>
+              <a:ext uri="{FF2B5EF4-FFF2-40B4-BE49-F238E27FC236}">
+                <a16:creationId xmlns:a16="http://schemas.microsoft.com/office/drawing/2014/main" id="{6A5A7F3B-CF0A-8A49-AEEE-66DF51979C6F}"/>
+              </a:ext>
+            </a:extLst>
+          </p:cNvPr>
+          <p:cNvPicPr>
+            <a:picLocks noGrp="1" noChangeAspect="1"/>
+          </p:cNvPicPr>
           <p:nvPr>
             <p:ph idx="1"/>
           </p:nvPr>
-        </p:nvSpPr>
-        <p:spPr/>
-        <p:txBody>
-          <a:bodyPr/>
-          <a:lstStyle/>
-          <a:p>
-            <a:r>
-              <a:rPr lang="en-US" dirty="0"/>
-              <a:t>Programs that run on the GPU</a:t>
-            </a:r>
-          </a:p>
-          <a:p>
-            <a:r>
-              <a:rPr lang="en-US" dirty="0"/>
-              <a:t>Executed during the rendering pipeline</a:t>
-            </a:r>
-          </a:p>
-          <a:p>
-            <a:r>
-              <a:rPr lang="en-US" dirty="0"/>
-              <a:t>Allows the user to define how OpenGL handles data</a:t>
-            </a:r>
-          </a:p>
-          <a:p>
-            <a:r>
-              <a:rPr lang="en-US" dirty="0"/>
-              <a:t>Two shaders are required</a:t>
-            </a:r>
-          </a:p>
-          <a:p>
-            <a:pPr lvl="1"/>
-            <a:r>
-              <a:rPr lang="en-US" dirty="0"/>
-              <a:t>Vertex shader</a:t>
-            </a:r>
-          </a:p>
-          <a:p>
-            <a:pPr lvl="1"/>
-            <a:r>
-              <a:rPr lang="en-US" dirty="0"/>
-              <a:t>Fragment shader</a:t>
-            </a:r>
-          </a:p>
-        </p:txBody>
-      </p:sp>
-      <p:sp>
-        <p:nvSpPr>
-          <p:cNvPr id="4" name="Slide Number Placeholder 3">
-            <a:extLst>
-              <a:ext uri="{FF2B5EF4-FFF2-40B4-BE49-F238E27FC236}">
-                <a16:creationId xmlns:a16="http://schemas.microsoft.com/office/drawing/2014/main" id="{48AF2ED9-8878-7C46-805E-C98B3ED04757}"/>
+        </p:nvPicPr>
+        <p:blipFill>
+          <a:blip r:embed="rId3"/>
+          <a:stretch>
+            <a:fillRect/>
+          </a:stretch>
+        </p:blipFill>
+        <p:spPr>
+          <a:xfrm>
+            <a:off x="4194026" y="1825625"/>
+            <a:ext cx="3803948" cy="4113213"/>
+          </a:xfrm>
+        </p:spPr>
+      </p:pic>
+      <p:sp>
+        <p:nvSpPr>
+          <p:cNvPr id="2" name="Slide Number Placeholder 1">
+            <a:extLst>
+              <a:ext uri="{FF2B5EF4-FFF2-40B4-BE49-F238E27FC236}">
+                <a16:creationId xmlns:a16="http://schemas.microsoft.com/office/drawing/2014/main" id="{E51360C1-6DC7-6E48-B7E7-D80BA7B0A355}"/>
               </a:ext>
             </a:extLst>
           </p:cNvPr>
@@ -13367,16 +13047,47 @@
           <a:p>
             <a:fld id="{61842C9D-6878-FD4D-8ED6-99E08E82BFB8}" type="slidenum">
               <a:rPr lang="en-US" smtClean="0"/>
+              <a:pPr/>
               <a:t>38</a:t>
             </a:fld>
-            <a:endParaRPr lang="en-US"/>
+            <a:endParaRPr lang="en-US" dirty="0"/>
+          </a:p>
+        </p:txBody>
+      </p:sp>
+      <p:sp>
+        <p:nvSpPr>
+          <p:cNvPr id="13" name="Text Placeholder 12">
+            <a:extLst>
+              <a:ext uri="{FF2B5EF4-FFF2-40B4-BE49-F238E27FC236}">
+                <a16:creationId xmlns:a16="http://schemas.microsoft.com/office/drawing/2014/main" id="{F3A1923B-9E7C-6C42-93AC-A64CB28E95BA}"/>
+              </a:ext>
+            </a:extLst>
+          </p:cNvPr>
+          <p:cNvSpPr>
+            <a:spLocks noGrp="1"/>
+          </p:cNvSpPr>
+          <p:nvPr>
+            <p:ph type="body" sz="quarter" idx="13"/>
+          </p:nvPr>
+        </p:nvSpPr>
+        <p:spPr/>
+        <p:txBody>
+          <a:bodyPr>
+            <a:normAutofit fontScale="92500" lnSpcReduction="20000"/>
+          </a:bodyPr>
+          <a:lstStyle/>
+          <a:p>
+            <a:r>
+              <a:rPr lang="en-US" dirty="0"/>
+              <a:t>[11]</a:t>
+            </a:r>
           </a:p>
         </p:txBody>
       </p:sp>
     </p:spTree>
     <p:extLst>
       <p:ext uri="{BB962C8B-B14F-4D97-AF65-F5344CB8AC3E}">
-        <p14:creationId xmlns:p14="http://schemas.microsoft.com/office/powerpoint/2010/main" val="152632591"/>
+        <p14:creationId xmlns:p14="http://schemas.microsoft.com/office/powerpoint/2010/main" val="956960795"/>
       </p:ext>
     </p:extLst>
   </p:cSld>
@@ -13405,10 +13116,98 @@
       </p:grpSpPr>
       <p:sp>
         <p:nvSpPr>
-          <p:cNvPr id="2" name="Slide Number Placeholder 1">
-            <a:extLst>
-              <a:ext uri="{FF2B5EF4-FFF2-40B4-BE49-F238E27FC236}">
-                <a16:creationId xmlns:a16="http://schemas.microsoft.com/office/drawing/2014/main" id="{4CDDF686-4EA5-5C40-8C01-DB1934099D09}"/>
+          <p:cNvPr id="2" name="Title 1">
+            <a:extLst>
+              <a:ext uri="{FF2B5EF4-FFF2-40B4-BE49-F238E27FC236}">
+                <a16:creationId xmlns:a16="http://schemas.microsoft.com/office/drawing/2014/main" id="{F5591DCB-3244-A948-A75D-6F7F7A07FFAC}"/>
+              </a:ext>
+            </a:extLst>
+          </p:cNvPr>
+          <p:cNvSpPr>
+            <a:spLocks noGrp="1"/>
+          </p:cNvSpPr>
+          <p:nvPr>
+            <p:ph type="title"/>
+          </p:nvPr>
+        </p:nvSpPr>
+        <p:spPr/>
+        <p:txBody>
+          <a:bodyPr/>
+          <a:lstStyle/>
+          <a:p>
+            <a:r>
+              <a:rPr lang="en-US" dirty="0"/>
+              <a:t>Shaders</a:t>
+            </a:r>
+          </a:p>
+        </p:txBody>
+      </p:sp>
+      <p:sp>
+        <p:nvSpPr>
+          <p:cNvPr id="3" name="Content Placeholder 2">
+            <a:extLst>
+              <a:ext uri="{FF2B5EF4-FFF2-40B4-BE49-F238E27FC236}">
+                <a16:creationId xmlns:a16="http://schemas.microsoft.com/office/drawing/2014/main" id="{0A0B3649-86A2-944A-80DA-585F972B1C83}"/>
+              </a:ext>
+            </a:extLst>
+          </p:cNvPr>
+          <p:cNvSpPr>
+            <a:spLocks noGrp="1"/>
+          </p:cNvSpPr>
+          <p:nvPr>
+            <p:ph idx="1"/>
+          </p:nvPr>
+        </p:nvSpPr>
+        <p:spPr/>
+        <p:txBody>
+          <a:bodyPr/>
+          <a:lstStyle/>
+          <a:p>
+            <a:r>
+              <a:rPr lang="en-US" dirty="0"/>
+              <a:t>Programs that run on the GPU</a:t>
+            </a:r>
+          </a:p>
+          <a:p>
+            <a:r>
+              <a:rPr lang="en-US" dirty="0"/>
+              <a:t>Executed during the rendering pipeline</a:t>
+            </a:r>
+          </a:p>
+          <a:p>
+            <a:r>
+              <a:rPr lang="en-US" dirty="0"/>
+              <a:t>Allows the user to define how OpenGL handles data</a:t>
+            </a:r>
+          </a:p>
+          <a:p>
+            <a:r>
+              <a:rPr lang="en-US" dirty="0"/>
+              <a:t>Two shaders are required</a:t>
+            </a:r>
+          </a:p>
+          <a:p>
+            <a:pPr lvl="1"/>
+            <a:r>
+              <a:rPr lang="en-US" dirty="0"/>
+              <a:t>Vertex shader</a:t>
+            </a:r>
+          </a:p>
+          <a:p>
+            <a:pPr lvl="1"/>
+            <a:r>
+              <a:rPr lang="en-US" dirty="0"/>
+              <a:t>Fragment shader</a:t>
+            </a:r>
+          </a:p>
+        </p:txBody>
+      </p:sp>
+      <p:sp>
+        <p:nvSpPr>
+          <p:cNvPr id="4" name="Slide Number Placeholder 3">
+            <a:extLst>
+              <a:ext uri="{FF2B5EF4-FFF2-40B4-BE49-F238E27FC236}">
+                <a16:creationId xmlns:a16="http://schemas.microsoft.com/office/drawing/2014/main" id="{48AF2ED9-8878-7C46-805E-C98B3ED04757}"/>
               </a:ext>
             </a:extLst>
           </p:cNvPr>
@@ -13426,468 +13225,16 @@
           <a:p>
             <a:fld id="{61842C9D-6878-FD4D-8ED6-99E08E82BFB8}" type="slidenum">
               <a:rPr lang="en-US" smtClean="0"/>
-              <a:pPr/>
               <a:t>39</a:t>
             </a:fld>
-            <a:endParaRPr lang="en-US" dirty="0"/>
-          </a:p>
-        </p:txBody>
-      </p:sp>
-      <p:sp>
-        <p:nvSpPr>
-          <p:cNvPr id="3" name="Content Placeholder 2">
-            <a:extLst>
-              <a:ext uri="{FF2B5EF4-FFF2-40B4-BE49-F238E27FC236}">
-                <a16:creationId xmlns:a16="http://schemas.microsoft.com/office/drawing/2014/main" id="{131FE0F7-F650-FF42-9990-2A5EAD51422D}"/>
-              </a:ext>
-            </a:extLst>
-          </p:cNvPr>
-          <p:cNvSpPr>
-            <a:spLocks noGrp="1"/>
-          </p:cNvSpPr>
-          <p:nvPr>
-            <p:ph sz="quarter" idx="13"/>
-          </p:nvPr>
-        </p:nvSpPr>
-        <p:spPr/>
-        <p:txBody>
-          <a:bodyPr/>
-          <a:lstStyle/>
-          <a:p>
-            <a:r>
-              <a:rPr lang="en-US" dirty="0">
-                <a:solidFill>
-                  <a:srgbClr val="BBB529"/>
-                </a:solidFill>
-              </a:rPr>
-              <a:t>#version</a:t>
-            </a:r>
-            <a:r>
-              <a:rPr lang="en-US" dirty="0"/>
-              <a:t> 330 core</a:t>
-            </a:r>
-            <a:br>
-              <a:rPr lang="en-US" dirty="0"/>
-            </a:br>
-            <a:br>
-              <a:rPr lang="en-US" dirty="0"/>
-            </a:br>
-            <a:r>
-              <a:rPr lang="en-US" dirty="0">
-                <a:solidFill>
-                  <a:srgbClr val="808080"/>
-                </a:solidFill>
-              </a:rPr>
-              <a:t>// A vector of 3 floats at index 0 of the VAO</a:t>
-            </a:r>
-            <a:br>
-              <a:rPr lang="en-US" dirty="0">
-                <a:solidFill>
-                  <a:srgbClr val="808080"/>
-                </a:solidFill>
-              </a:rPr>
-            </a:br>
-            <a:r>
-              <a:rPr lang="en-US" b="1" dirty="0">
-                <a:solidFill>
-                  <a:srgbClr val="0080FF"/>
-                </a:solidFill>
-              </a:rPr>
-              <a:t>layout </a:t>
-            </a:r>
-            <a:r>
-              <a:rPr lang="en-US" dirty="0"/>
-              <a:t>(location = </a:t>
-            </a:r>
-            <a:r>
-              <a:rPr lang="en-US" dirty="0">
-                <a:solidFill>
-                  <a:srgbClr val="6897BB"/>
-                </a:solidFill>
-              </a:rPr>
-              <a:t>0</a:t>
-            </a:r>
-            <a:r>
-              <a:rPr lang="en-US" dirty="0"/>
-              <a:t>) </a:t>
-            </a:r>
-            <a:r>
-              <a:rPr lang="en-US" b="1" dirty="0">
-                <a:solidFill>
-                  <a:srgbClr val="0080FF"/>
-                </a:solidFill>
-              </a:rPr>
-              <a:t>in </a:t>
-            </a:r>
-            <a:r>
-              <a:rPr lang="en-US" b="1" dirty="0">
-                <a:solidFill>
-                  <a:srgbClr val="008080"/>
-                </a:solidFill>
-              </a:rPr>
-              <a:t>vec3 </a:t>
-            </a:r>
-            <a:r>
-              <a:rPr lang="en-US" dirty="0"/>
-              <a:t>position</a:t>
-            </a:r>
-            <a:r>
-              <a:rPr lang="en-US" dirty="0">
-                <a:solidFill>
-                  <a:srgbClr val="CC7832"/>
-                </a:solidFill>
-              </a:rPr>
-              <a:t>;</a:t>
-            </a:r>
-            <a:br>
-              <a:rPr lang="en-US" dirty="0">
-                <a:solidFill>
-                  <a:srgbClr val="CC7832"/>
-                </a:solidFill>
-              </a:rPr>
-            </a:br>
-            <a:br>
-              <a:rPr lang="en-US" dirty="0">
-                <a:solidFill>
-                  <a:srgbClr val="CC7832"/>
-                </a:solidFill>
-              </a:rPr>
-            </a:br>
-            <a:r>
-              <a:rPr lang="en-US" dirty="0">
-                <a:solidFill>
-                  <a:srgbClr val="808080"/>
-                </a:solidFill>
-              </a:rPr>
-              <a:t>// A vector of 4 floats at index 1 of the VAO</a:t>
-            </a:r>
-            <a:br>
-              <a:rPr lang="en-US" dirty="0">
-                <a:solidFill>
-                  <a:srgbClr val="808080"/>
-                </a:solidFill>
-              </a:rPr>
-            </a:br>
-            <a:r>
-              <a:rPr lang="en-US" b="1" dirty="0">
-                <a:solidFill>
-                  <a:srgbClr val="0080FF"/>
-                </a:solidFill>
-              </a:rPr>
-              <a:t>layout </a:t>
-            </a:r>
-            <a:r>
-              <a:rPr lang="en-US" dirty="0"/>
-              <a:t>(location = </a:t>
-            </a:r>
-            <a:r>
-              <a:rPr lang="en-US" dirty="0">
-                <a:solidFill>
-                  <a:srgbClr val="6897BB"/>
-                </a:solidFill>
-              </a:rPr>
-              <a:t>1</a:t>
-            </a:r>
-            <a:r>
-              <a:rPr lang="en-US" dirty="0"/>
-              <a:t>) </a:t>
-            </a:r>
-            <a:r>
-              <a:rPr lang="en-US" b="1" dirty="0">
-                <a:solidFill>
-                  <a:srgbClr val="0080FF"/>
-                </a:solidFill>
-              </a:rPr>
-              <a:t>in </a:t>
-            </a:r>
-            <a:r>
-              <a:rPr lang="en-US" b="1" dirty="0">
-                <a:solidFill>
-                  <a:srgbClr val="008080"/>
-                </a:solidFill>
-              </a:rPr>
-              <a:t>vec4 </a:t>
-            </a:r>
-            <a:r>
-              <a:rPr lang="en-US" dirty="0" err="1"/>
-              <a:t>inColor</a:t>
-            </a:r>
-            <a:r>
-              <a:rPr lang="en-US" dirty="0">
-                <a:solidFill>
-                  <a:srgbClr val="CC7832"/>
-                </a:solidFill>
-              </a:rPr>
-              <a:t>;</a:t>
-            </a:r>
-            <a:br>
-              <a:rPr lang="en-US" dirty="0">
-                <a:solidFill>
-                  <a:srgbClr val="CC7832"/>
-                </a:solidFill>
-              </a:rPr>
-            </a:br>
-            <a:br>
-              <a:rPr lang="en-US" dirty="0">
-                <a:solidFill>
-                  <a:srgbClr val="CC7832"/>
-                </a:solidFill>
-              </a:rPr>
-            </a:br>
-            <a:r>
-              <a:rPr lang="en-US" dirty="0">
-                <a:solidFill>
-                  <a:srgbClr val="808080"/>
-                </a:solidFill>
-              </a:rPr>
-              <a:t>// Output a vector of 4 floats</a:t>
-            </a:r>
-            <a:br>
-              <a:rPr lang="en-US" dirty="0">
-                <a:solidFill>
-                  <a:srgbClr val="808080"/>
-                </a:solidFill>
-              </a:rPr>
-            </a:br>
-            <a:r>
-              <a:rPr lang="en-US" b="1" dirty="0">
-                <a:solidFill>
-                  <a:srgbClr val="0080FF"/>
-                </a:solidFill>
-              </a:rPr>
-              <a:t>out </a:t>
-            </a:r>
-            <a:r>
-              <a:rPr lang="en-US" b="1" dirty="0">
-                <a:solidFill>
-                  <a:srgbClr val="008080"/>
-                </a:solidFill>
-              </a:rPr>
-              <a:t>vec4 </a:t>
-            </a:r>
-            <a:r>
-              <a:rPr lang="en-US" dirty="0"/>
-              <a:t>color</a:t>
-            </a:r>
-            <a:r>
-              <a:rPr lang="en-US" dirty="0">
-                <a:solidFill>
-                  <a:srgbClr val="CC7832"/>
-                </a:solidFill>
-              </a:rPr>
-              <a:t>;</a:t>
-            </a:r>
-            <a:br>
-              <a:rPr lang="en-US" dirty="0">
-                <a:solidFill>
-                  <a:srgbClr val="CC7832"/>
-                </a:solidFill>
-              </a:rPr>
-            </a:br>
-            <a:br>
-              <a:rPr lang="en-US" dirty="0">
-                <a:solidFill>
-                  <a:srgbClr val="CC7832"/>
-                </a:solidFill>
-              </a:rPr>
-            </a:br>
-            <a:r>
-              <a:rPr lang="en-US" b="1" dirty="0">
-                <a:solidFill>
-                  <a:srgbClr val="008080"/>
-                </a:solidFill>
-              </a:rPr>
-              <a:t>void </a:t>
-            </a:r>
-            <a:r>
-              <a:rPr lang="en-US" dirty="0"/>
-              <a:t>main() {</a:t>
-            </a:r>
-            <a:br>
-              <a:rPr lang="en-US" dirty="0"/>
-            </a:br>
-            <a:r>
-              <a:rPr lang="en-US" dirty="0"/>
-              <a:t>    </a:t>
-            </a:r>
-            <a:r>
-              <a:rPr lang="en-US" dirty="0">
-                <a:solidFill>
-                  <a:srgbClr val="808080"/>
-                </a:solidFill>
-              </a:rPr>
-              <a:t>// Transform the position of the vertex by the projection matrix</a:t>
-            </a:r>
-            <a:br>
-              <a:rPr lang="en-US" dirty="0">
-                <a:solidFill>
-                  <a:srgbClr val="808080"/>
-                </a:solidFill>
-              </a:rPr>
-            </a:br>
-            <a:r>
-              <a:rPr lang="en-US" dirty="0">
-                <a:solidFill>
-                  <a:srgbClr val="808080"/>
-                </a:solidFill>
-              </a:rPr>
-              <a:t>    </a:t>
-            </a:r>
-            <a:r>
-              <a:rPr lang="en-US" dirty="0" err="1"/>
-              <a:t>gl_Position</a:t>
-            </a:r>
-            <a:r>
-              <a:rPr lang="en-US" dirty="0"/>
-              <a:t> = </a:t>
-            </a:r>
-            <a:r>
-              <a:rPr lang="en-US" b="1" dirty="0">
-                <a:solidFill>
-                  <a:srgbClr val="008080"/>
-                </a:solidFill>
-              </a:rPr>
-              <a:t>vec4</a:t>
-            </a:r>
-            <a:r>
-              <a:rPr lang="en-US" dirty="0"/>
-              <a:t>(position</a:t>
-            </a:r>
-            <a:r>
-              <a:rPr lang="en-US" dirty="0">
-                <a:solidFill>
-                  <a:srgbClr val="CC7832"/>
-                </a:solidFill>
-              </a:rPr>
-              <a:t>, </a:t>
-            </a:r>
-            <a:r>
-              <a:rPr lang="en-US" dirty="0">
-                <a:solidFill>
-                  <a:srgbClr val="6897BB"/>
-                </a:solidFill>
-              </a:rPr>
-              <a:t>1.0</a:t>
-            </a:r>
-            <a:r>
-              <a:rPr lang="en-US" dirty="0"/>
-              <a:t>)</a:t>
-            </a:r>
-            <a:r>
-              <a:rPr lang="en-US" dirty="0">
-                <a:solidFill>
-                  <a:srgbClr val="CC7832"/>
-                </a:solidFill>
-              </a:rPr>
-              <a:t>;</a:t>
-            </a:r>
-            <a:br>
-              <a:rPr lang="en-US" dirty="0">
-                <a:solidFill>
-                  <a:srgbClr val="CC7832"/>
-                </a:solidFill>
-              </a:rPr>
-            </a:br>
-            <a:br>
-              <a:rPr lang="en-US" dirty="0">
-                <a:solidFill>
-                  <a:srgbClr val="CC7832"/>
-                </a:solidFill>
-              </a:rPr>
-            </a:br>
-            <a:r>
-              <a:rPr lang="en-US" dirty="0">
-                <a:solidFill>
-                  <a:srgbClr val="CC7832"/>
-                </a:solidFill>
-              </a:rPr>
-              <a:t>    </a:t>
-            </a:r>
-            <a:r>
-              <a:rPr lang="en-US" dirty="0">
-                <a:solidFill>
-                  <a:srgbClr val="808080"/>
-                </a:solidFill>
-              </a:rPr>
-              <a:t>// Pass the color to the fragment shader</a:t>
-            </a:r>
-            <a:br>
-              <a:rPr lang="en-US" dirty="0">
-                <a:solidFill>
-                  <a:srgbClr val="808080"/>
-                </a:solidFill>
-              </a:rPr>
-            </a:br>
-            <a:r>
-              <a:rPr lang="en-US" dirty="0">
-                <a:solidFill>
-                  <a:srgbClr val="808080"/>
-                </a:solidFill>
-              </a:rPr>
-              <a:t>    </a:t>
-            </a:r>
-            <a:r>
-              <a:rPr lang="en-US" dirty="0"/>
-              <a:t>color = </a:t>
-            </a:r>
-            <a:r>
-              <a:rPr lang="en-US" dirty="0" err="1"/>
-              <a:t>inColor</a:t>
-            </a:r>
-            <a:r>
-              <a:rPr lang="en-US" dirty="0">
-                <a:solidFill>
-                  <a:srgbClr val="CC7832"/>
-                </a:solidFill>
-              </a:rPr>
-              <a:t>;</a:t>
-            </a:r>
-            <a:br>
-              <a:rPr lang="en-US" dirty="0">
-                <a:solidFill>
-                  <a:srgbClr val="CC7832"/>
-                </a:solidFill>
-              </a:rPr>
-            </a:br>
-            <a:r>
-              <a:rPr lang="en-US" dirty="0"/>
-              <a:t>}</a:t>
-            </a:r>
-          </a:p>
-        </p:txBody>
-      </p:sp>
-      <p:sp>
-        <p:nvSpPr>
-          <p:cNvPr id="4" name="Title 3">
-            <a:extLst>
-              <a:ext uri="{FF2B5EF4-FFF2-40B4-BE49-F238E27FC236}">
-                <a16:creationId xmlns:a16="http://schemas.microsoft.com/office/drawing/2014/main" id="{82AB76C5-8A24-7847-B575-7CA6A7A22030}"/>
-              </a:ext>
-            </a:extLst>
-          </p:cNvPr>
-          <p:cNvSpPr>
-            <a:spLocks noGrp="1"/>
-          </p:cNvSpPr>
-          <p:nvPr>
-            <p:ph type="title"/>
-          </p:nvPr>
-        </p:nvSpPr>
-        <p:spPr/>
-        <p:txBody>
-          <a:bodyPr/>
-          <a:lstStyle/>
-          <a:p>
-            <a:r>
-              <a:rPr lang="en-US" dirty="0"/>
-              <a:t>Vertex Shader</a:t>
-            </a:r>
+            <a:endParaRPr lang="en-US"/>
           </a:p>
         </p:txBody>
       </p:sp>
     </p:spTree>
     <p:extLst>
       <p:ext uri="{BB962C8B-B14F-4D97-AF65-F5344CB8AC3E}">
-        <p14:creationId xmlns:p14="http://schemas.microsoft.com/office/powerpoint/2010/main" val="105349381"/>
+        <p14:creationId xmlns:p14="http://schemas.microsoft.com/office/powerpoint/2010/main" val="152632591"/>
       </p:ext>
     </p:extLst>
   </p:cSld>
@@ -14065,7 +13412,7 @@
           <p:cNvPr id="2" name="Slide Number Placeholder 1">
             <a:extLst>
               <a:ext uri="{FF2B5EF4-FFF2-40B4-BE49-F238E27FC236}">
-                <a16:creationId xmlns:a16="http://schemas.microsoft.com/office/drawing/2014/main" id="{2D251B67-CDB2-2344-98BF-909676916C58}"/>
+                <a16:creationId xmlns:a16="http://schemas.microsoft.com/office/drawing/2014/main" id="{4CDDF686-4EA5-5C40-8C01-DB1934099D09}"/>
               </a:ext>
             </a:extLst>
           </p:cNvPr>
@@ -14095,7 +13442,7 @@
           <p:cNvPr id="3" name="Content Placeholder 2">
             <a:extLst>
               <a:ext uri="{FF2B5EF4-FFF2-40B4-BE49-F238E27FC236}">
-                <a16:creationId xmlns:a16="http://schemas.microsoft.com/office/drawing/2014/main" id="{0AECD445-3588-D446-B77B-209AEA78D735}"/>
+                <a16:creationId xmlns:a16="http://schemas.microsoft.com/office/drawing/2014/main" id="{131FE0F7-F650-FF42-9990-2A5EAD51422D}"/>
               </a:ext>
             </a:extLst>
           </p:cNvPr>
@@ -14135,7 +13482,7 @@
                   <a:srgbClr val="808080"/>
                 </a:solidFill>
               </a:rPr>
-              <a:t>// A vector of 4 floats in</a:t>
+              <a:t>// A vector of 3 floats at index 0 of the VAO</a:t>
             </a:r>
             <a:br>
               <a:rPr lang="en-US" dirty="0">
@@ -14150,6 +13497,30 @@
                   <a:srgbClr val="0080FF"/>
                 </a:solidFill>
               </a:rPr>
+              <a:t>layout </a:t>
+            </a:r>
+            <a:r>
+              <a:rPr lang="en-US" dirty="0"/>
+              <a:t>(location = </a:t>
+            </a:r>
+            <a:r>
+              <a:rPr lang="en-US" dirty="0">
+                <a:solidFill>
+                  <a:srgbClr val="6897BB"/>
+                </a:solidFill>
+              </a:rPr>
+              <a:t>0</a:t>
+            </a:r>
+            <a:r>
+              <a:rPr lang="en-US" dirty="0"/>
+              <a:t>) </a:t>
+            </a:r>
+            <a:r>
+              <a:rPr lang="en-US" b="1" dirty="0">
+                <a:solidFill>
+                  <a:srgbClr val="0080FF"/>
+                </a:solidFill>
+              </a:rPr>
               <a:t>in </a:t>
             </a:r>
             <a:r>
@@ -14158,11 +13529,11 @@
                   <a:srgbClr val="008080"/>
                 </a:solidFill>
               </a:rPr>
-              <a:t>vec4 </a:t>
-            </a:r>
-            <a:r>
-              <a:rPr lang="en-US" dirty="0"/>
-              <a:t>color</a:t>
+              <a:t>vec3 </a:t>
+            </a:r>
+            <a:r>
+              <a:rPr lang="en-US" dirty="0"/>
+              <a:t>position</a:t>
             </a:r>
             <a:r>
               <a:rPr lang="en-US" dirty="0">
@@ -14192,7 +13563,7 @@
                   <a:srgbClr val="808080"/>
                 </a:solidFill>
               </a:rPr>
-              <a:t>// A vector of 4 floats out</a:t>
+              <a:t>// A vector of 4 floats at index 1 of the VAO</a:t>
             </a:r>
             <a:br>
               <a:rPr lang="en-US" dirty="0">
@@ -14207,11 +13578,35 @@
                   <a:srgbClr val="0080FF"/>
                 </a:solidFill>
               </a:rPr>
-              <a:t>out </a:t>
+              <a:t>layout </a:t>
+            </a:r>
+            <a:r>
+              <a:rPr lang="en-US" dirty="0"/>
+              <a:t>(location = </a:t>
+            </a:r>
+            <a:r>
+              <a:rPr lang="en-US" dirty="0">
+                <a:solidFill>
+                  <a:srgbClr val="6897BB"/>
+                </a:solidFill>
+              </a:rPr>
+              <a:t>1</a:t>
+            </a:r>
+            <a:r>
+              <a:rPr lang="en-US" dirty="0"/>
+              <a:t>) </a:t>
             </a:r>
             <a:r>
               <a:rPr lang="en-US" b="1" dirty="0">
                 <a:solidFill>
+                  <a:srgbClr val="0080FF"/>
+                </a:solidFill>
+              </a:rPr>
+              <a:t>in </a:t>
+            </a:r>
+            <a:r>
+              <a:rPr lang="en-US" b="1" dirty="0">
+                <a:solidFill>
                   <a:srgbClr val="008080"/>
                 </a:solidFill>
               </a:rPr>
@@ -14219,7 +13614,7 @@
             </a:r>
             <a:r>
               <a:rPr lang="en-US" dirty="0" err="1"/>
-              <a:t>outColor</a:t>
+              <a:t>inColor</a:t>
             </a:r>
             <a:r>
               <a:rPr lang="en-US" dirty="0">
@@ -14244,11 +13639,68 @@
               </a:rPr>
             </a:br>
             <a:r>
+              <a:rPr lang="en-US" dirty="0">
+                <a:solidFill>
+                  <a:srgbClr val="808080"/>
+                </a:solidFill>
+              </a:rPr>
+              <a:t>// Output a vector of 4 floats</a:t>
+            </a:r>
+            <a:br>
+              <a:rPr lang="en-US" dirty="0">
+                <a:solidFill>
+                  <a:srgbClr val="808080"/>
+                </a:solidFill>
+              </a:rPr>
+            </a:br>
+            <a:r>
               <a:rPr lang="en-US" b="1" dirty="0">
                 <a:solidFill>
+                  <a:srgbClr val="0080FF"/>
+                </a:solidFill>
+              </a:rPr>
+              <a:t>out </a:t>
+            </a:r>
+            <a:r>
+              <a:rPr lang="en-US" b="1" dirty="0">
+                <a:solidFill>
                   <a:srgbClr val="008080"/>
                 </a:solidFill>
               </a:rPr>
+              <a:t>vec4 </a:t>
+            </a:r>
+            <a:r>
+              <a:rPr lang="en-US" dirty="0"/>
+              <a:t>color</a:t>
+            </a:r>
+            <a:r>
+              <a:rPr lang="en-US" dirty="0">
+                <a:solidFill>
+                  <a:srgbClr val="CC7832"/>
+                </a:solidFill>
+              </a:rPr>
+              <a:t>;</a:t>
+            </a:r>
+            <a:br>
+              <a:rPr lang="en-US" dirty="0">
+                <a:solidFill>
+                  <a:srgbClr val="CC7832"/>
+                </a:solidFill>
+              </a:rPr>
+            </a:br>
+            <a:br>
+              <a:rPr lang="en-US" dirty="0">
+                <a:solidFill>
+                  <a:srgbClr val="CC7832"/>
+                </a:solidFill>
+              </a:rPr>
+            </a:br>
+            <a:r>
+              <a:rPr lang="en-US" b="1" dirty="0">
+                <a:solidFill>
+                  <a:srgbClr val="008080"/>
+                </a:solidFill>
+              </a:rPr>
               <a:t>void </a:t>
             </a:r>
             <a:r>
@@ -14268,7 +13720,7 @@
                   <a:srgbClr val="808080"/>
                 </a:solidFill>
               </a:rPr>
-              <a:t>// Set the outgoing color to the incoming color</a:t>
+              <a:t>// Transform the position of the vertex by the projection matrix</a:t>
             </a:r>
             <a:br>
               <a:rPr lang="en-US" dirty="0">
@@ -14287,11 +13739,23 @@
             </a:r>
             <a:r>
               <a:rPr lang="en-US" dirty="0" err="1"/>
-              <a:t>outColor</a:t>
-            </a:r>
-            <a:r>
-              <a:rPr lang="en-US" dirty="0"/>
-              <a:t> = color</a:t>
+              <a:t>gl_Position</a:t>
+            </a:r>
+            <a:r>
+              <a:rPr lang="en-US" dirty="0"/>
+              <a:t> = </a:t>
+            </a:r>
+            <a:r>
+              <a:rPr lang="en-US" b="1" dirty="0">
+                <a:solidFill>
+                  <a:srgbClr val="008080"/>
+                </a:solidFill>
+              </a:rPr>
+              <a:t>vec4</a:t>
+            </a:r>
+            <a:r>
+              <a:rPr lang="en-US" dirty="0"/>
+              <a:t>(position</a:t>
             </a:r>
             <a:r>
               <a:rPr lang="en-US" dirty="0">
@@ -14299,6 +13763,26 @@
                   <a:srgbClr val="CC7832"/>
                 </a:solidFill>
               </a:rPr>
+              <a:t>, </a:t>
+            </a:r>
+            <a:r>
+              <a:rPr lang="en-US" dirty="0">
+                <a:solidFill>
+                  <a:srgbClr val="6897BB"/>
+                </a:solidFill>
+              </a:rPr>
+              <a:t>1.0</a:t>
+            </a:r>
+            <a:r>
+              <a:rPr lang="en-US" dirty="0"/>
+              <a:t>)</a:t>
+            </a:r>
+            <a:r>
+              <a:rPr lang="en-US" dirty="0">
+                <a:solidFill>
+                  <a:srgbClr val="CC7832"/>
+                </a:solidFill>
+              </a:rPr>
               <a:t>;</a:t>
             </a:r>
             <a:br>
@@ -14308,14 +13792,71 @@
                 </a:solidFill>
               </a:rPr>
             </a:br>
+            <a:br>
+              <a:rPr lang="en-US" dirty="0">
+                <a:solidFill>
+                  <a:srgbClr val="CC7832"/>
+                </a:solidFill>
+              </a:rPr>
+            </a:br>
+            <a:r>
+              <a:rPr lang="en-US" dirty="0">
+                <a:solidFill>
+                  <a:srgbClr val="CC7832"/>
+                </a:solidFill>
+              </a:rPr>
+              <a:t>    </a:t>
+            </a:r>
+            <a:r>
+              <a:rPr lang="en-US" dirty="0">
+                <a:solidFill>
+                  <a:srgbClr val="808080"/>
+                </a:solidFill>
+              </a:rPr>
+              <a:t>// Pass the color to the fragment shader</a:t>
+            </a:r>
+            <a:br>
+              <a:rPr lang="en-US" dirty="0">
+                <a:solidFill>
+                  <a:srgbClr val="808080"/>
+                </a:solidFill>
+              </a:rPr>
+            </a:br>
+            <a:r>
+              <a:rPr lang="en-US" dirty="0">
+                <a:solidFill>
+                  <a:srgbClr val="808080"/>
+                </a:solidFill>
+              </a:rPr>
+              <a:t>    </a:t>
+            </a:r>
+            <a:r>
+              <a:rPr lang="en-US" dirty="0"/>
+              <a:t>color = </a:t>
+            </a:r>
+            <a:r>
+              <a:rPr lang="en-US" dirty="0" err="1"/>
+              <a:t>inColor</a:t>
+            </a:r>
+            <a:r>
+              <a:rPr lang="en-US" dirty="0">
+                <a:solidFill>
+                  <a:srgbClr val="CC7832"/>
+                </a:solidFill>
+              </a:rPr>
+              <a:t>;</a:t>
+            </a:r>
+            <a:br>
+              <a:rPr lang="en-US" dirty="0">
+                <a:solidFill>
+                  <a:srgbClr val="CC7832"/>
+                </a:solidFill>
+              </a:rPr>
+            </a:br>
             <a:r>
               <a:rPr lang="en-US" dirty="0"/>
               <a:t>}</a:t>
             </a:r>
-            <a:br>
-              <a:rPr lang="en-US" dirty="0"/>
-            </a:br>
-            <a:endParaRPr lang="en-US" dirty="0"/>
           </a:p>
         </p:txBody>
       </p:sp>
@@ -14324,7 +13865,7 @@
           <p:cNvPr id="4" name="Title 3">
             <a:extLst>
               <a:ext uri="{FF2B5EF4-FFF2-40B4-BE49-F238E27FC236}">
-                <a16:creationId xmlns:a16="http://schemas.microsoft.com/office/drawing/2014/main" id="{284AB511-7484-814E-9306-B63EB6D0483D}"/>
+                <a16:creationId xmlns:a16="http://schemas.microsoft.com/office/drawing/2014/main" id="{82AB76C5-8A24-7847-B575-7CA6A7A22030}"/>
               </a:ext>
             </a:extLst>
           </p:cNvPr>
@@ -14342,7 +13883,7 @@
           <a:p>
             <a:r>
               <a:rPr lang="en-US" dirty="0"/>
-              <a:t>Fragment Shader</a:t>
+              <a:t>Vertex Shader</a:t>
             </a:r>
           </a:p>
         </p:txBody>
@@ -14350,7 +13891,7 @@
     </p:spTree>
     <p:extLst>
       <p:ext uri="{BB962C8B-B14F-4D97-AF65-F5344CB8AC3E}">
-        <p14:creationId xmlns:p14="http://schemas.microsoft.com/office/powerpoint/2010/main" val="340805889"/>
+        <p14:creationId xmlns:p14="http://schemas.microsoft.com/office/powerpoint/2010/main" val="105349381"/>
       </p:ext>
     </p:extLst>
   </p:cSld>
@@ -14379,67 +13920,10 @@
       </p:grpSpPr>
       <p:sp>
         <p:nvSpPr>
-          <p:cNvPr id="2" name="Title 1">
-            <a:extLst>
-              <a:ext uri="{FF2B5EF4-FFF2-40B4-BE49-F238E27FC236}">
-                <a16:creationId xmlns:a16="http://schemas.microsoft.com/office/drawing/2014/main" id="{C799CF41-86B7-A144-80C2-33830FA257EA}"/>
-              </a:ext>
-            </a:extLst>
-          </p:cNvPr>
-          <p:cNvSpPr>
-            <a:spLocks noGrp="1"/>
-          </p:cNvSpPr>
-          <p:nvPr>
-            <p:ph type="title"/>
-          </p:nvPr>
-        </p:nvSpPr>
-        <p:spPr/>
-        <p:txBody>
-          <a:bodyPr/>
-          <a:lstStyle/>
-          <a:p>
-            <a:r>
-              <a:rPr lang="en-US" dirty="0"/>
-              <a:t>Our First Triangle</a:t>
-            </a:r>
-          </a:p>
-        </p:txBody>
-      </p:sp>
-      <p:pic>
-        <p:nvPicPr>
-          <p:cNvPr id="6" name="Content Placeholder 5">
-            <a:extLst>
-              <a:ext uri="{FF2B5EF4-FFF2-40B4-BE49-F238E27FC236}">
-                <a16:creationId xmlns:a16="http://schemas.microsoft.com/office/drawing/2014/main" id="{8788E63F-0BE1-F540-8198-678AD8FC164E}"/>
-              </a:ext>
-            </a:extLst>
-          </p:cNvPr>
-          <p:cNvPicPr>
-            <a:picLocks noGrp="1" noChangeAspect="1"/>
-          </p:cNvPicPr>
-          <p:nvPr>
-            <p:ph idx="1"/>
-          </p:nvPr>
-        </p:nvPicPr>
-        <p:blipFill>
-          <a:blip r:embed="rId2"/>
-          <a:stretch>
-            <a:fillRect/>
-          </a:stretch>
-        </p:blipFill>
-        <p:spPr>
-          <a:xfrm>
-            <a:off x="4030618" y="1825625"/>
-            <a:ext cx="4130763" cy="4351338"/>
-          </a:xfrm>
-        </p:spPr>
-      </p:pic>
-      <p:sp>
-        <p:nvSpPr>
-          <p:cNvPr id="4" name="Slide Number Placeholder 3">
-            <a:extLst>
-              <a:ext uri="{FF2B5EF4-FFF2-40B4-BE49-F238E27FC236}">
-                <a16:creationId xmlns:a16="http://schemas.microsoft.com/office/drawing/2014/main" id="{E5405E45-88DC-D845-962B-4958443D9B91}"/>
+          <p:cNvPr id="2" name="Slide Number Placeholder 1">
+            <a:extLst>
+              <a:ext uri="{FF2B5EF4-FFF2-40B4-BE49-F238E27FC236}">
+                <a16:creationId xmlns:a16="http://schemas.microsoft.com/office/drawing/2014/main" id="{2D251B67-CDB2-2344-98BF-909676916C58}"/>
               </a:ext>
             </a:extLst>
           </p:cNvPr>
@@ -14457,16 +13941,274 @@
           <a:p>
             <a:fld id="{61842C9D-6878-FD4D-8ED6-99E08E82BFB8}" type="slidenum">
               <a:rPr lang="en-US" smtClean="0"/>
+              <a:pPr/>
               <a:t>41</a:t>
             </a:fld>
-            <a:endParaRPr lang="en-US"/>
+            <a:endParaRPr lang="en-US" dirty="0"/>
+          </a:p>
+        </p:txBody>
+      </p:sp>
+      <p:sp>
+        <p:nvSpPr>
+          <p:cNvPr id="3" name="Content Placeholder 2">
+            <a:extLst>
+              <a:ext uri="{FF2B5EF4-FFF2-40B4-BE49-F238E27FC236}">
+                <a16:creationId xmlns:a16="http://schemas.microsoft.com/office/drawing/2014/main" id="{0AECD445-3588-D446-B77B-209AEA78D735}"/>
+              </a:ext>
+            </a:extLst>
+          </p:cNvPr>
+          <p:cNvSpPr>
+            <a:spLocks noGrp="1"/>
+          </p:cNvSpPr>
+          <p:nvPr>
+            <p:ph sz="quarter" idx="13"/>
+          </p:nvPr>
+        </p:nvSpPr>
+        <p:spPr/>
+        <p:txBody>
+          <a:bodyPr/>
+          <a:lstStyle/>
+          <a:p>
+            <a:r>
+              <a:rPr lang="en-US" dirty="0">
+                <a:solidFill>
+                  <a:srgbClr val="BBB529"/>
+                </a:solidFill>
+              </a:rPr>
+              <a:t>#version</a:t>
+            </a:r>
+            <a:r>
+              <a:rPr lang="en-US" dirty="0"/>
+              <a:t> 330 core</a:t>
+            </a:r>
+            <a:br>
+              <a:rPr lang="en-US" dirty="0"/>
+            </a:br>
+            <a:br>
+              <a:rPr lang="en-US" dirty="0"/>
+            </a:br>
+            <a:r>
+              <a:rPr lang="en-US" dirty="0">
+                <a:solidFill>
+                  <a:srgbClr val="808080"/>
+                </a:solidFill>
+              </a:rPr>
+              <a:t>// A vector of 4 floats in</a:t>
+            </a:r>
+            <a:br>
+              <a:rPr lang="en-US" dirty="0">
+                <a:solidFill>
+                  <a:srgbClr val="808080"/>
+                </a:solidFill>
+              </a:rPr>
+            </a:br>
+            <a:r>
+              <a:rPr lang="en-US" b="1" dirty="0">
+                <a:solidFill>
+                  <a:srgbClr val="0080FF"/>
+                </a:solidFill>
+              </a:rPr>
+              <a:t>in </a:t>
+            </a:r>
+            <a:r>
+              <a:rPr lang="en-US" b="1" dirty="0">
+                <a:solidFill>
+                  <a:srgbClr val="008080"/>
+                </a:solidFill>
+              </a:rPr>
+              <a:t>vec4 </a:t>
+            </a:r>
+            <a:r>
+              <a:rPr lang="en-US" dirty="0"/>
+              <a:t>color</a:t>
+            </a:r>
+            <a:r>
+              <a:rPr lang="en-US" dirty="0">
+                <a:solidFill>
+                  <a:srgbClr val="CC7832"/>
+                </a:solidFill>
+              </a:rPr>
+              <a:t>;</a:t>
+            </a:r>
+            <a:br>
+              <a:rPr lang="en-US" dirty="0">
+                <a:solidFill>
+                  <a:srgbClr val="CC7832"/>
+                </a:solidFill>
+              </a:rPr>
+            </a:br>
+            <a:br>
+              <a:rPr lang="en-US" dirty="0">
+                <a:solidFill>
+                  <a:srgbClr val="CC7832"/>
+                </a:solidFill>
+              </a:rPr>
+            </a:br>
+            <a:r>
+              <a:rPr lang="en-US" dirty="0">
+                <a:solidFill>
+                  <a:srgbClr val="808080"/>
+                </a:solidFill>
+              </a:rPr>
+              <a:t>// A vector of 4 floats out</a:t>
+            </a:r>
+            <a:br>
+              <a:rPr lang="en-US" dirty="0">
+                <a:solidFill>
+                  <a:srgbClr val="808080"/>
+                </a:solidFill>
+              </a:rPr>
+            </a:br>
+            <a:r>
+              <a:rPr lang="en-US" b="1" dirty="0">
+                <a:solidFill>
+                  <a:srgbClr val="0080FF"/>
+                </a:solidFill>
+              </a:rPr>
+              <a:t>out </a:t>
+            </a:r>
+            <a:r>
+              <a:rPr lang="en-US" b="1" dirty="0">
+                <a:solidFill>
+                  <a:srgbClr val="008080"/>
+                </a:solidFill>
+              </a:rPr>
+              <a:t>vec4 </a:t>
+            </a:r>
+            <a:r>
+              <a:rPr lang="en-US" dirty="0" err="1"/>
+              <a:t>outColor</a:t>
+            </a:r>
+            <a:r>
+              <a:rPr lang="en-US" dirty="0">
+                <a:solidFill>
+                  <a:srgbClr val="CC7832"/>
+                </a:solidFill>
+              </a:rPr>
+              <a:t>;</a:t>
+            </a:r>
+            <a:br>
+              <a:rPr lang="en-US" dirty="0">
+                <a:solidFill>
+                  <a:srgbClr val="CC7832"/>
+                </a:solidFill>
+              </a:rPr>
+            </a:br>
+            <a:br>
+              <a:rPr lang="en-US" dirty="0">
+                <a:solidFill>
+                  <a:srgbClr val="CC7832"/>
+                </a:solidFill>
+              </a:rPr>
+            </a:br>
+            <a:r>
+              <a:rPr lang="en-US" b="1" dirty="0">
+                <a:solidFill>
+                  <a:srgbClr val="008080"/>
+                </a:solidFill>
+              </a:rPr>
+              <a:t>void </a:t>
+            </a:r>
+            <a:r>
+              <a:rPr lang="en-US" dirty="0"/>
+              <a:t>main() {</a:t>
+            </a:r>
+            <a:br>
+              <a:rPr lang="en-US" dirty="0"/>
+            </a:br>
+            <a:r>
+              <a:rPr lang="en-US" dirty="0"/>
+              <a:t>    </a:t>
+            </a:r>
+            <a:r>
+              <a:rPr lang="en-US" dirty="0">
+                <a:solidFill>
+                  <a:srgbClr val="808080"/>
+                </a:solidFill>
+              </a:rPr>
+              <a:t>// Set the outgoing color to the incoming color</a:t>
+            </a:r>
+            <a:br>
+              <a:rPr lang="en-US" dirty="0">
+                <a:solidFill>
+                  <a:srgbClr val="808080"/>
+                </a:solidFill>
+              </a:rPr>
+            </a:br>
+            <a:r>
+              <a:rPr lang="en-US" dirty="0">
+                <a:solidFill>
+                  <a:srgbClr val="808080"/>
+                </a:solidFill>
+              </a:rPr>
+              <a:t>    </a:t>
+            </a:r>
+            <a:r>
+              <a:rPr lang="en-US" dirty="0" err="1"/>
+              <a:t>outColor</a:t>
+            </a:r>
+            <a:r>
+              <a:rPr lang="en-US" dirty="0"/>
+              <a:t> = color</a:t>
+            </a:r>
+            <a:r>
+              <a:rPr lang="en-US" dirty="0">
+                <a:solidFill>
+                  <a:srgbClr val="CC7832"/>
+                </a:solidFill>
+              </a:rPr>
+              <a:t>;</a:t>
+            </a:r>
+            <a:br>
+              <a:rPr lang="en-US" dirty="0">
+                <a:solidFill>
+                  <a:srgbClr val="CC7832"/>
+                </a:solidFill>
+              </a:rPr>
+            </a:br>
+            <a:r>
+              <a:rPr lang="en-US" dirty="0"/>
+              <a:t>}</a:t>
+            </a:r>
+            <a:br>
+              <a:rPr lang="en-US" dirty="0"/>
+            </a:br>
+            <a:endParaRPr lang="en-US" dirty="0"/>
+          </a:p>
+        </p:txBody>
+      </p:sp>
+      <p:sp>
+        <p:nvSpPr>
+          <p:cNvPr id="4" name="Title 3">
+            <a:extLst>
+              <a:ext uri="{FF2B5EF4-FFF2-40B4-BE49-F238E27FC236}">
+                <a16:creationId xmlns:a16="http://schemas.microsoft.com/office/drawing/2014/main" id="{284AB511-7484-814E-9306-B63EB6D0483D}"/>
+              </a:ext>
+            </a:extLst>
+          </p:cNvPr>
+          <p:cNvSpPr>
+            <a:spLocks noGrp="1"/>
+          </p:cNvSpPr>
+          <p:nvPr>
+            <p:ph type="title"/>
+          </p:nvPr>
+        </p:nvSpPr>
+        <p:spPr/>
+        <p:txBody>
+          <a:bodyPr/>
+          <a:lstStyle/>
+          <a:p>
+            <a:r>
+              <a:rPr lang="en-US" dirty="0"/>
+              <a:t>Fragment Shader</a:t>
+            </a:r>
           </a:p>
         </p:txBody>
       </p:sp>
     </p:spTree>
     <p:extLst>
       <p:ext uri="{BB962C8B-B14F-4D97-AF65-F5344CB8AC3E}">
-        <p14:creationId xmlns:p14="http://schemas.microsoft.com/office/powerpoint/2010/main" val="4018443866"/>
+        <p14:creationId xmlns:p14="http://schemas.microsoft.com/office/powerpoint/2010/main" val="340805889"/>
       </p:ext>
     </p:extLst>
   </p:cSld>
@@ -14498,7 +14240,7 @@
           <p:cNvPr id="2" name="Title 1">
             <a:extLst>
               <a:ext uri="{FF2B5EF4-FFF2-40B4-BE49-F238E27FC236}">
-                <a16:creationId xmlns:a16="http://schemas.microsoft.com/office/drawing/2014/main" id="{5101BD52-5D73-FB41-9D03-184CB36F717A}"/>
+                <a16:creationId xmlns:a16="http://schemas.microsoft.com/office/drawing/2014/main" id="{C799CF41-86B7-A144-80C2-33830FA257EA}"/>
               </a:ext>
             </a:extLst>
           </p:cNvPr>
@@ -14516,57 +14258,46 @@
           <a:p>
             <a:r>
               <a:rPr lang="en-US" dirty="0"/>
-              <a:t>Uniforms</a:t>
-            </a:r>
-          </a:p>
-        </p:txBody>
-      </p:sp>
-      <p:sp>
-        <p:nvSpPr>
-          <p:cNvPr id="3" name="Content Placeholder 2">
-            <a:extLst>
-              <a:ext uri="{FF2B5EF4-FFF2-40B4-BE49-F238E27FC236}">
-                <a16:creationId xmlns:a16="http://schemas.microsoft.com/office/drawing/2014/main" id="{95CAF12B-E7B0-3641-A644-3BC015DFC424}"/>
-              </a:ext>
-            </a:extLst>
-          </p:cNvPr>
-          <p:cNvSpPr>
-            <a:spLocks noGrp="1"/>
-          </p:cNvSpPr>
+              <a:t>Our First Triangle</a:t>
+            </a:r>
+          </a:p>
+        </p:txBody>
+      </p:sp>
+      <p:pic>
+        <p:nvPicPr>
+          <p:cNvPr id="6" name="Content Placeholder 5">
+            <a:extLst>
+              <a:ext uri="{FF2B5EF4-FFF2-40B4-BE49-F238E27FC236}">
+                <a16:creationId xmlns:a16="http://schemas.microsoft.com/office/drawing/2014/main" id="{8788E63F-0BE1-F540-8198-678AD8FC164E}"/>
+              </a:ext>
+            </a:extLst>
+          </p:cNvPr>
+          <p:cNvPicPr>
+            <a:picLocks noGrp="1" noChangeAspect="1"/>
+          </p:cNvPicPr>
           <p:nvPr>
             <p:ph idx="1"/>
           </p:nvPr>
-        </p:nvSpPr>
-        <p:spPr/>
-        <p:txBody>
-          <a:bodyPr/>
-          <a:lstStyle/>
-          <a:p>
-            <a:r>
-              <a:rPr lang="en-US" dirty="0"/>
-              <a:t>Used in shaders</a:t>
-            </a:r>
-          </a:p>
-          <a:p>
-            <a:r>
-              <a:rPr lang="en-US" dirty="0"/>
-              <a:t>Stores a value does not change during a single render call</a:t>
-            </a:r>
-          </a:p>
-          <a:p>
-            <a:r>
-              <a:rPr lang="en-US" dirty="0"/>
-              <a:t>Able to store matrices</a:t>
-            </a:r>
-          </a:p>
-        </p:txBody>
-      </p:sp>
+        </p:nvPicPr>
+        <p:blipFill>
+          <a:blip r:embed="rId2"/>
+          <a:stretch>
+            <a:fillRect/>
+          </a:stretch>
+        </p:blipFill>
+        <p:spPr>
+          <a:xfrm>
+            <a:off x="4030618" y="1825625"/>
+            <a:ext cx="4130763" cy="4351338"/>
+          </a:xfrm>
+        </p:spPr>
+      </p:pic>
       <p:sp>
         <p:nvSpPr>
           <p:cNvPr id="4" name="Slide Number Placeholder 3">
             <a:extLst>
               <a:ext uri="{FF2B5EF4-FFF2-40B4-BE49-F238E27FC236}">
-                <a16:creationId xmlns:a16="http://schemas.microsoft.com/office/drawing/2014/main" id="{78F7414B-4286-AF45-814D-AE58A36F2F51}"/>
+                <a16:creationId xmlns:a16="http://schemas.microsoft.com/office/drawing/2014/main" id="{E5405E45-88DC-D845-962B-4958443D9B91}"/>
               </a:ext>
             </a:extLst>
           </p:cNvPr>
@@ -14586,14 +14317,14 @@
               <a:rPr lang="en-US" smtClean="0"/>
               <a:t>42</a:t>
             </a:fld>
-            <a:endParaRPr lang="en-US" dirty="0"/>
+            <a:endParaRPr lang="en-US"/>
           </a:p>
         </p:txBody>
       </p:sp>
     </p:spTree>
     <p:extLst>
       <p:ext uri="{BB962C8B-B14F-4D97-AF65-F5344CB8AC3E}">
-        <p14:creationId xmlns:p14="http://schemas.microsoft.com/office/powerpoint/2010/main" val="2828961191"/>
+        <p14:creationId xmlns:p14="http://schemas.microsoft.com/office/powerpoint/2010/main" val="4018443866"/>
       </p:ext>
     </p:extLst>
   </p:cSld>
@@ -14622,10 +14353,78 @@
       </p:grpSpPr>
       <p:sp>
         <p:nvSpPr>
-          <p:cNvPr id="2" name="Slide Number Placeholder 1">
-            <a:extLst>
-              <a:ext uri="{FF2B5EF4-FFF2-40B4-BE49-F238E27FC236}">
-                <a16:creationId xmlns:a16="http://schemas.microsoft.com/office/drawing/2014/main" id="{005E7630-CECD-2842-AEBA-20A6B53E11CF}"/>
+          <p:cNvPr id="2" name="Title 1">
+            <a:extLst>
+              <a:ext uri="{FF2B5EF4-FFF2-40B4-BE49-F238E27FC236}">
+                <a16:creationId xmlns:a16="http://schemas.microsoft.com/office/drawing/2014/main" id="{5101BD52-5D73-FB41-9D03-184CB36F717A}"/>
+              </a:ext>
+            </a:extLst>
+          </p:cNvPr>
+          <p:cNvSpPr>
+            <a:spLocks noGrp="1"/>
+          </p:cNvSpPr>
+          <p:nvPr>
+            <p:ph type="title"/>
+          </p:nvPr>
+        </p:nvSpPr>
+        <p:spPr/>
+        <p:txBody>
+          <a:bodyPr/>
+          <a:lstStyle/>
+          <a:p>
+            <a:r>
+              <a:rPr lang="en-US" dirty="0"/>
+              <a:t>Uniforms</a:t>
+            </a:r>
+          </a:p>
+        </p:txBody>
+      </p:sp>
+      <p:sp>
+        <p:nvSpPr>
+          <p:cNvPr id="3" name="Content Placeholder 2">
+            <a:extLst>
+              <a:ext uri="{FF2B5EF4-FFF2-40B4-BE49-F238E27FC236}">
+                <a16:creationId xmlns:a16="http://schemas.microsoft.com/office/drawing/2014/main" id="{95CAF12B-E7B0-3641-A644-3BC015DFC424}"/>
+              </a:ext>
+            </a:extLst>
+          </p:cNvPr>
+          <p:cNvSpPr>
+            <a:spLocks noGrp="1"/>
+          </p:cNvSpPr>
+          <p:nvPr>
+            <p:ph idx="1"/>
+          </p:nvPr>
+        </p:nvSpPr>
+        <p:spPr/>
+        <p:txBody>
+          <a:bodyPr/>
+          <a:lstStyle/>
+          <a:p>
+            <a:r>
+              <a:rPr lang="en-US" dirty="0"/>
+              <a:t>Used in shaders</a:t>
+            </a:r>
+          </a:p>
+          <a:p>
+            <a:r>
+              <a:rPr lang="en-US" dirty="0"/>
+              <a:t>Stores a value does not change during a single render call</a:t>
+            </a:r>
+          </a:p>
+          <a:p>
+            <a:r>
+              <a:rPr lang="en-US" dirty="0"/>
+              <a:t>Able to store matrices</a:t>
+            </a:r>
+          </a:p>
+        </p:txBody>
+      </p:sp>
+      <p:sp>
+        <p:nvSpPr>
+          <p:cNvPr id="4" name="Slide Number Placeholder 3">
+            <a:extLst>
+              <a:ext uri="{FF2B5EF4-FFF2-40B4-BE49-F238E27FC236}">
+                <a16:creationId xmlns:a16="http://schemas.microsoft.com/office/drawing/2014/main" id="{78F7414B-4286-AF45-814D-AE58A36F2F51}"/>
               </a:ext>
             </a:extLst>
           </p:cNvPr>
@@ -14643,429 +14442,16 @@
           <a:p>
             <a:fld id="{61842C9D-6878-FD4D-8ED6-99E08E82BFB8}" type="slidenum">
               <a:rPr lang="en-US" smtClean="0"/>
-              <a:pPr/>
               <a:t>43</a:t>
             </a:fld>
             <a:endParaRPr lang="en-US" dirty="0"/>
           </a:p>
         </p:txBody>
       </p:sp>
-      <p:sp>
-        <p:nvSpPr>
-          <p:cNvPr id="3" name="Content Placeholder 2">
-            <a:extLst>
-              <a:ext uri="{FF2B5EF4-FFF2-40B4-BE49-F238E27FC236}">
-                <a16:creationId xmlns:a16="http://schemas.microsoft.com/office/drawing/2014/main" id="{27DC12C0-C806-DB45-AABB-6537EB375CF4}"/>
-              </a:ext>
-            </a:extLst>
-          </p:cNvPr>
-          <p:cNvSpPr>
-            <a:spLocks noGrp="1"/>
-          </p:cNvSpPr>
-          <p:nvPr>
-            <p:ph sz="quarter" idx="13"/>
-          </p:nvPr>
-        </p:nvSpPr>
-        <p:spPr/>
-        <p:txBody>
-          <a:bodyPr/>
-          <a:lstStyle/>
-          <a:p>
-            <a:r>
-              <a:rPr lang="en-US" dirty="0">
-                <a:solidFill>
-                  <a:srgbClr val="808080"/>
-                </a:solidFill>
-              </a:rPr>
-              <a:t>// Create a 4x4 identity matrix of floats</a:t>
-            </a:r>
-            <a:br>
-              <a:rPr lang="en-US" dirty="0">
-                <a:solidFill>
-                  <a:srgbClr val="808080"/>
-                </a:solidFill>
-              </a:rPr>
-            </a:br>
-            <a:r>
-              <a:rPr lang="en-US" dirty="0" err="1">
-                <a:solidFill>
-                  <a:srgbClr val="CC7832"/>
-                </a:solidFill>
-              </a:rPr>
-              <a:t>var</a:t>
-            </a:r>
-            <a:r>
-              <a:rPr lang="en-US" dirty="0">
-                <a:solidFill>
-                  <a:srgbClr val="CC7832"/>
-                </a:solidFill>
-              </a:rPr>
-              <a:t> </a:t>
-            </a:r>
-            <a:r>
-              <a:rPr lang="en-US" dirty="0"/>
-              <a:t>matrix = </a:t>
-            </a:r>
-            <a:r>
-              <a:rPr lang="en-US" dirty="0">
-                <a:solidFill>
-                  <a:srgbClr val="CC7832"/>
-                </a:solidFill>
-              </a:rPr>
-              <a:t>new </a:t>
-            </a:r>
-            <a:r>
-              <a:rPr lang="en-US" dirty="0"/>
-              <a:t>Matrix4f()</a:t>
-            </a:r>
-            <a:r>
-              <a:rPr lang="en-US" dirty="0">
-                <a:solidFill>
-                  <a:srgbClr val="CC7832"/>
-                </a:solidFill>
-              </a:rPr>
-              <a:t>;</a:t>
-            </a:r>
-            <a:br>
-              <a:rPr lang="en-US" dirty="0">
-                <a:solidFill>
-                  <a:srgbClr val="CC7832"/>
-                </a:solidFill>
-              </a:rPr>
-            </a:br>
-            <a:br>
-              <a:rPr lang="en-US" dirty="0">
-                <a:solidFill>
-                  <a:srgbClr val="CC7832"/>
-                </a:solidFill>
-              </a:rPr>
-            </a:br>
-            <a:r>
-              <a:rPr lang="en-US" dirty="0">
-                <a:solidFill>
-                  <a:srgbClr val="808080"/>
-                </a:solidFill>
-              </a:rPr>
-              <a:t>// Get the location of the uniform in the shader program</a:t>
-            </a:r>
-            <a:br>
-              <a:rPr lang="en-US" dirty="0">
-                <a:solidFill>
-                  <a:srgbClr val="808080"/>
-                </a:solidFill>
-              </a:rPr>
-            </a:br>
-            <a:r>
-              <a:rPr lang="en-US" dirty="0" err="1">
-                <a:solidFill>
-                  <a:srgbClr val="9876AA"/>
-                </a:solidFill>
-              </a:rPr>
-              <a:t>glUniformName</a:t>
-            </a:r>
-            <a:r>
-              <a:rPr lang="en-US" dirty="0">
-                <a:solidFill>
-                  <a:srgbClr val="9876AA"/>
-                </a:solidFill>
-              </a:rPr>
-              <a:t> </a:t>
-            </a:r>
-            <a:r>
-              <a:rPr lang="en-US" dirty="0"/>
-              <a:t>= </a:t>
-            </a:r>
-            <a:r>
-              <a:rPr lang="en-US" i="1" dirty="0" err="1"/>
-              <a:t>glGetUniformLocation</a:t>
-            </a:r>
-            <a:r>
-              <a:rPr lang="en-US" dirty="0"/>
-              <a:t>(</a:t>
-            </a:r>
-            <a:r>
-              <a:rPr lang="en-US" dirty="0" err="1">
-                <a:solidFill>
-                  <a:srgbClr val="9876AA"/>
-                </a:solidFill>
-              </a:rPr>
-              <a:t>glShaderProgramName</a:t>
-            </a:r>
-            <a:r>
-              <a:rPr lang="en-US" dirty="0">
-                <a:solidFill>
-                  <a:srgbClr val="CC7832"/>
-                </a:solidFill>
-              </a:rPr>
-              <a:t>, </a:t>
-            </a:r>
-            <a:r>
-              <a:rPr lang="en-US" dirty="0"/>
-              <a:t>name)</a:t>
-            </a:r>
-            <a:r>
-              <a:rPr lang="en-US" dirty="0">
-                <a:solidFill>
-                  <a:srgbClr val="CC7832"/>
-                </a:solidFill>
-              </a:rPr>
-              <a:t>;</a:t>
-            </a:r>
-            <a:br>
-              <a:rPr lang="en-US" dirty="0">
-                <a:solidFill>
-                  <a:srgbClr val="CC7832"/>
-                </a:solidFill>
-              </a:rPr>
-            </a:br>
-            <a:br>
-              <a:rPr lang="en-US" dirty="0">
-                <a:solidFill>
-                  <a:srgbClr val="CC7832"/>
-                </a:solidFill>
-              </a:rPr>
-            </a:br>
-            <a:r>
-              <a:rPr lang="en-US" dirty="0">
-                <a:solidFill>
-                  <a:srgbClr val="CC7832"/>
-                </a:solidFill>
-              </a:rPr>
-              <a:t>try </a:t>
-            </a:r>
-            <a:r>
-              <a:rPr lang="en-US" dirty="0"/>
-              <a:t>(</a:t>
-            </a:r>
-            <a:r>
-              <a:rPr lang="en-US" dirty="0" err="1"/>
-              <a:t>MemoryStack</a:t>
-            </a:r>
-            <a:r>
-              <a:rPr lang="en-US" dirty="0"/>
-              <a:t> stack = </a:t>
-            </a:r>
-            <a:r>
-              <a:rPr lang="en-US" dirty="0" err="1"/>
-              <a:t>MemoryStack.</a:t>
-            </a:r>
-            <a:r>
-              <a:rPr lang="en-US" i="1" dirty="0" err="1"/>
-              <a:t>stackPush</a:t>
-            </a:r>
-            <a:r>
-              <a:rPr lang="en-US" dirty="0"/>
-              <a:t>()) {</a:t>
-            </a:r>
-            <a:br>
-              <a:rPr lang="en-US" dirty="0"/>
-            </a:br>
-            <a:r>
-              <a:rPr lang="en-US" dirty="0"/>
-              <a:t>  </a:t>
-            </a:r>
-            <a:r>
-              <a:rPr lang="en-US" dirty="0" err="1"/>
-              <a:t>FloatBuffer</a:t>
-            </a:r>
-            <a:r>
-              <a:rPr lang="en-US" dirty="0"/>
-              <a:t> fb = </a:t>
-            </a:r>
-            <a:r>
-              <a:rPr lang="en-US" dirty="0" err="1"/>
-              <a:t>stack.mallocFloat</a:t>
-            </a:r>
-            <a:r>
-              <a:rPr lang="en-US" dirty="0"/>
-              <a:t>(</a:t>
-            </a:r>
-            <a:r>
-              <a:rPr lang="en-US" dirty="0">
-                <a:solidFill>
-                  <a:srgbClr val="6897BB"/>
-                </a:solidFill>
-              </a:rPr>
-              <a:t>16</a:t>
-            </a:r>
-            <a:r>
-              <a:rPr lang="en-US" dirty="0"/>
-              <a:t>)</a:t>
-            </a:r>
-            <a:r>
-              <a:rPr lang="en-US" dirty="0">
-                <a:solidFill>
-                  <a:srgbClr val="CC7832"/>
-                </a:solidFill>
-              </a:rPr>
-              <a:t>;</a:t>
-            </a:r>
-            <a:br>
-              <a:rPr lang="en-US" dirty="0">
-                <a:solidFill>
-                  <a:srgbClr val="CC7832"/>
-                </a:solidFill>
-              </a:rPr>
-            </a:br>
-            <a:r>
-              <a:rPr lang="en-US" dirty="0">
-                <a:solidFill>
-                  <a:srgbClr val="CC7832"/>
-                </a:solidFill>
-              </a:rPr>
-              <a:t>  </a:t>
-            </a:r>
-            <a:r>
-              <a:rPr lang="en-US" dirty="0" err="1"/>
-              <a:t>matrix.get</a:t>
-            </a:r>
-            <a:r>
-              <a:rPr lang="en-US" dirty="0"/>
-              <a:t>(fb)</a:t>
-            </a:r>
-            <a:r>
-              <a:rPr lang="en-US" dirty="0">
-                <a:solidFill>
-                  <a:srgbClr val="CC7832"/>
-                </a:solidFill>
-              </a:rPr>
-              <a:t>;</a:t>
-            </a:r>
-            <a:br>
-              <a:rPr lang="en-US" dirty="0">
-                <a:solidFill>
-                  <a:srgbClr val="CC7832"/>
-                </a:solidFill>
-              </a:rPr>
-            </a:br>
-            <a:r>
-              <a:rPr lang="en-US" dirty="0">
-                <a:solidFill>
-                  <a:srgbClr val="CC7832"/>
-                </a:solidFill>
-              </a:rPr>
-              <a:t>  </a:t>
-            </a:r>
-            <a:br>
-              <a:rPr lang="en-US" dirty="0">
-                <a:solidFill>
-                  <a:srgbClr val="CC7832"/>
-                </a:solidFill>
-              </a:rPr>
-            </a:br>
-            <a:r>
-              <a:rPr lang="en-US" dirty="0">
-                <a:solidFill>
-                  <a:srgbClr val="CC7832"/>
-                </a:solidFill>
-              </a:rPr>
-              <a:t>  </a:t>
-            </a:r>
-            <a:r>
-              <a:rPr lang="en-US" dirty="0">
-                <a:solidFill>
-                  <a:srgbClr val="808080"/>
-                </a:solidFill>
-              </a:rPr>
-              <a:t>// Send the data to OpenGL</a:t>
-            </a:r>
-            <a:br>
-              <a:rPr lang="en-US" dirty="0">
-                <a:solidFill>
-                  <a:srgbClr val="808080"/>
-                </a:solidFill>
-              </a:rPr>
-            </a:br>
-            <a:r>
-              <a:rPr lang="en-US" dirty="0">
-                <a:solidFill>
-                  <a:srgbClr val="808080"/>
-                </a:solidFill>
-              </a:rPr>
-              <a:t>  </a:t>
-            </a:r>
-            <a:r>
-              <a:rPr lang="en-US" i="1" dirty="0"/>
-              <a:t>glUniformMatrix4fv</a:t>
-            </a:r>
-            <a:r>
-              <a:rPr lang="en-US" dirty="0"/>
-              <a:t>(</a:t>
-            </a:r>
-            <a:r>
-              <a:rPr lang="en-US" dirty="0" err="1">
-                <a:solidFill>
-                  <a:srgbClr val="9876AA"/>
-                </a:solidFill>
-              </a:rPr>
-              <a:t>glUniformName</a:t>
-            </a:r>
-            <a:r>
-              <a:rPr lang="en-US" dirty="0">
-                <a:solidFill>
-                  <a:srgbClr val="CC7832"/>
-                </a:solidFill>
-              </a:rPr>
-              <a:t>, false, </a:t>
-            </a:r>
-            <a:r>
-              <a:rPr lang="en-US" dirty="0"/>
-              <a:t>fb)</a:t>
-            </a:r>
-            <a:r>
-              <a:rPr lang="en-US" dirty="0">
-                <a:solidFill>
-                  <a:srgbClr val="CC7832"/>
-                </a:solidFill>
-              </a:rPr>
-              <a:t>;</a:t>
-            </a:r>
-            <a:br>
-              <a:rPr lang="en-US" dirty="0">
-                <a:solidFill>
-                  <a:srgbClr val="CC7832"/>
-                </a:solidFill>
-              </a:rPr>
-            </a:br>
-            <a:r>
-              <a:rPr lang="en-US" dirty="0"/>
-              <a:t>}</a:t>
-            </a:r>
-          </a:p>
-        </p:txBody>
-      </p:sp>
-      <p:sp>
-        <p:nvSpPr>
-          <p:cNvPr id="4" name="Title 3">
-            <a:extLst>
-              <a:ext uri="{FF2B5EF4-FFF2-40B4-BE49-F238E27FC236}">
-                <a16:creationId xmlns:a16="http://schemas.microsoft.com/office/drawing/2014/main" id="{34CB1FE5-58FD-194C-8023-EA288F31801E}"/>
-              </a:ext>
-            </a:extLst>
-          </p:cNvPr>
-          <p:cNvSpPr>
-            <a:spLocks noGrp="1"/>
-          </p:cNvSpPr>
-          <p:nvPr>
-            <p:ph type="title"/>
-          </p:nvPr>
-        </p:nvSpPr>
-        <p:spPr/>
-        <p:txBody>
-          <a:bodyPr/>
-          <a:lstStyle/>
-          <a:p>
-            <a:r>
-              <a:rPr lang="en-US" dirty="0"/>
-              <a:t>Setting a Uniform</a:t>
-            </a:r>
-          </a:p>
-        </p:txBody>
-      </p:sp>
     </p:spTree>
     <p:extLst>
       <p:ext uri="{BB962C8B-B14F-4D97-AF65-F5344CB8AC3E}">
-        <p14:creationId xmlns:p14="http://schemas.microsoft.com/office/powerpoint/2010/main" val="1795969699"/>
+        <p14:creationId xmlns:p14="http://schemas.microsoft.com/office/powerpoint/2010/main" val="2828961191"/>
       </p:ext>
     </p:extLst>
   </p:cSld>
@@ -15097,7 +14483,7 @@
           <p:cNvPr id="2" name="Slide Number Placeholder 1">
             <a:extLst>
               <a:ext uri="{FF2B5EF4-FFF2-40B4-BE49-F238E27FC236}">
-                <a16:creationId xmlns:a16="http://schemas.microsoft.com/office/drawing/2014/main" id="{855618E4-8666-3347-8914-D8D4C80DD6E3}"/>
+                <a16:creationId xmlns:a16="http://schemas.microsoft.com/office/drawing/2014/main" id="{005E7630-CECD-2842-AEBA-20A6B53E11CF}"/>
               </a:ext>
             </a:extLst>
           </p:cNvPr>
@@ -15127,7 +14513,7 @@
           <p:cNvPr id="3" name="Content Placeholder 2">
             <a:extLst>
               <a:ext uri="{FF2B5EF4-FFF2-40B4-BE49-F238E27FC236}">
-                <a16:creationId xmlns:a16="http://schemas.microsoft.com/office/drawing/2014/main" id="{A9EC649C-4BAA-A948-9269-AE081759009F}"/>
+                <a16:creationId xmlns:a16="http://schemas.microsoft.com/office/drawing/2014/main" id="{27DC12C0-C806-DB45-AABB-6537EB375CF4}"/>
               </a:ext>
             </a:extLst>
           </p:cNvPr>
@@ -15146,64 +14532,122 @@
             <a:r>
               <a:rPr lang="en-US" dirty="0">
                 <a:solidFill>
-                  <a:srgbClr val="BBB529"/>
-                </a:solidFill>
-              </a:rPr>
-              <a:t>#version</a:t>
-            </a:r>
-            <a:r>
-              <a:rPr lang="en-US" dirty="0"/>
-              <a:t> 330 core</a:t>
+                  <a:srgbClr val="808080"/>
+                </a:solidFill>
+              </a:rPr>
+              <a:t>// Create a 4x4 identity matrix of floats</a:t>
             </a:r>
             <a:br>
-              <a:rPr lang="en-US" dirty="0"/>
+              <a:rPr lang="en-US" dirty="0">
+                <a:solidFill>
+                  <a:srgbClr val="808080"/>
+                </a:solidFill>
+              </a:rPr>
+            </a:br>
+            <a:r>
+              <a:rPr lang="en-US" dirty="0" err="1">
+                <a:solidFill>
+                  <a:srgbClr val="CC7832"/>
+                </a:solidFill>
+              </a:rPr>
+              <a:t>var</a:t>
+            </a:r>
+            <a:r>
+              <a:rPr lang="en-US" dirty="0">
+                <a:solidFill>
+                  <a:srgbClr val="CC7832"/>
+                </a:solidFill>
+              </a:rPr>
+              <a:t> </a:t>
+            </a:r>
+            <a:r>
+              <a:rPr lang="en-US" dirty="0"/>
+              <a:t>matrix = </a:t>
+            </a:r>
+            <a:r>
+              <a:rPr lang="en-US" dirty="0">
+                <a:solidFill>
+                  <a:srgbClr val="CC7832"/>
+                </a:solidFill>
+              </a:rPr>
+              <a:t>new </a:t>
+            </a:r>
+            <a:r>
+              <a:rPr lang="en-US" dirty="0"/>
+              <a:t>Matrix4f()</a:t>
+            </a:r>
+            <a:r>
+              <a:rPr lang="en-US" dirty="0">
+                <a:solidFill>
+                  <a:srgbClr val="CC7832"/>
+                </a:solidFill>
+              </a:rPr>
+              <a:t>;</a:t>
+            </a:r>
+            <a:br>
+              <a:rPr lang="en-US" dirty="0">
+                <a:solidFill>
+                  <a:srgbClr val="CC7832"/>
+                </a:solidFill>
+              </a:rPr>
             </a:br>
             <a:br>
-              <a:rPr lang="en-US" dirty="0"/>
+              <a:rPr lang="en-US" dirty="0">
+                <a:solidFill>
+                  <a:srgbClr val="CC7832"/>
+                </a:solidFill>
+              </a:rPr>
             </a:br>
             <a:r>
-              <a:rPr lang="en-US" b="1" dirty="0">
-                <a:solidFill>
-                  <a:srgbClr val="0080FF"/>
-                </a:solidFill>
-              </a:rPr>
-              <a:t>layout </a:t>
-            </a:r>
-            <a:r>
-              <a:rPr lang="en-US" dirty="0"/>
-              <a:t>(location = </a:t>
-            </a:r>
-            <a:r>
-              <a:rPr lang="en-US" dirty="0">
-                <a:solidFill>
-                  <a:srgbClr val="6897BB"/>
-                </a:solidFill>
-              </a:rPr>
-              <a:t>0</a:t>
-            </a:r>
-            <a:r>
-              <a:rPr lang="en-US" dirty="0"/>
-              <a:t>) </a:t>
-            </a:r>
-            <a:r>
-              <a:rPr lang="en-US" b="1" dirty="0">
-                <a:solidFill>
-                  <a:srgbClr val="0080FF"/>
-                </a:solidFill>
-              </a:rPr>
-              <a:t>in </a:t>
-            </a:r>
-            <a:r>
-              <a:rPr lang="en-US" b="1" dirty="0">
-                <a:solidFill>
-                  <a:srgbClr val="008080"/>
-                </a:solidFill>
-              </a:rPr>
-              <a:t>vec3 </a:t>
-            </a:r>
-            <a:r>
-              <a:rPr lang="en-US" dirty="0"/>
-              <a:t>position</a:t>
+              <a:rPr lang="en-US" dirty="0">
+                <a:solidFill>
+                  <a:srgbClr val="808080"/>
+                </a:solidFill>
+              </a:rPr>
+              <a:t>// Get the location of the uniform in the shader program</a:t>
+            </a:r>
+            <a:br>
+              <a:rPr lang="en-US" dirty="0">
+                <a:solidFill>
+                  <a:srgbClr val="808080"/>
+                </a:solidFill>
+              </a:rPr>
+            </a:br>
+            <a:r>
+              <a:rPr lang="en-US" dirty="0" err="1">
+                <a:solidFill>
+                  <a:srgbClr val="9876AA"/>
+                </a:solidFill>
+              </a:rPr>
+              <a:t>glUniformName</a:t>
+            </a:r>
+            <a:r>
+              <a:rPr lang="en-US" dirty="0">
+                <a:solidFill>
+                  <a:srgbClr val="9876AA"/>
+                </a:solidFill>
+              </a:rPr>
+              <a:t> </a:t>
+            </a:r>
+            <a:r>
+              <a:rPr lang="en-US" dirty="0"/>
+              <a:t>= </a:t>
+            </a:r>
+            <a:r>
+              <a:rPr lang="en-US" i="1" dirty="0" err="1"/>
+              <a:t>glGetUniformLocation</a:t>
+            </a:r>
+            <a:r>
+              <a:rPr lang="en-US" dirty="0"/>
+              <a:t>(</a:t>
+            </a:r>
+            <a:r>
+              <a:rPr lang="en-US" dirty="0" err="1">
+                <a:solidFill>
+                  <a:srgbClr val="9876AA"/>
+                </a:solidFill>
+              </a:rPr>
+              <a:t>glShaderProgramName</a:t>
             </a:r>
             <a:r>
               <a:rPr lang="en-US" dirty="0">
@@ -15211,58 +14655,11 @@
                   <a:srgbClr val="CC7832"/>
                 </a:solidFill>
               </a:rPr>
-              <a:t>;</a:t>
-            </a:r>
-            <a:br>
-              <a:rPr lang="en-US" dirty="0">
-                <a:solidFill>
-                  <a:srgbClr val="CC7832"/>
-                </a:solidFill>
-              </a:rPr>
-            </a:br>
-            <a:r>
-              <a:rPr lang="en-US" b="1" dirty="0">
-                <a:solidFill>
-                  <a:srgbClr val="0080FF"/>
-                </a:solidFill>
-              </a:rPr>
-              <a:t>layout </a:t>
-            </a:r>
-            <a:r>
-              <a:rPr lang="en-US" dirty="0"/>
-              <a:t>(location = </a:t>
-            </a:r>
-            <a:r>
-              <a:rPr lang="en-US" dirty="0">
-                <a:solidFill>
-                  <a:srgbClr val="6897BB"/>
-                </a:solidFill>
-              </a:rPr>
-              <a:t>1</a:t>
-            </a:r>
-            <a:r>
-              <a:rPr lang="en-US" dirty="0"/>
-              <a:t>) </a:t>
-            </a:r>
-            <a:r>
-              <a:rPr lang="en-US" b="1" dirty="0">
-                <a:solidFill>
-                  <a:srgbClr val="0080FF"/>
-                </a:solidFill>
-              </a:rPr>
-              <a:t>in </a:t>
-            </a:r>
-            <a:r>
-              <a:rPr lang="en-US" b="1" dirty="0">
-                <a:solidFill>
-                  <a:srgbClr val="008080"/>
-                </a:solidFill>
-              </a:rPr>
-              <a:t>vec4 </a:t>
-            </a:r>
-            <a:r>
-              <a:rPr lang="en-US" dirty="0" err="1"/>
-              <a:t>inColor</a:t>
+              <a:t>, </a:t>
+            </a:r>
+            <a:r>
+              <a:rPr lang="en-US" dirty="0"/>
+              <a:t>name)</a:t>
             </a:r>
             <a:r>
               <a:rPr lang="en-US" dirty="0">
@@ -15287,31 +14684,78 @@
               </a:rPr>
             </a:br>
             <a:r>
-              <a:rPr lang="en-US" b="1" dirty="0">
-                <a:solidFill>
-                  <a:srgbClr val="0080FF"/>
-                </a:solidFill>
-              </a:rPr>
-              <a:t>out </a:t>
-            </a:r>
-            <a:r>
-              <a:rPr lang="en-US" b="1" dirty="0">
-                <a:solidFill>
-                  <a:srgbClr val="008080"/>
-                </a:solidFill>
-              </a:rPr>
-              <a:t>vec4 </a:t>
-            </a:r>
-            <a:r>
-              <a:rPr lang="en-US" dirty="0"/>
-              <a:t>color</a:t>
-            </a:r>
-            <a:r>
               <a:rPr lang="en-US" dirty="0">
                 <a:solidFill>
                   <a:srgbClr val="CC7832"/>
                 </a:solidFill>
               </a:rPr>
+              <a:t>try </a:t>
+            </a:r>
+            <a:r>
+              <a:rPr lang="en-US" dirty="0"/>
+              <a:t>(</a:t>
+            </a:r>
+            <a:r>
+              <a:rPr lang="en-US" dirty="0" err="1"/>
+              <a:t>MemoryStack</a:t>
+            </a:r>
+            <a:r>
+              <a:rPr lang="en-US" dirty="0"/>
+              <a:t> stack = </a:t>
+            </a:r>
+            <a:r>
+              <a:rPr lang="en-US" dirty="0" err="1"/>
+              <a:t>MemoryStack.</a:t>
+            </a:r>
+            <a:r>
+              <a:rPr lang="en-US" i="1" dirty="0" err="1"/>
+              <a:t>stackPush</a:t>
+            </a:r>
+            <a:r>
+              <a:rPr lang="en-US" dirty="0"/>
+              <a:t>()) {</a:t>
+            </a:r>
+            <a:br>
+              <a:rPr lang="en-US" dirty="0"/>
+            </a:br>
+            <a:r>
+              <a:rPr lang="en-US" dirty="0"/>
+              <a:t>  </a:t>
+            </a:r>
+            <a:r>
+              <a:rPr lang="en-US" dirty="0" err="1"/>
+              <a:t>FloatBuffer</a:t>
+            </a:r>
+            <a:r>
+              <a:rPr lang="en-US" dirty="0"/>
+              <a:t> fb = </a:t>
+            </a:r>
+            <a:r>
+              <a:rPr lang="en-US" dirty="0" err="1"/>
+              <a:t>stack.mallocFloat</a:t>
+            </a:r>
+            <a:r>
+              <a:rPr lang="en-US" dirty="0"/>
+              <a:t>(</a:t>
+            </a:r>
+            <a:r>
+              <a:rPr lang="en-US" dirty="0">
+                <a:solidFill>
+                  <a:srgbClr val="6897BB"/>
+                </a:solidFill>
+              </a:rPr>
+              <a:t>16</a:t>
+            </a:r>
+            <a:r>
+              <a:rPr lang="en-US" dirty="0"/>
+              <a:t>)</a:t>
+            </a:r>
+            <a:r>
+              <a:rPr lang="en-US" dirty="0">
+                <a:solidFill>
+                  <a:srgbClr val="CC7832"/>
+                </a:solidFill>
+              </a:rPr>
               <a:t>;</a:t>
             </a:r>
             <a:br>
@@ -15321,6 +14765,30 @@
                 </a:solidFill>
               </a:rPr>
             </a:br>
+            <a:r>
+              <a:rPr lang="en-US" dirty="0">
+                <a:solidFill>
+                  <a:srgbClr val="CC7832"/>
+                </a:solidFill>
+              </a:rPr>
+              <a:t>  </a:t>
+            </a:r>
+            <a:r>
+              <a:rPr lang="en-US" dirty="0" err="1"/>
+              <a:t>matrix.get</a:t>
+            </a:r>
+            <a:r>
+              <a:rPr lang="en-US" dirty="0"/>
+              <a:t>(fb)</a:t>
+            </a:r>
+            <a:r>
+              <a:rPr lang="en-US" dirty="0">
+                <a:solidFill>
+                  <a:srgbClr val="CC7832"/>
+                </a:solidFill>
+              </a:rPr>
+              <a:t>;</a:t>
+            </a:r>
             <a:br>
               <a:rPr lang="en-US" dirty="0">
                 <a:solidFill>
@@ -15329,31 +14797,85 @@
               </a:rPr>
             </a:br>
             <a:r>
-              <a:rPr lang="en-US" b="1" dirty="0">
-                <a:solidFill>
-                  <a:srgbClr val="0080FF"/>
-                </a:solidFill>
-              </a:rPr>
-              <a:t>uniform </a:t>
-            </a:r>
-            <a:r>
-              <a:rPr lang="en-US" b="1" dirty="0">
-                <a:solidFill>
-                  <a:srgbClr val="008080"/>
-                </a:solidFill>
-              </a:rPr>
-              <a:t>mat4 </a:t>
-            </a:r>
-            <a:r>
-              <a:rPr lang="en-US" dirty="0" err="1"/>
-              <a:t>projectionMatrix</a:t>
-            </a:r>
-            <a:r>
               <a:rPr lang="en-US" dirty="0">
                 <a:solidFill>
                   <a:srgbClr val="CC7832"/>
                 </a:solidFill>
               </a:rPr>
+              <a:t>  </a:t>
+            </a:r>
+            <a:br>
+              <a:rPr lang="en-US" dirty="0">
+                <a:solidFill>
+                  <a:srgbClr val="CC7832"/>
+                </a:solidFill>
+              </a:rPr>
+            </a:br>
+            <a:r>
+              <a:rPr lang="en-US" dirty="0">
+                <a:solidFill>
+                  <a:srgbClr val="CC7832"/>
+                </a:solidFill>
+              </a:rPr>
+              <a:t>  </a:t>
+            </a:r>
+            <a:r>
+              <a:rPr lang="en-US" dirty="0">
+                <a:solidFill>
+                  <a:srgbClr val="808080"/>
+                </a:solidFill>
+              </a:rPr>
+              <a:t>// Send the data to OpenGL</a:t>
+            </a:r>
+            <a:br>
+              <a:rPr lang="en-US" dirty="0">
+                <a:solidFill>
+                  <a:srgbClr val="808080"/>
+                </a:solidFill>
+              </a:rPr>
+            </a:br>
+            <a:r>
+              <a:rPr lang="en-US" dirty="0">
+                <a:solidFill>
+                  <a:srgbClr val="808080"/>
+                </a:solidFill>
+              </a:rPr>
+              <a:t>  </a:t>
+            </a:r>
+            <a:r>
+              <a:rPr lang="en-US" i="1" dirty="0"/>
+              <a:t>glUniformMatrix4fv</a:t>
+            </a:r>
+            <a:r>
+              <a:rPr lang="en-US" dirty="0"/>
+              <a:t>(</a:t>
+            </a:r>
+            <a:r>
+              <a:rPr lang="en-US" dirty="0" err="1">
+                <a:solidFill>
+                  <a:srgbClr val="9876AA"/>
+                </a:solidFill>
+              </a:rPr>
+              <a:t>glUniformName</a:t>
+            </a:r>
+            <a:r>
+              <a:rPr lang="en-US" dirty="0">
+                <a:solidFill>
+                  <a:srgbClr val="CC7832"/>
+                </a:solidFill>
+              </a:rPr>
+              <a:t>, false, </a:t>
+            </a:r>
+            <a:r>
+              <a:rPr lang="en-US" dirty="0"/>
+              <a:t>fb)</a:t>
+            </a:r>
+            <a:r>
+              <a:rPr lang="en-US" dirty="0">
+                <a:solidFill>
+                  <a:srgbClr val="CC7832"/>
+                </a:solidFill>
+              </a:rPr>
               <a:t>;</a:t>
             </a:r>
             <a:br>
@@ -15364,169 +14886,6 @@
               </a:rPr>
             </a:br>
             <a:r>
-              <a:rPr lang="en-US" b="1" dirty="0">
-                <a:solidFill>
-                  <a:srgbClr val="0080FF"/>
-                </a:solidFill>
-              </a:rPr>
-              <a:t>uniform </a:t>
-            </a:r>
-            <a:r>
-              <a:rPr lang="en-US" b="1" dirty="0">
-                <a:solidFill>
-                  <a:srgbClr val="008080"/>
-                </a:solidFill>
-              </a:rPr>
-              <a:t>mat4 </a:t>
-            </a:r>
-            <a:r>
-              <a:rPr lang="en-US" dirty="0" err="1"/>
-              <a:t>modelMatrix</a:t>
-            </a:r>
-            <a:r>
-              <a:rPr lang="en-US" dirty="0">
-                <a:solidFill>
-                  <a:srgbClr val="CC7832"/>
-                </a:solidFill>
-              </a:rPr>
-              <a:t>;</a:t>
-            </a:r>
-            <a:br>
-              <a:rPr lang="en-US" dirty="0">
-                <a:solidFill>
-                  <a:srgbClr val="CC7832"/>
-                </a:solidFill>
-              </a:rPr>
-            </a:br>
-            <a:br>
-              <a:rPr lang="en-US" dirty="0">
-                <a:solidFill>
-                  <a:srgbClr val="CC7832"/>
-                </a:solidFill>
-              </a:rPr>
-            </a:br>
-            <a:r>
-              <a:rPr lang="en-US" b="1" dirty="0">
-                <a:solidFill>
-                  <a:srgbClr val="008080"/>
-                </a:solidFill>
-              </a:rPr>
-              <a:t>void </a:t>
-            </a:r>
-            <a:r>
-              <a:rPr lang="en-US" dirty="0"/>
-              <a:t>main() {</a:t>
-            </a:r>
-            <a:br>
-              <a:rPr lang="en-US" dirty="0"/>
-            </a:br>
-            <a:r>
-              <a:rPr lang="en-US" dirty="0"/>
-              <a:t>    </a:t>
-            </a:r>
-            <a:r>
-              <a:rPr lang="en-US" dirty="0" err="1"/>
-              <a:t>gl_Position</a:t>
-            </a:r>
-            <a:r>
-              <a:rPr lang="en-US" dirty="0"/>
-              <a:t> = </a:t>
-            </a:r>
-            <a:r>
-              <a:rPr lang="en-US" dirty="0" err="1"/>
-              <a:t>projectionMatrix</a:t>
-            </a:r>
-            <a:r>
-              <a:rPr lang="en-US" dirty="0"/>
-              <a:t> * </a:t>
-            </a:r>
-            <a:r>
-              <a:rPr lang="en-US" dirty="0" err="1"/>
-              <a:t>modelMatrix</a:t>
-            </a:r>
-            <a:r>
-              <a:rPr lang="en-US" dirty="0"/>
-              <a:t> * </a:t>
-            </a:r>
-            <a:r>
-              <a:rPr lang="en-US" b="1" dirty="0">
-                <a:solidFill>
-                  <a:srgbClr val="008080"/>
-                </a:solidFill>
-              </a:rPr>
-              <a:t>vec4</a:t>
-            </a:r>
-            <a:r>
-              <a:rPr lang="en-US" dirty="0"/>
-              <a:t>(position</a:t>
-            </a:r>
-            <a:r>
-              <a:rPr lang="en-US" dirty="0">
-                <a:solidFill>
-                  <a:srgbClr val="CC7832"/>
-                </a:solidFill>
-              </a:rPr>
-              <a:t>, </a:t>
-            </a:r>
-            <a:r>
-              <a:rPr lang="en-US" dirty="0">
-                <a:solidFill>
-                  <a:srgbClr val="6897BB"/>
-                </a:solidFill>
-              </a:rPr>
-              <a:t>1.0</a:t>
-            </a:r>
-            <a:r>
-              <a:rPr lang="en-US" dirty="0"/>
-              <a:t>)</a:t>
-            </a:r>
-            <a:r>
-              <a:rPr lang="en-US" dirty="0">
-                <a:solidFill>
-                  <a:srgbClr val="CC7832"/>
-                </a:solidFill>
-              </a:rPr>
-              <a:t>;</a:t>
-            </a:r>
-            <a:br>
-              <a:rPr lang="en-US" dirty="0">
-                <a:solidFill>
-                  <a:srgbClr val="CC7832"/>
-                </a:solidFill>
-              </a:rPr>
-            </a:br>
-            <a:r>
-              <a:rPr lang="en-US" dirty="0">
-                <a:solidFill>
-                  <a:srgbClr val="CC7832"/>
-                </a:solidFill>
-              </a:rPr>
-              <a:t>    </a:t>
-            </a:r>
-            <a:r>
-              <a:rPr lang="en-US" dirty="0"/>
-              <a:t>color = </a:t>
-            </a:r>
-            <a:r>
-              <a:rPr lang="en-US" dirty="0" err="1"/>
-              <a:t>inColor</a:t>
-            </a:r>
-            <a:r>
-              <a:rPr lang="en-US" dirty="0">
-                <a:solidFill>
-                  <a:srgbClr val="CC7832"/>
-                </a:solidFill>
-              </a:rPr>
-              <a:t>;</a:t>
-            </a:r>
-            <a:br>
-              <a:rPr lang="en-US" dirty="0">
-                <a:solidFill>
-                  <a:srgbClr val="CC7832"/>
-                </a:solidFill>
-              </a:rPr>
-            </a:br>
-            <a:r>
               <a:rPr lang="en-US" dirty="0"/>
               <a:t>}</a:t>
             </a:r>
@@ -15538,7 +14897,7 @@
           <p:cNvPr id="4" name="Title 3">
             <a:extLst>
               <a:ext uri="{FF2B5EF4-FFF2-40B4-BE49-F238E27FC236}">
-                <a16:creationId xmlns:a16="http://schemas.microsoft.com/office/drawing/2014/main" id="{4D71C020-AFFA-4F47-A654-214EA309CBF1}"/>
+                <a16:creationId xmlns:a16="http://schemas.microsoft.com/office/drawing/2014/main" id="{34CB1FE5-58FD-194C-8023-EA288F31801E}"/>
               </a:ext>
             </a:extLst>
           </p:cNvPr>
@@ -15556,7 +14915,7 @@
           <a:p>
             <a:r>
               <a:rPr lang="en-US" dirty="0"/>
-              <a:t>Using a Uniform</a:t>
+              <a:t>Setting a Uniform</a:t>
             </a:r>
           </a:p>
         </p:txBody>
@@ -15564,7 +14923,7 @@
     </p:spTree>
     <p:extLst>
       <p:ext uri="{BB962C8B-B14F-4D97-AF65-F5344CB8AC3E}">
-        <p14:creationId xmlns:p14="http://schemas.microsoft.com/office/powerpoint/2010/main" val="71751584"/>
+        <p14:creationId xmlns:p14="http://schemas.microsoft.com/office/powerpoint/2010/main" val="1795969699"/>
       </p:ext>
     </p:extLst>
   </p:cSld>
@@ -15593,67 +14952,10 @@
       </p:grpSpPr>
       <p:sp>
         <p:nvSpPr>
-          <p:cNvPr id="5" name="Title 4">
-            <a:extLst>
-              <a:ext uri="{FF2B5EF4-FFF2-40B4-BE49-F238E27FC236}">
-                <a16:creationId xmlns:a16="http://schemas.microsoft.com/office/drawing/2014/main" id="{FE650937-0CB9-C146-B2CB-31D284A8F669}"/>
-              </a:ext>
-            </a:extLst>
-          </p:cNvPr>
-          <p:cNvSpPr>
-            <a:spLocks noGrp="1"/>
-          </p:cNvSpPr>
-          <p:nvPr>
-            <p:ph type="title"/>
-          </p:nvPr>
-        </p:nvSpPr>
-        <p:spPr/>
-        <p:txBody>
-          <a:bodyPr/>
-          <a:lstStyle/>
-          <a:p>
-            <a:r>
-              <a:rPr lang="en-US" dirty="0"/>
-              <a:t>Textures</a:t>
-            </a:r>
-          </a:p>
-        </p:txBody>
-      </p:sp>
-      <p:pic>
-        <p:nvPicPr>
-          <p:cNvPr id="10" name="Content Placeholder 9">
-            <a:extLst>
-              <a:ext uri="{FF2B5EF4-FFF2-40B4-BE49-F238E27FC236}">
-                <a16:creationId xmlns:a16="http://schemas.microsoft.com/office/drawing/2014/main" id="{4ED79CEC-E7BA-0944-AAAE-0030E88CD060}"/>
-              </a:ext>
-            </a:extLst>
-          </p:cNvPr>
-          <p:cNvPicPr>
-            <a:picLocks noGrp="1" noChangeAspect="1"/>
-          </p:cNvPicPr>
-          <p:nvPr>
-            <p:ph idx="1"/>
-          </p:nvPr>
-        </p:nvPicPr>
-        <p:blipFill>
-          <a:blip r:embed="rId3"/>
-          <a:stretch>
-            <a:fillRect/>
-          </a:stretch>
-        </p:blipFill>
-        <p:spPr>
-          <a:xfrm>
-            <a:off x="1550721" y="2527159"/>
-            <a:ext cx="9090557" cy="1803682"/>
-          </a:xfrm>
-        </p:spPr>
-      </p:pic>
-      <p:sp>
-        <p:nvSpPr>
           <p:cNvPr id="2" name="Slide Number Placeholder 1">
             <a:extLst>
               <a:ext uri="{FF2B5EF4-FFF2-40B4-BE49-F238E27FC236}">
-                <a16:creationId xmlns:a16="http://schemas.microsoft.com/office/drawing/2014/main" id="{F8EC99E1-2E46-E849-AF4F-BE778A01BE88}"/>
+                <a16:creationId xmlns:a16="http://schemas.microsoft.com/office/drawing/2014/main" id="{855618E4-8666-3347-8914-D8D4C80DD6E3}"/>
               </a:ext>
             </a:extLst>
           </p:cNvPr>
@@ -15680,30 +14982,439 @@
       </p:sp>
       <p:sp>
         <p:nvSpPr>
-          <p:cNvPr id="11" name="Text Placeholder 10">
-            <a:extLst>
-              <a:ext uri="{FF2B5EF4-FFF2-40B4-BE49-F238E27FC236}">
-                <a16:creationId xmlns:a16="http://schemas.microsoft.com/office/drawing/2014/main" id="{E7FC6B94-CB51-A842-A86F-0676CC3C12FF}"/>
-              </a:ext>
-            </a:extLst>
-          </p:cNvPr>
-          <p:cNvSpPr>
-            <a:spLocks noGrp="1"/>
-          </p:cNvSpPr>
-          <p:nvPr>
-            <p:ph type="body" sz="quarter" idx="13"/>
-          </p:nvPr>
-        </p:nvSpPr>
-        <p:spPr/>
-        <p:txBody>
-          <a:bodyPr>
-            <a:normAutofit fontScale="92500" lnSpcReduction="20000"/>
-          </a:bodyPr>
-          <a:lstStyle/>
-          <a:p>
-            <a:r>
-              <a:rPr lang="en-US" dirty="0"/>
-              <a:t>[13]</a:t>
+          <p:cNvPr id="3" name="Content Placeholder 2">
+            <a:extLst>
+              <a:ext uri="{FF2B5EF4-FFF2-40B4-BE49-F238E27FC236}">
+                <a16:creationId xmlns:a16="http://schemas.microsoft.com/office/drawing/2014/main" id="{A9EC649C-4BAA-A948-9269-AE081759009F}"/>
+              </a:ext>
+            </a:extLst>
+          </p:cNvPr>
+          <p:cNvSpPr>
+            <a:spLocks noGrp="1"/>
+          </p:cNvSpPr>
+          <p:nvPr>
+            <p:ph sz="quarter" idx="13"/>
+          </p:nvPr>
+        </p:nvSpPr>
+        <p:spPr/>
+        <p:txBody>
+          <a:bodyPr/>
+          <a:lstStyle/>
+          <a:p>
+            <a:r>
+              <a:rPr lang="en-US" dirty="0">
+                <a:solidFill>
+                  <a:srgbClr val="BBB529"/>
+                </a:solidFill>
+              </a:rPr>
+              <a:t>#version</a:t>
+            </a:r>
+            <a:r>
+              <a:rPr lang="en-US" dirty="0"/>
+              <a:t> 330 core</a:t>
+            </a:r>
+            <a:br>
+              <a:rPr lang="en-US" dirty="0"/>
+            </a:br>
+            <a:br>
+              <a:rPr lang="en-US" dirty="0"/>
+            </a:br>
+            <a:r>
+              <a:rPr lang="en-US" b="1" dirty="0">
+                <a:solidFill>
+                  <a:srgbClr val="0080FF"/>
+                </a:solidFill>
+              </a:rPr>
+              <a:t>layout </a:t>
+            </a:r>
+            <a:r>
+              <a:rPr lang="en-US" dirty="0"/>
+              <a:t>(location = </a:t>
+            </a:r>
+            <a:r>
+              <a:rPr lang="en-US" dirty="0">
+                <a:solidFill>
+                  <a:srgbClr val="6897BB"/>
+                </a:solidFill>
+              </a:rPr>
+              <a:t>0</a:t>
+            </a:r>
+            <a:r>
+              <a:rPr lang="en-US" dirty="0"/>
+              <a:t>) </a:t>
+            </a:r>
+            <a:r>
+              <a:rPr lang="en-US" b="1" dirty="0">
+                <a:solidFill>
+                  <a:srgbClr val="0080FF"/>
+                </a:solidFill>
+              </a:rPr>
+              <a:t>in </a:t>
+            </a:r>
+            <a:r>
+              <a:rPr lang="en-US" b="1" dirty="0">
+                <a:solidFill>
+                  <a:srgbClr val="008080"/>
+                </a:solidFill>
+              </a:rPr>
+              <a:t>vec3 </a:t>
+            </a:r>
+            <a:r>
+              <a:rPr lang="en-US" dirty="0"/>
+              <a:t>position</a:t>
+            </a:r>
+            <a:r>
+              <a:rPr lang="en-US" dirty="0">
+                <a:solidFill>
+                  <a:srgbClr val="CC7832"/>
+                </a:solidFill>
+              </a:rPr>
+              <a:t>;</a:t>
+            </a:r>
+            <a:br>
+              <a:rPr lang="en-US" dirty="0">
+                <a:solidFill>
+                  <a:srgbClr val="CC7832"/>
+                </a:solidFill>
+              </a:rPr>
+            </a:br>
+            <a:r>
+              <a:rPr lang="en-US" b="1" dirty="0">
+                <a:solidFill>
+                  <a:srgbClr val="0080FF"/>
+                </a:solidFill>
+              </a:rPr>
+              <a:t>layout </a:t>
+            </a:r>
+            <a:r>
+              <a:rPr lang="en-US" dirty="0"/>
+              <a:t>(location = </a:t>
+            </a:r>
+            <a:r>
+              <a:rPr lang="en-US" dirty="0">
+                <a:solidFill>
+                  <a:srgbClr val="6897BB"/>
+                </a:solidFill>
+              </a:rPr>
+              <a:t>1</a:t>
+            </a:r>
+            <a:r>
+              <a:rPr lang="en-US" dirty="0"/>
+              <a:t>) </a:t>
+            </a:r>
+            <a:r>
+              <a:rPr lang="en-US" b="1" dirty="0">
+                <a:solidFill>
+                  <a:srgbClr val="0080FF"/>
+                </a:solidFill>
+              </a:rPr>
+              <a:t>in </a:t>
+            </a:r>
+            <a:r>
+              <a:rPr lang="en-US" b="1" dirty="0">
+                <a:solidFill>
+                  <a:srgbClr val="008080"/>
+                </a:solidFill>
+              </a:rPr>
+              <a:t>vec4 </a:t>
+            </a:r>
+            <a:r>
+              <a:rPr lang="en-US" dirty="0" err="1"/>
+              <a:t>inColor</a:t>
+            </a:r>
+            <a:r>
+              <a:rPr lang="en-US" dirty="0">
+                <a:solidFill>
+                  <a:srgbClr val="CC7832"/>
+                </a:solidFill>
+              </a:rPr>
+              <a:t>;</a:t>
+            </a:r>
+            <a:br>
+              <a:rPr lang="en-US" dirty="0">
+                <a:solidFill>
+                  <a:srgbClr val="CC7832"/>
+                </a:solidFill>
+              </a:rPr>
+            </a:br>
+            <a:br>
+              <a:rPr lang="en-US" dirty="0">
+                <a:solidFill>
+                  <a:srgbClr val="CC7832"/>
+                </a:solidFill>
+              </a:rPr>
+            </a:br>
+            <a:r>
+              <a:rPr lang="en-US" b="1" dirty="0">
+                <a:solidFill>
+                  <a:srgbClr val="0080FF"/>
+                </a:solidFill>
+              </a:rPr>
+              <a:t>out </a:t>
+            </a:r>
+            <a:r>
+              <a:rPr lang="en-US" b="1" dirty="0">
+                <a:solidFill>
+                  <a:srgbClr val="008080"/>
+                </a:solidFill>
+              </a:rPr>
+              <a:t>vec4 </a:t>
+            </a:r>
+            <a:r>
+              <a:rPr lang="en-US" dirty="0"/>
+              <a:t>color</a:t>
+            </a:r>
+            <a:r>
+              <a:rPr lang="en-US" dirty="0">
+                <a:solidFill>
+                  <a:srgbClr val="CC7832"/>
+                </a:solidFill>
+              </a:rPr>
+              <a:t>;</a:t>
+            </a:r>
+            <a:br>
+              <a:rPr lang="en-US" dirty="0">
+                <a:solidFill>
+                  <a:srgbClr val="CC7832"/>
+                </a:solidFill>
+              </a:rPr>
+            </a:br>
+            <a:br>
+              <a:rPr lang="en-US" dirty="0">
+                <a:solidFill>
+                  <a:srgbClr val="CC7832"/>
+                </a:solidFill>
+              </a:rPr>
+            </a:br>
+            <a:r>
+              <a:rPr lang="en-US" b="1" dirty="0">
+                <a:solidFill>
+                  <a:srgbClr val="0080FF"/>
+                </a:solidFill>
+              </a:rPr>
+              <a:t>uniform </a:t>
+            </a:r>
+            <a:r>
+              <a:rPr lang="en-US" b="1" dirty="0">
+                <a:solidFill>
+                  <a:srgbClr val="008080"/>
+                </a:solidFill>
+              </a:rPr>
+              <a:t>mat4 </a:t>
+            </a:r>
+            <a:r>
+              <a:rPr lang="en-US" dirty="0" err="1"/>
+              <a:t>projectionMatrix</a:t>
+            </a:r>
+            <a:r>
+              <a:rPr lang="en-US" dirty="0">
+                <a:solidFill>
+                  <a:srgbClr val="CC7832"/>
+                </a:solidFill>
+              </a:rPr>
+              <a:t>;</a:t>
+            </a:r>
+            <a:br>
+              <a:rPr lang="en-US" dirty="0">
+                <a:solidFill>
+                  <a:srgbClr val="CC7832"/>
+                </a:solidFill>
+              </a:rPr>
+            </a:br>
+            <a:r>
+              <a:rPr lang="en-US" b="1" dirty="0">
+                <a:solidFill>
+                  <a:srgbClr val="0080FF"/>
+                </a:solidFill>
+              </a:rPr>
+              <a:t>uniform </a:t>
+            </a:r>
+            <a:r>
+              <a:rPr lang="en-US" b="1" dirty="0">
+                <a:solidFill>
+                  <a:srgbClr val="008080"/>
+                </a:solidFill>
+              </a:rPr>
+              <a:t>mat4 </a:t>
+            </a:r>
+            <a:r>
+              <a:rPr lang="en-US" dirty="0" err="1"/>
+              <a:t>modelMatrix</a:t>
+            </a:r>
+            <a:r>
+              <a:rPr lang="en-US" dirty="0">
+                <a:solidFill>
+                  <a:srgbClr val="CC7832"/>
+                </a:solidFill>
+              </a:rPr>
+              <a:t>;</a:t>
+            </a:r>
+            <a:br>
+              <a:rPr lang="en-US" dirty="0">
+                <a:solidFill>
+                  <a:srgbClr val="CC7832"/>
+                </a:solidFill>
+              </a:rPr>
+            </a:br>
+            <a:br>
+              <a:rPr lang="en-US" dirty="0">
+                <a:solidFill>
+                  <a:srgbClr val="CC7832"/>
+                </a:solidFill>
+              </a:rPr>
+            </a:br>
+            <a:r>
+              <a:rPr lang="en-US" b="1" dirty="0">
+                <a:solidFill>
+                  <a:srgbClr val="008080"/>
+                </a:solidFill>
+              </a:rPr>
+              <a:t>void </a:t>
+            </a:r>
+            <a:r>
+              <a:rPr lang="en-US" dirty="0"/>
+              <a:t>main() {</a:t>
+            </a:r>
+            <a:br>
+              <a:rPr lang="en-US" dirty="0"/>
+            </a:br>
+            <a:r>
+              <a:rPr lang="en-US" dirty="0"/>
+              <a:t>    </a:t>
+            </a:r>
+            <a:r>
+              <a:rPr lang="en-US" dirty="0" err="1"/>
+              <a:t>gl_Position</a:t>
+            </a:r>
+            <a:r>
+              <a:rPr lang="en-US" dirty="0"/>
+              <a:t> = </a:t>
+            </a:r>
+            <a:r>
+              <a:rPr lang="en-US" dirty="0" err="1"/>
+              <a:t>projectionMatrix</a:t>
+            </a:r>
+            <a:r>
+              <a:rPr lang="en-US" dirty="0"/>
+              <a:t> * </a:t>
+            </a:r>
+            <a:r>
+              <a:rPr lang="en-US" dirty="0" err="1"/>
+              <a:t>modelMatrix</a:t>
+            </a:r>
+            <a:r>
+              <a:rPr lang="en-US" dirty="0"/>
+              <a:t> * </a:t>
+            </a:r>
+            <a:r>
+              <a:rPr lang="en-US" b="1" dirty="0">
+                <a:solidFill>
+                  <a:srgbClr val="008080"/>
+                </a:solidFill>
+              </a:rPr>
+              <a:t>vec4</a:t>
+            </a:r>
+            <a:r>
+              <a:rPr lang="en-US" dirty="0"/>
+              <a:t>(position</a:t>
+            </a:r>
+            <a:r>
+              <a:rPr lang="en-US" dirty="0">
+                <a:solidFill>
+                  <a:srgbClr val="CC7832"/>
+                </a:solidFill>
+              </a:rPr>
+              <a:t>, </a:t>
+            </a:r>
+            <a:r>
+              <a:rPr lang="en-US" dirty="0">
+                <a:solidFill>
+                  <a:srgbClr val="6897BB"/>
+                </a:solidFill>
+              </a:rPr>
+              <a:t>1.0</a:t>
+            </a:r>
+            <a:r>
+              <a:rPr lang="en-US" dirty="0"/>
+              <a:t>)</a:t>
+            </a:r>
+            <a:r>
+              <a:rPr lang="en-US" dirty="0">
+                <a:solidFill>
+                  <a:srgbClr val="CC7832"/>
+                </a:solidFill>
+              </a:rPr>
+              <a:t>;</a:t>
+            </a:r>
+            <a:br>
+              <a:rPr lang="en-US" dirty="0">
+                <a:solidFill>
+                  <a:srgbClr val="CC7832"/>
+                </a:solidFill>
+              </a:rPr>
+            </a:br>
+            <a:r>
+              <a:rPr lang="en-US" dirty="0">
+                <a:solidFill>
+                  <a:srgbClr val="CC7832"/>
+                </a:solidFill>
+              </a:rPr>
+              <a:t>    </a:t>
+            </a:r>
+            <a:r>
+              <a:rPr lang="en-US" dirty="0"/>
+              <a:t>color = </a:t>
+            </a:r>
+            <a:r>
+              <a:rPr lang="en-US" dirty="0" err="1"/>
+              <a:t>inColor</a:t>
+            </a:r>
+            <a:r>
+              <a:rPr lang="en-US" dirty="0">
+                <a:solidFill>
+                  <a:srgbClr val="CC7832"/>
+                </a:solidFill>
+              </a:rPr>
+              <a:t>;</a:t>
+            </a:r>
+            <a:br>
+              <a:rPr lang="en-US" dirty="0">
+                <a:solidFill>
+                  <a:srgbClr val="CC7832"/>
+                </a:solidFill>
+              </a:rPr>
+            </a:br>
+            <a:r>
+              <a:rPr lang="en-US" dirty="0"/>
+              <a:t>}</a:t>
+            </a:r>
+          </a:p>
+        </p:txBody>
+      </p:sp>
+      <p:sp>
+        <p:nvSpPr>
+          <p:cNvPr id="4" name="Title 3">
+            <a:extLst>
+              <a:ext uri="{FF2B5EF4-FFF2-40B4-BE49-F238E27FC236}">
+                <a16:creationId xmlns:a16="http://schemas.microsoft.com/office/drawing/2014/main" id="{4D71C020-AFFA-4F47-A654-214EA309CBF1}"/>
+              </a:ext>
+            </a:extLst>
+          </p:cNvPr>
+          <p:cNvSpPr>
+            <a:spLocks noGrp="1"/>
+          </p:cNvSpPr>
+          <p:nvPr>
+            <p:ph type="title"/>
+          </p:nvPr>
+        </p:nvSpPr>
+        <p:spPr/>
+        <p:txBody>
+          <a:bodyPr/>
+          <a:lstStyle/>
+          <a:p>
+            <a:r>
+              <a:rPr lang="en-US" dirty="0"/>
+              <a:t>Using a Uniform</a:t>
             </a:r>
           </a:p>
         </p:txBody>
@@ -15711,7 +15422,7 @@
     </p:spTree>
     <p:extLst>
       <p:ext uri="{BB962C8B-B14F-4D97-AF65-F5344CB8AC3E}">
-        <p14:creationId xmlns:p14="http://schemas.microsoft.com/office/powerpoint/2010/main" val="1660204529"/>
+        <p14:creationId xmlns:p14="http://schemas.microsoft.com/office/powerpoint/2010/main" val="71751584"/>
       </p:ext>
     </p:extLst>
   </p:cSld>

--- a/presentation.pptx
+++ b/presentation.pptx
@@ -6832,10 +6832,10 @@
   </p:clrMapOvr>
   <mc:AlternateContent xmlns:mc="http://schemas.openxmlformats.org/markup-compatibility/2006">
     <mc:Choice xmlns:p14="http://schemas.microsoft.com/office/powerpoint/2010/main" Requires="p14">
-      <p:transition spd="slow" p14:dur="2000" advTm="6777"/>
+      <p:transition spd="slow" p14:dur="2000" advTm="6969"/>
     </mc:Choice>
     <mc:Fallback>
-      <p:transition spd="slow" advTm="6777"/>
+      <p:transition spd="slow" advTm="6969"/>
     </mc:Fallback>
   </mc:AlternateContent>
 </p:sld>
@@ -7036,10 +7036,10 @@
   </p:clrMapOvr>
   <mc:AlternateContent xmlns:mc="http://schemas.openxmlformats.org/markup-compatibility/2006">
     <mc:Choice xmlns:p14="http://schemas.microsoft.com/office/powerpoint/2010/main" Requires="p14">
-      <p:transition spd="slow" p14:dur="2000" advTm="57554"/>
+      <p:transition spd="slow" p14:dur="2000" advTm="48479"/>
     </mc:Choice>
     <mc:Fallback>
-      <p:transition spd="slow" advTm="57554"/>
+      <p:transition spd="slow" advTm="48479"/>
     </mc:Fallback>
   </mc:AlternateContent>
 </p:sld>
@@ -7231,10 +7231,10 @@
   </p:clrMapOvr>
   <mc:AlternateContent xmlns:mc="http://schemas.openxmlformats.org/markup-compatibility/2006">
     <mc:Choice xmlns:p14="http://schemas.microsoft.com/office/powerpoint/2010/main" Requires="p14">
-      <p:transition spd="slow" p14:dur="2000" advTm="6178"/>
+      <p:transition spd="slow" p14:dur="2000" advTm="35875"/>
     </mc:Choice>
     <mc:Fallback>
-      <p:transition spd="slow" advTm="6178"/>
+      <p:transition spd="slow" advTm="35875"/>
     </mc:Fallback>
   </mc:AlternateContent>
 </p:sld>
@@ -7375,10 +7375,10 @@
   </p:clrMapOvr>
   <mc:AlternateContent xmlns:mc="http://schemas.openxmlformats.org/markup-compatibility/2006">
     <mc:Choice xmlns:p14="http://schemas.microsoft.com/office/powerpoint/2010/main" Requires="p14">
-      <p:transition spd="slow" p14:dur="2000" advTm="1331"/>
+      <p:transition spd="slow" p14:dur="2000" advTm="50163"/>
     </mc:Choice>
     <mc:Fallback>
-      <p:transition spd="slow" advTm="1331"/>
+      <p:transition spd="slow" advTm="50163"/>
     </mc:Fallback>
   </mc:AlternateContent>
 </p:sld>
@@ -7551,10 +7551,10 @@
   </p:clrMapOvr>
   <mc:AlternateContent xmlns:mc="http://schemas.openxmlformats.org/markup-compatibility/2006">
     <mc:Choice xmlns:p14="http://schemas.microsoft.com/office/powerpoint/2010/main" Requires="p14">
-      <p:transition spd="slow" p14:dur="2000" advTm="70778"/>
+      <p:transition spd="slow" p14:dur="2000" advTm="42249"/>
     </mc:Choice>
     <mc:Fallback>
-      <p:transition spd="slow" advTm="70778"/>
+      <p:transition spd="slow" advTm="42249"/>
     </mc:Fallback>
   </mc:AlternateContent>
 </p:sld>
@@ -7671,10 +7671,10 @@
   </p:clrMapOvr>
   <mc:AlternateContent xmlns:mc="http://schemas.openxmlformats.org/markup-compatibility/2006">
     <mc:Choice xmlns:p14="http://schemas.microsoft.com/office/powerpoint/2010/main" Requires="p14">
-      <p:transition spd="slow" p14:dur="2000" advTm="32944"/>
+      <p:transition spd="slow" p14:dur="2000" advTm="6050"/>
     </mc:Choice>
     <mc:Fallback>
-      <p:transition spd="slow" advTm="32944"/>
+      <p:transition spd="slow" advTm="6050"/>
     </mc:Fallback>
   </mc:AlternateContent>
 </p:sld>
@@ -7806,10 +7806,10 @@
   </p:clrMapOvr>
   <mc:AlternateContent xmlns:mc="http://schemas.openxmlformats.org/markup-compatibility/2006">
     <mc:Choice xmlns:p14="http://schemas.microsoft.com/office/powerpoint/2010/main" Requires="p14">
-      <p:transition spd="slow" p14:dur="2000" advTm="32211"/>
+      <p:transition spd="slow" p14:dur="2000" advTm="11198"/>
     </mc:Choice>
     <mc:Fallback>
-      <p:transition spd="slow" advTm="32211"/>
+      <p:transition spd="slow" advTm="11198"/>
     </mc:Fallback>
   </mc:AlternateContent>
 </p:sld>
@@ -7960,10 +7960,10 @@
   </p:clrMapOvr>
   <mc:AlternateContent xmlns:mc="http://schemas.openxmlformats.org/markup-compatibility/2006">
     <mc:Choice xmlns:p14="http://schemas.microsoft.com/office/powerpoint/2010/main" Requires="p14">
-      <p:transition spd="slow" p14:dur="2000" advTm="1999"/>
+      <p:transition spd="slow" p14:dur="2000" advTm="21106"/>
     </mc:Choice>
     <mc:Fallback>
-      <p:transition spd="slow" advTm="1999"/>
+      <p:transition spd="slow" advTm="21106"/>
     </mc:Fallback>
   </mc:AlternateContent>
 </p:sld>
@@ -8112,12 +8112,12 @@
   <p:clrMapOvr>
     <a:masterClrMapping/>
   </p:clrMapOvr>
-  <mc:AlternateContent xmlns:mc="http://schemas.openxmlformats.org/markup-compatibility/2006" xmlns:p14="http://schemas.microsoft.com/office/powerpoint/2010/main">
-    <mc:Choice Requires="p14">
-      <p:transition spd="slow" p14:dur="2000" advTm="15881"/>
+  <mc:AlternateContent xmlns:mc="http://schemas.openxmlformats.org/markup-compatibility/2006">
+    <mc:Choice xmlns:p14="http://schemas.microsoft.com/office/powerpoint/2010/main" Requires="p14">
+      <p:transition spd="slow" p14:dur="2000" advTm="18047"/>
     </mc:Choice>
-    <mc:Fallback xmlns="">
-      <p:transition spd="slow" advTm="15881"/>
+    <mc:Fallback>
+      <p:transition spd="slow" advTm="18047"/>
     </mc:Fallback>
   </mc:AlternateContent>
 </p:sld>
@@ -8249,10 +8249,10 @@
   </p:clrMapOvr>
   <mc:AlternateContent xmlns:mc="http://schemas.openxmlformats.org/markup-compatibility/2006">
     <mc:Choice xmlns:p14="http://schemas.microsoft.com/office/powerpoint/2010/main" Requires="p14">
-      <p:transition spd="slow" p14:dur="2000" advTm="49371"/>
+      <p:transition spd="slow" p14:dur="2000" advTm="33472"/>
     </mc:Choice>
     <mc:Fallback>
-      <p:transition spd="slow" advTm="49371"/>
+      <p:transition spd="slow" advTm="33472"/>
     </mc:Fallback>
   </mc:AlternateContent>
 </p:sld>
@@ -8326,7 +8326,7 @@
           <a:p>
             <a:r>
               <a:rPr lang="en-US" dirty="0"/>
-              <a:t>OpenGL uses matrices to transform matrices</a:t>
+              <a:t>Matrices modify the position of primitives</a:t>
             </a:r>
           </a:p>
           <a:p>
@@ -8339,7 +8339,7 @@
             <a:pPr lvl="1"/>
             <a:r>
               <a:rPr lang="en-US" dirty="0"/>
-              <a:t>Maps primitive coordinates to screen coordinates</a:t>
+              <a:t>Maps coordinates of primitives to screen coordinates</a:t>
             </a:r>
           </a:p>
           <a:p>
@@ -8396,12 +8396,12 @@
   <p:clrMapOvr>
     <a:masterClrMapping/>
   </p:clrMapOvr>
-  <mc:AlternateContent xmlns:mc="http://schemas.openxmlformats.org/markup-compatibility/2006" xmlns:p14="http://schemas.microsoft.com/office/powerpoint/2010/main">
-    <mc:Choice Requires="p14">
-      <p:transition spd="slow" p14:dur="2000" advTm="47562"/>
+  <mc:AlternateContent xmlns:mc="http://schemas.openxmlformats.org/markup-compatibility/2006">
+    <mc:Choice xmlns:p14="http://schemas.microsoft.com/office/powerpoint/2010/main" Requires="p14">
+      <p:transition spd="slow" p14:dur="2000" advTm="10993"/>
     </mc:Choice>
-    <mc:Fallback xmlns="">
-      <p:transition spd="slow" advTm="47562"/>
+    <mc:Fallback>
+      <p:transition spd="slow" advTm="10993"/>
     </mc:Fallback>
   </mc:AlternateContent>
 </p:sld>
@@ -8565,10 +8565,10 @@
   </p:clrMapOvr>
   <mc:AlternateContent xmlns:mc="http://schemas.openxmlformats.org/markup-compatibility/2006">
     <mc:Choice xmlns:p14="http://schemas.microsoft.com/office/powerpoint/2010/main" Requires="p14">
-      <p:transition spd="slow" p14:dur="2000" advTm="27863"/>
+      <p:transition spd="slow" p14:dur="2000" advTm="21872"/>
     </mc:Choice>
     <mc:Fallback>
-      <p:transition spd="slow" advTm="27863"/>
+      <p:transition spd="slow" advTm="21872"/>
     </mc:Fallback>
   </mc:AlternateContent>
 </p:sld>
@@ -12467,13 +12467,19 @@
           <a:p>
             <a:r>
               <a:rPr lang="en-US" dirty="0"/>
-              <a:t>Once a simple renderer is created, adding on is trivial</a:t>
-            </a:r>
-          </a:p>
-          <a:p>
-            <a:r>
-              <a:rPr lang="en-US" dirty="0"/>
-              <a:t>We’ll start by drawing a single triangle</a:t>
+              <a:t>Once a simple renderer is created adding on is much easier</a:t>
+            </a:r>
+          </a:p>
+          <a:p>
+            <a:r>
+              <a:rPr lang="en-US" dirty="0"/>
+              <a:t>We’ll start by drawing a single triangle with a solid color</a:t>
+            </a:r>
+          </a:p>
+          <a:p>
+            <a:r>
+              <a:rPr lang="en-US" dirty="0"/>
+              <a:t>After we’ll draw a textured cube that rotates</a:t>
             </a:r>
           </a:p>
         </p:txBody>
@@ -12639,10 +12645,10 @@
   </p:clrMapOvr>
   <mc:AlternateContent xmlns:mc="http://schemas.openxmlformats.org/markup-compatibility/2006">
     <mc:Choice xmlns:p14="http://schemas.microsoft.com/office/powerpoint/2010/main" Requires="p14">
-      <p:transition spd="slow" p14:dur="2000" advTm="841"/>
+      <p:transition spd="slow" p14:dur="2000" advTm="1931"/>
     </mc:Choice>
     <mc:Fallback>
-      <p:transition spd="slow" advTm="841"/>
+      <p:transition spd="slow" advTm="1931"/>
     </mc:Fallback>
   </mc:AlternateContent>
 </p:sld>
@@ -15461,10 +15467,10 @@
   </p:clrMapOvr>
   <mc:AlternateContent xmlns:mc="http://schemas.openxmlformats.org/markup-compatibility/2006">
     <mc:Choice xmlns:p14="http://schemas.microsoft.com/office/powerpoint/2010/main" Requires="p14">
-      <p:transition spd="slow" p14:dur="2000" advTm="27379"/>
+      <p:transition spd="slow" p14:dur="2000" advTm="22587"/>
     </mc:Choice>
     <mc:Fallback>
-      <p:transition spd="slow" advTm="27379"/>
+      <p:transition spd="slow" advTm="22587"/>
     </mc:Fallback>
   </mc:AlternateContent>
 </p:sld>
@@ -18826,10 +18832,10 @@
   </p:clrMapOvr>
   <mc:AlternateContent xmlns:mc="http://schemas.openxmlformats.org/markup-compatibility/2006">
     <mc:Choice xmlns:p14="http://schemas.microsoft.com/office/powerpoint/2010/main" Requires="p14">
-      <p:transition spd="slow" p14:dur="2000" advTm="905"/>
+      <p:transition spd="slow" p14:dur="2000" advTm="15401"/>
     </mc:Choice>
     <mc:Fallback>
-      <p:transition spd="slow" advTm="905"/>
+      <p:transition spd="slow" advTm="15401"/>
     </mc:Fallback>
   </mc:AlternateContent>
 </p:sld>
@@ -20960,10 +20966,10 @@
   </p:clrMapOvr>
   <mc:AlternateContent xmlns:mc="http://schemas.openxmlformats.org/markup-compatibility/2006">
     <mc:Choice xmlns:p14="http://schemas.microsoft.com/office/powerpoint/2010/main" Requires="p14">
-      <p:transition spd="slow" p14:dur="2000" advTm="423"/>
+      <p:transition spd="slow" p14:dur="2000" advTm="25381"/>
     </mc:Choice>
     <mc:Fallback>
-      <p:transition spd="slow" advTm="423"/>
+      <p:transition spd="slow" advTm="25381"/>
     </mc:Fallback>
   </mc:AlternateContent>
 </p:sld>
@@ -22021,10 +22027,10 @@
   </p:clrMapOvr>
   <mc:AlternateContent xmlns:mc="http://schemas.openxmlformats.org/markup-compatibility/2006">
     <mc:Choice xmlns:p14="http://schemas.microsoft.com/office/powerpoint/2010/main" Requires="p14">
-      <p:transition spd="slow" p14:dur="2000" advTm="5847"/>
+      <p:transition spd="slow" p14:dur="2000" advTm="47055"/>
     </mc:Choice>
     <mc:Fallback>
-      <p:transition spd="slow" advTm="5847"/>
+      <p:transition spd="slow" advTm="47055"/>
     </mc:Fallback>
   </mc:AlternateContent>
 </p:sld>
@@ -22158,10 +22164,10 @@
   </p:clrMapOvr>
   <mc:AlternateContent xmlns:mc="http://schemas.openxmlformats.org/markup-compatibility/2006">
     <mc:Choice xmlns:p14="http://schemas.microsoft.com/office/powerpoint/2010/main" Requires="p14">
-      <p:transition spd="slow" p14:dur="2000" advTm="7520"/>
+      <p:transition spd="slow" p14:dur="2000" advTm="23013"/>
     </mc:Choice>
     <mc:Fallback>
-      <p:transition spd="slow" advTm="7520"/>
+      <p:transition spd="slow" advTm="23013"/>
     </mc:Fallback>
   </mc:AlternateContent>
 </p:sld>
@@ -22295,10 +22301,10 @@
   </p:clrMapOvr>
   <mc:AlternateContent xmlns:mc="http://schemas.openxmlformats.org/markup-compatibility/2006">
     <mc:Choice xmlns:p14="http://schemas.microsoft.com/office/powerpoint/2010/main" Requires="p14">
-      <p:transition spd="slow" p14:dur="2000" advTm="6881"/>
+      <p:transition spd="slow" p14:dur="2000" advTm="16163"/>
     </mc:Choice>
     <mc:Fallback>
-      <p:transition spd="slow" advTm="6881"/>
+      <p:transition spd="slow" advTm="16163"/>
     </mc:Fallback>
   </mc:AlternateContent>
 </p:sld>

--- a/presentation.pptx
+++ b/presentation.pptx
@@ -365,7 +365,7 @@
           <a:p>
             <a:fld id="{0D29E5F6-4055-AE4B-98F5-9E8595080BB9}" type="datetimeFigureOut">
               <a:rPr lang="en-US" smtClean="0"/>
-              <a:t>4/11/19</a:t>
+              <a:t>4/12/19</a:t>
             </a:fld>
             <a:endParaRPr lang="en-US"/>
           </a:p>
@@ -3039,7 +3039,7 @@
           <a:p>
             <a:fld id="{6B8850C4-06AA-7A41-95BA-992E22A95E4A}" type="datetime1">
               <a:rPr lang="en-US" smtClean="0"/>
-              <a:t>4/11/19</a:t>
+              <a:t>4/12/19</a:t>
             </a:fld>
             <a:endParaRPr lang="en-US"/>
           </a:p>
@@ -3327,7 +3327,7 @@
           <a:p>
             <a:fld id="{CCC3B255-31AB-ED41-BF34-9EC437ADFDDB}" type="datetime1">
               <a:rPr lang="en-US" smtClean="0"/>
-              <a:t>4/11/19</a:t>
+              <a:t>4/12/19</a:t>
             </a:fld>
             <a:endParaRPr lang="en-US"/>
           </a:p>
@@ -3525,7 +3525,7 @@
           <a:p>
             <a:fld id="{245DC9CE-27F6-8A44-9D00-6B9C1B82C922}" type="datetime1">
               <a:rPr lang="en-US" smtClean="0"/>
-              <a:t>4/11/19</a:t>
+              <a:t>4/12/19</a:t>
             </a:fld>
             <a:endParaRPr lang="en-US"/>
           </a:p>
@@ -3733,7 +3733,7 @@
           <a:p>
             <a:fld id="{DF3C07A2-2962-8541-88FA-C03D94E72787}" type="datetime1">
               <a:rPr lang="en-US" smtClean="0"/>
-              <a:t>4/11/19</a:t>
+              <a:t>4/12/19</a:t>
             </a:fld>
             <a:endParaRPr lang="en-US"/>
           </a:p>
@@ -3906,7 +3906,7 @@
             <a:fld id="{A9743519-5124-704D-87DB-584842E11EAC}" type="datetime1">
               <a:rPr lang="en-US" smtClean="0"/>
               <a:pPr/>
-              <a:t>4/11/19</a:t>
+              <a:t>4/12/19</a:t>
             </a:fld>
             <a:endParaRPr lang="en-US" dirty="0"/>
           </a:p>
@@ -4023,7 +4023,7 @@
                 <a:spcPct val="100000"/>
               </a:lnSpc>
               <a:buNone/>
-              <a:defRPr sz="1200">
+              <a:defRPr sz="1600">
                 <a:solidFill>
                   <a:srgbClr val="A9B7C6"/>
                 </a:solidFill>
@@ -4036,7 +4036,7 @@
                 <a:spcPct val="100000"/>
               </a:lnSpc>
               <a:buNone/>
-              <a:defRPr sz="1200">
+              <a:defRPr sz="1600">
                 <a:solidFill>
                   <a:srgbClr val="A9B7C6"/>
                 </a:solidFill>
@@ -4049,7 +4049,7 @@
                 <a:spcPct val="100000"/>
               </a:lnSpc>
               <a:buNone/>
-              <a:defRPr sz="1200">
+              <a:defRPr sz="1600">
                 <a:solidFill>
                   <a:srgbClr val="A9B7C6"/>
                 </a:solidFill>
@@ -4062,7 +4062,7 @@
                 <a:spcPct val="100000"/>
               </a:lnSpc>
               <a:buNone/>
-              <a:defRPr sz="1200">
+              <a:defRPr sz="1600">
                 <a:solidFill>
                   <a:srgbClr val="A9B7C6"/>
                 </a:solidFill>
@@ -4075,7 +4075,7 @@
                 <a:spcPct val="100000"/>
               </a:lnSpc>
               <a:buNone/>
-              <a:defRPr sz="1200">
+              <a:defRPr sz="1600">
                 <a:solidFill>
                   <a:srgbClr val="A9B7C6"/>
                 </a:solidFill>
@@ -4307,7 +4307,7 @@
           <a:p>
             <a:fld id="{37496812-23C4-2E48-AC67-778987793078}" type="datetime1">
               <a:rPr lang="en-US" smtClean="0"/>
-              <a:t>4/11/19</a:t>
+              <a:t>4/12/19</a:t>
             </a:fld>
             <a:endParaRPr lang="en-US"/>
           </a:p>
@@ -4510,7 +4510,7 @@
           <a:p>
             <a:fld id="{37496812-23C4-2E48-AC67-778987793078}" type="datetime1">
               <a:rPr lang="en-US" smtClean="0"/>
-              <a:t>4/11/19</a:t>
+              <a:t>4/12/19</a:t>
             </a:fld>
             <a:endParaRPr lang="en-US"/>
           </a:p>
@@ -4832,7 +4832,7 @@
           <a:p>
             <a:fld id="{0A4C7175-D5C3-2A40-B2CB-ADAE558A04F1}" type="datetime1">
               <a:rPr lang="en-US" smtClean="0"/>
-              <a:t>4/11/19</a:t>
+              <a:t>4/12/19</a:t>
             </a:fld>
             <a:endParaRPr lang="en-US"/>
           </a:p>
@@ -5097,7 +5097,7 @@
           <a:p>
             <a:fld id="{ABA2A8C5-3E99-0A48-BC01-8D7DFBA0AF79}" type="datetime1">
               <a:rPr lang="en-US" smtClean="0"/>
-              <a:t>4/11/19</a:t>
+              <a:t>4/12/19</a:t>
             </a:fld>
             <a:endParaRPr lang="en-US"/>
           </a:p>
@@ -5509,7 +5509,7 @@
           <a:p>
             <a:fld id="{2CE60067-8E67-BF41-A5B8-F2241EAC4833}" type="datetime1">
               <a:rPr lang="en-US" smtClean="0"/>
-              <a:t>4/11/19</a:t>
+              <a:t>4/12/19</a:t>
             </a:fld>
             <a:endParaRPr lang="en-US"/>
           </a:p>
@@ -5650,7 +5650,7 @@
           <a:p>
             <a:fld id="{D71B1015-0580-174F-9D9C-B0059C2A70EC}" type="datetime1">
               <a:rPr lang="en-US" smtClean="0"/>
-              <a:t>4/11/19</a:t>
+              <a:t>4/12/19</a:t>
             </a:fld>
             <a:endParaRPr lang="en-US"/>
           </a:p>
@@ -5763,7 +5763,7 @@
           <a:p>
             <a:fld id="{0B129F4C-57FA-4047-B335-92259A8314CD}" type="datetime1">
               <a:rPr lang="en-US" smtClean="0"/>
-              <a:t>4/11/19</a:t>
+              <a:t>4/12/19</a:t>
             </a:fld>
             <a:endParaRPr lang="en-US"/>
           </a:p>
@@ -6074,7 +6074,7 @@
           <a:p>
             <a:fld id="{C0A1ECED-8D9F-974B-9A87-C4497828B3B3}" type="datetime1">
               <a:rPr lang="en-US" smtClean="0"/>
-              <a:t>4/11/19</a:t>
+              <a:t>4/12/19</a:t>
             </a:fld>
             <a:endParaRPr lang="en-US"/>
           </a:p>
@@ -6315,7 +6315,7 @@
           <a:p>
             <a:fld id="{9BA7D37C-7E4C-B046-88DC-35926AEFD674}" type="datetime1">
               <a:rPr lang="en-US" smtClean="0"/>
-              <a:t>4/11/19</a:t>
+              <a:t>4/12/19</a:t>
             </a:fld>
             <a:endParaRPr lang="en-US"/>
           </a:p>
@@ -6830,11 +6830,11 @@
   <p:clrMapOvr>
     <a:masterClrMapping/>
   </p:clrMapOvr>
-  <mc:AlternateContent xmlns:mc="http://schemas.openxmlformats.org/markup-compatibility/2006">
-    <mc:Choice xmlns:p14="http://schemas.microsoft.com/office/powerpoint/2010/main" Requires="p14">
+  <mc:AlternateContent xmlns:mc="http://schemas.openxmlformats.org/markup-compatibility/2006" xmlns:p14="http://schemas.microsoft.com/office/powerpoint/2010/main">
+    <mc:Choice Requires="p14">
       <p:transition spd="slow" p14:dur="2000" advTm="6969"/>
     </mc:Choice>
-    <mc:Fallback>
+    <mc:Fallback xmlns="">
       <p:transition spd="slow" advTm="6969"/>
     </mc:Fallback>
   </mc:AlternateContent>
@@ -7034,11 +7034,11 @@
   <p:clrMapOvr>
     <a:masterClrMapping/>
   </p:clrMapOvr>
-  <mc:AlternateContent xmlns:mc="http://schemas.openxmlformats.org/markup-compatibility/2006">
-    <mc:Choice xmlns:p14="http://schemas.microsoft.com/office/powerpoint/2010/main" Requires="p14">
+  <mc:AlternateContent xmlns:mc="http://schemas.openxmlformats.org/markup-compatibility/2006" xmlns:p14="http://schemas.microsoft.com/office/powerpoint/2010/main">
+    <mc:Choice Requires="p14">
       <p:transition spd="slow" p14:dur="2000" advTm="48479"/>
     </mc:Choice>
-    <mc:Fallback>
+    <mc:Fallback xmlns="">
       <p:transition spd="slow" advTm="48479"/>
     </mc:Fallback>
   </mc:AlternateContent>
@@ -7229,11 +7229,11 @@
   <p:clrMapOvr>
     <a:masterClrMapping/>
   </p:clrMapOvr>
-  <mc:AlternateContent xmlns:mc="http://schemas.openxmlformats.org/markup-compatibility/2006">
-    <mc:Choice xmlns:p14="http://schemas.microsoft.com/office/powerpoint/2010/main" Requires="p14">
+  <mc:AlternateContent xmlns:mc="http://schemas.openxmlformats.org/markup-compatibility/2006" xmlns:p14="http://schemas.microsoft.com/office/powerpoint/2010/main">
+    <mc:Choice Requires="p14">
       <p:transition spd="slow" p14:dur="2000" advTm="35875"/>
     </mc:Choice>
-    <mc:Fallback>
+    <mc:Fallback xmlns="">
       <p:transition spd="slow" advTm="35875"/>
     </mc:Fallback>
   </mc:AlternateContent>
@@ -7373,11 +7373,11 @@
   <p:clrMapOvr>
     <a:masterClrMapping/>
   </p:clrMapOvr>
-  <mc:AlternateContent xmlns:mc="http://schemas.openxmlformats.org/markup-compatibility/2006">
-    <mc:Choice xmlns:p14="http://schemas.microsoft.com/office/powerpoint/2010/main" Requires="p14">
+  <mc:AlternateContent xmlns:mc="http://schemas.openxmlformats.org/markup-compatibility/2006" xmlns:p14="http://schemas.microsoft.com/office/powerpoint/2010/main">
+    <mc:Choice Requires="p14">
       <p:transition spd="slow" p14:dur="2000" advTm="50163"/>
     </mc:Choice>
-    <mc:Fallback>
+    <mc:Fallback xmlns="">
       <p:transition spd="slow" advTm="50163"/>
     </mc:Fallback>
   </mc:AlternateContent>
@@ -7549,11 +7549,11 @@
   <p:clrMapOvr>
     <a:masterClrMapping/>
   </p:clrMapOvr>
-  <mc:AlternateContent xmlns:mc="http://schemas.openxmlformats.org/markup-compatibility/2006">
-    <mc:Choice xmlns:p14="http://schemas.microsoft.com/office/powerpoint/2010/main" Requires="p14">
+  <mc:AlternateContent xmlns:mc="http://schemas.openxmlformats.org/markup-compatibility/2006" xmlns:p14="http://schemas.microsoft.com/office/powerpoint/2010/main">
+    <mc:Choice Requires="p14">
       <p:transition spd="slow" p14:dur="2000" advTm="42249"/>
     </mc:Choice>
-    <mc:Fallback>
+    <mc:Fallback xmlns="">
       <p:transition spd="slow" advTm="42249"/>
     </mc:Fallback>
   </mc:AlternateContent>
@@ -7669,11 +7669,11 @@
   <p:clrMapOvr>
     <a:masterClrMapping/>
   </p:clrMapOvr>
-  <mc:AlternateContent xmlns:mc="http://schemas.openxmlformats.org/markup-compatibility/2006">
-    <mc:Choice xmlns:p14="http://schemas.microsoft.com/office/powerpoint/2010/main" Requires="p14">
+  <mc:AlternateContent xmlns:mc="http://schemas.openxmlformats.org/markup-compatibility/2006" xmlns:p14="http://schemas.microsoft.com/office/powerpoint/2010/main">
+    <mc:Choice Requires="p14">
       <p:transition spd="slow" p14:dur="2000" advTm="6050"/>
     </mc:Choice>
-    <mc:Fallback>
+    <mc:Fallback xmlns="">
       <p:transition spd="slow" advTm="6050"/>
     </mc:Fallback>
   </mc:AlternateContent>
@@ -7804,11 +7804,11 @@
   <p:clrMapOvr>
     <a:masterClrMapping/>
   </p:clrMapOvr>
-  <mc:AlternateContent xmlns:mc="http://schemas.openxmlformats.org/markup-compatibility/2006">
-    <mc:Choice xmlns:p14="http://schemas.microsoft.com/office/powerpoint/2010/main" Requires="p14">
+  <mc:AlternateContent xmlns:mc="http://schemas.openxmlformats.org/markup-compatibility/2006" xmlns:p14="http://schemas.microsoft.com/office/powerpoint/2010/main">
+    <mc:Choice Requires="p14">
       <p:transition spd="slow" p14:dur="2000" advTm="11198"/>
     </mc:Choice>
-    <mc:Fallback>
+    <mc:Fallback xmlns="">
       <p:transition spd="slow" advTm="11198"/>
     </mc:Fallback>
   </mc:AlternateContent>
@@ -7958,11 +7958,11 @@
   <p:clrMapOvr>
     <a:masterClrMapping/>
   </p:clrMapOvr>
-  <mc:AlternateContent xmlns:mc="http://schemas.openxmlformats.org/markup-compatibility/2006">
-    <mc:Choice xmlns:p14="http://schemas.microsoft.com/office/powerpoint/2010/main" Requires="p14">
+  <mc:AlternateContent xmlns:mc="http://schemas.openxmlformats.org/markup-compatibility/2006" xmlns:p14="http://schemas.microsoft.com/office/powerpoint/2010/main">
+    <mc:Choice Requires="p14">
       <p:transition spd="slow" p14:dur="2000" advTm="21106"/>
     </mc:Choice>
-    <mc:Fallback>
+    <mc:Fallback xmlns="">
       <p:transition spd="slow" advTm="21106"/>
     </mc:Fallback>
   </mc:AlternateContent>
@@ -8112,11 +8112,11 @@
   <p:clrMapOvr>
     <a:masterClrMapping/>
   </p:clrMapOvr>
-  <mc:AlternateContent xmlns:mc="http://schemas.openxmlformats.org/markup-compatibility/2006">
-    <mc:Choice xmlns:p14="http://schemas.microsoft.com/office/powerpoint/2010/main" Requires="p14">
+  <mc:AlternateContent xmlns:mc="http://schemas.openxmlformats.org/markup-compatibility/2006" xmlns:p14="http://schemas.microsoft.com/office/powerpoint/2010/main">
+    <mc:Choice Requires="p14">
       <p:transition spd="slow" p14:dur="2000" advTm="18047"/>
     </mc:Choice>
-    <mc:Fallback>
+    <mc:Fallback xmlns="">
       <p:transition spd="slow" advTm="18047"/>
     </mc:Fallback>
   </mc:AlternateContent>
@@ -8247,11 +8247,11 @@
   <p:clrMapOvr>
     <a:masterClrMapping/>
   </p:clrMapOvr>
-  <mc:AlternateContent xmlns:mc="http://schemas.openxmlformats.org/markup-compatibility/2006">
-    <mc:Choice xmlns:p14="http://schemas.microsoft.com/office/powerpoint/2010/main" Requires="p14">
+  <mc:AlternateContent xmlns:mc="http://schemas.openxmlformats.org/markup-compatibility/2006" xmlns:p14="http://schemas.microsoft.com/office/powerpoint/2010/main">
+    <mc:Choice Requires="p14">
       <p:transition spd="slow" p14:dur="2000" advTm="33472"/>
     </mc:Choice>
-    <mc:Fallback>
+    <mc:Fallback xmlns="">
       <p:transition spd="slow" advTm="33472"/>
     </mc:Fallback>
   </mc:AlternateContent>
@@ -8396,11 +8396,11 @@
   <p:clrMapOvr>
     <a:masterClrMapping/>
   </p:clrMapOvr>
-  <mc:AlternateContent xmlns:mc="http://schemas.openxmlformats.org/markup-compatibility/2006">
-    <mc:Choice xmlns:p14="http://schemas.microsoft.com/office/powerpoint/2010/main" Requires="p14">
+  <mc:AlternateContent xmlns:mc="http://schemas.openxmlformats.org/markup-compatibility/2006" xmlns:p14="http://schemas.microsoft.com/office/powerpoint/2010/main">
+    <mc:Choice Requires="p14">
       <p:transition spd="slow" p14:dur="2000" advTm="10993"/>
     </mc:Choice>
-    <mc:Fallback>
+    <mc:Fallback xmlns="">
       <p:transition spd="slow" advTm="10993"/>
     </mc:Fallback>
   </mc:AlternateContent>
@@ -8563,11 +8563,11 @@
   <p:clrMapOvr>
     <a:masterClrMapping/>
   </p:clrMapOvr>
-  <mc:AlternateContent xmlns:mc="http://schemas.openxmlformats.org/markup-compatibility/2006">
-    <mc:Choice xmlns:p14="http://schemas.microsoft.com/office/powerpoint/2010/main" Requires="p14">
+  <mc:AlternateContent xmlns:mc="http://schemas.openxmlformats.org/markup-compatibility/2006" xmlns:p14="http://schemas.microsoft.com/office/powerpoint/2010/main">
+    <mc:Choice Requires="p14">
       <p:transition spd="slow" p14:dur="2000" advTm="21872"/>
     </mc:Choice>
-    <mc:Fallback>
+    <mc:Fallback xmlns="">
       <p:transition spd="slow" advTm="21872"/>
     </mc:Fallback>
   </mc:AlternateContent>
@@ -12643,11 +12643,11 @@
   <p:clrMapOvr>
     <a:masterClrMapping/>
   </p:clrMapOvr>
-  <mc:AlternateContent xmlns:mc="http://schemas.openxmlformats.org/markup-compatibility/2006">
-    <mc:Choice xmlns:p14="http://schemas.microsoft.com/office/powerpoint/2010/main" Requires="p14">
+  <mc:AlternateContent xmlns:mc="http://schemas.openxmlformats.org/markup-compatibility/2006" xmlns:p14="http://schemas.microsoft.com/office/powerpoint/2010/main">
+    <mc:Choice Requires="p14">
       <p:transition spd="slow" p14:dur="2000" advTm="1931"/>
     </mc:Choice>
-    <mc:Fallback>
+    <mc:Fallback xmlns="">
       <p:transition spd="slow" advTm="1931"/>
     </mc:Fallback>
   </mc:AlternateContent>
@@ -12854,7 +12854,7 @@
         <p:spPr/>
         <p:txBody>
           <a:bodyPr>
-            <a:normAutofit/>
+            <a:normAutofit lnSpcReduction="10000"/>
           </a:bodyPr>
           <a:lstStyle/>
           <a:p>
@@ -13814,7 +13814,9 @@
         </p:nvSpPr>
         <p:spPr/>
         <p:txBody>
-          <a:bodyPr/>
+          <a:bodyPr>
+            <a:normAutofit lnSpcReduction="10000"/>
+          </a:bodyPr>
           <a:lstStyle/>
           <a:p>
             <a:r>
@@ -15465,11 +15467,11 @@
   <p:clrMapOvr>
     <a:masterClrMapping/>
   </p:clrMapOvr>
-  <mc:AlternateContent xmlns:mc="http://schemas.openxmlformats.org/markup-compatibility/2006">
-    <mc:Choice xmlns:p14="http://schemas.microsoft.com/office/powerpoint/2010/main" Requires="p14">
+  <mc:AlternateContent xmlns:mc="http://schemas.openxmlformats.org/markup-compatibility/2006" xmlns:p14="http://schemas.microsoft.com/office/powerpoint/2010/main">
+    <mc:Choice Requires="p14">
       <p:transition spd="slow" p14:dur="2000" advTm="22587"/>
     </mc:Choice>
-    <mc:Fallback>
+    <mc:Fallback xmlns="">
       <p:transition spd="slow" advTm="22587"/>
     </mc:Fallback>
   </mc:AlternateContent>
@@ -15702,7 +15704,9 @@
         </p:nvSpPr>
         <p:spPr/>
         <p:txBody>
-          <a:bodyPr/>
+          <a:bodyPr>
+            <a:normAutofit fontScale="92500" lnSpcReduction="10000"/>
+          </a:bodyPr>
           <a:lstStyle/>
           <a:p>
             <a:r>
@@ -18319,6 +18323,14 @@
             <a:r>
               <a:rPr lang="en-US" b="1" dirty="0">
                 <a:solidFill>
+                  <a:srgbClr val="0080FF"/>
+                </a:solidFill>
+              </a:rPr>
+              <a:t>in </a:t>
+            </a:r>
+            <a:r>
+              <a:rPr lang="en-US" b="1" dirty="0">
+                <a:solidFill>
                   <a:srgbClr val="008080"/>
                 </a:solidFill>
               </a:rPr>
@@ -18830,11 +18842,11 @@
   <p:clrMapOvr>
     <a:masterClrMapping/>
   </p:clrMapOvr>
-  <mc:AlternateContent xmlns:mc="http://schemas.openxmlformats.org/markup-compatibility/2006">
-    <mc:Choice xmlns:p14="http://schemas.microsoft.com/office/powerpoint/2010/main" Requires="p14">
+  <mc:AlternateContent xmlns:mc="http://schemas.openxmlformats.org/markup-compatibility/2006" xmlns:p14="http://schemas.microsoft.com/office/powerpoint/2010/main">
+    <mc:Choice Requires="p14">
       <p:transition spd="slow" p14:dur="2000" advTm="15401"/>
     </mc:Choice>
-    <mc:Fallback>
+    <mc:Fallback xmlns="">
       <p:transition spd="slow" advTm="15401"/>
     </mc:Fallback>
   </mc:AlternateContent>
@@ -20964,11 +20976,11 @@
   <p:clrMapOvr>
     <a:masterClrMapping/>
   </p:clrMapOvr>
-  <mc:AlternateContent xmlns:mc="http://schemas.openxmlformats.org/markup-compatibility/2006">
-    <mc:Choice xmlns:p14="http://schemas.microsoft.com/office/powerpoint/2010/main" Requires="p14">
+  <mc:AlternateContent xmlns:mc="http://schemas.openxmlformats.org/markup-compatibility/2006" xmlns:p14="http://schemas.microsoft.com/office/powerpoint/2010/main">
+    <mc:Choice Requires="p14">
       <p:transition spd="slow" p14:dur="2000" advTm="25381"/>
     </mc:Choice>
-    <mc:Fallback>
+    <mc:Fallback xmlns="">
       <p:transition spd="slow" advTm="25381"/>
     </mc:Fallback>
   </mc:AlternateContent>
@@ -22025,11 +22037,11 @@
   <p:clrMapOvr>
     <a:masterClrMapping/>
   </p:clrMapOvr>
-  <mc:AlternateContent xmlns:mc="http://schemas.openxmlformats.org/markup-compatibility/2006">
-    <mc:Choice xmlns:p14="http://schemas.microsoft.com/office/powerpoint/2010/main" Requires="p14">
+  <mc:AlternateContent xmlns:mc="http://schemas.openxmlformats.org/markup-compatibility/2006" xmlns:p14="http://schemas.microsoft.com/office/powerpoint/2010/main">
+    <mc:Choice Requires="p14">
       <p:transition spd="slow" p14:dur="2000" advTm="47055"/>
     </mc:Choice>
-    <mc:Fallback>
+    <mc:Fallback xmlns="">
       <p:transition spd="slow" advTm="47055"/>
     </mc:Fallback>
   </mc:AlternateContent>
@@ -22162,11 +22174,11 @@
   <p:clrMapOvr>
     <a:masterClrMapping/>
   </p:clrMapOvr>
-  <mc:AlternateContent xmlns:mc="http://schemas.openxmlformats.org/markup-compatibility/2006">
-    <mc:Choice xmlns:p14="http://schemas.microsoft.com/office/powerpoint/2010/main" Requires="p14">
+  <mc:AlternateContent xmlns:mc="http://schemas.openxmlformats.org/markup-compatibility/2006" xmlns:p14="http://schemas.microsoft.com/office/powerpoint/2010/main">
+    <mc:Choice Requires="p14">
       <p:transition spd="slow" p14:dur="2000" advTm="23013"/>
     </mc:Choice>
-    <mc:Fallback>
+    <mc:Fallback xmlns="">
       <p:transition spd="slow" advTm="23013"/>
     </mc:Fallback>
   </mc:AlternateContent>
@@ -22299,11 +22311,11 @@
   <p:clrMapOvr>
     <a:masterClrMapping/>
   </p:clrMapOvr>
-  <mc:AlternateContent xmlns:mc="http://schemas.openxmlformats.org/markup-compatibility/2006">
-    <mc:Choice xmlns:p14="http://schemas.microsoft.com/office/powerpoint/2010/main" Requires="p14">
+  <mc:AlternateContent xmlns:mc="http://schemas.openxmlformats.org/markup-compatibility/2006" xmlns:p14="http://schemas.microsoft.com/office/powerpoint/2010/main">
+    <mc:Choice Requires="p14">
       <p:transition spd="slow" p14:dur="2000" advTm="16163"/>
     </mc:Choice>
-    <mc:Fallback>
+    <mc:Fallback xmlns="">
       <p:transition spd="slow" advTm="16163"/>
     </mc:Fallback>
   </mc:AlternateContent>
